--- a/output/slides_3-13.pptx
+++ b/output/slides_3-13.pptx
@@ -5,13 +5,15 @@
     <p:sldMasterId id="2147483660" r:id="rId1"/>
   </p:sldMasterIdLst>
   <p:notesMasterIdLst>
-    <p:notesMasterId r:id="rId6"/>
+    <p:notesMasterId r:id="rId8"/>
   </p:notesMasterIdLst>
   <p:sldIdLst>
     <p:sldId id="256" r:id="rId2"/>
-    <p:sldId id="257" r:id="rId3"/>
-    <p:sldId id="259" r:id="rId4"/>
-    <p:sldId id="258" r:id="rId5"/>
+    <p:sldId id="259" r:id="rId3"/>
+    <p:sldId id="260" r:id="rId4"/>
+    <p:sldId id="261" r:id="rId5"/>
+    <p:sldId id="262" r:id="rId6"/>
+    <p:sldId id="257" r:id="rId7"/>
   </p:sldIdLst>
   <p:sldSz cx="12192000" cy="6858000"/>
   <p:notesSz cx="6858000" cy="9144000"/>
@@ -200,7 +202,7 @@
           <a:p>
             <a:fld id="{3413BE39-9EB7-44DB-B171-E95B47B0AAF7}" type="datetimeFigureOut">
               <a:rPr lang="en-US" smtClean="0"/>
-              <a:t>3/10/2020</a:t>
+              <a:t>3/13/2020</a:t>
             </a:fld>
             <a:endParaRPr lang="en-US"/>
           </a:p>
@@ -598,7 +600,7 @@
           <a:p>
             <a:fld id="{11DD056C-A34B-447A-A9C0-F1C2372662C1}" type="datetimeFigureOut">
               <a:rPr lang="en-US" smtClean="0"/>
-              <a:t>3/10/2020</a:t>
+              <a:t>3/13/2020</a:t>
             </a:fld>
             <a:endParaRPr lang="en-US"/>
           </a:p>
@@ -768,7 +770,7 @@
           <a:p>
             <a:fld id="{11DD056C-A34B-447A-A9C0-F1C2372662C1}" type="datetimeFigureOut">
               <a:rPr lang="en-US" smtClean="0"/>
-              <a:t>3/10/2020</a:t>
+              <a:t>3/13/2020</a:t>
             </a:fld>
             <a:endParaRPr lang="en-US"/>
           </a:p>
@@ -948,7 +950,7 @@
           <a:p>
             <a:fld id="{11DD056C-A34B-447A-A9C0-F1C2372662C1}" type="datetimeFigureOut">
               <a:rPr lang="en-US" smtClean="0"/>
-              <a:t>3/10/2020</a:t>
+              <a:t>3/13/2020</a:t>
             </a:fld>
             <a:endParaRPr lang="en-US"/>
           </a:p>
@@ -1118,7 +1120,7 @@
           <a:p>
             <a:fld id="{11DD056C-A34B-447A-A9C0-F1C2372662C1}" type="datetimeFigureOut">
               <a:rPr lang="en-US" smtClean="0"/>
-              <a:t>3/10/2020</a:t>
+              <a:t>3/13/2020</a:t>
             </a:fld>
             <a:endParaRPr lang="en-US"/>
           </a:p>
@@ -1362,7 +1364,7 @@
           <a:p>
             <a:fld id="{11DD056C-A34B-447A-A9C0-F1C2372662C1}" type="datetimeFigureOut">
               <a:rPr lang="en-US" smtClean="0"/>
-              <a:t>3/10/2020</a:t>
+              <a:t>3/13/2020</a:t>
             </a:fld>
             <a:endParaRPr lang="en-US"/>
           </a:p>
@@ -1594,7 +1596,7 @@
           <a:p>
             <a:fld id="{11DD056C-A34B-447A-A9C0-F1C2372662C1}" type="datetimeFigureOut">
               <a:rPr lang="en-US" smtClean="0"/>
-              <a:t>3/10/2020</a:t>
+              <a:t>3/13/2020</a:t>
             </a:fld>
             <a:endParaRPr lang="en-US"/>
           </a:p>
@@ -1961,7 +1963,7 @@
           <a:p>
             <a:fld id="{11DD056C-A34B-447A-A9C0-F1C2372662C1}" type="datetimeFigureOut">
               <a:rPr lang="en-US" smtClean="0"/>
-              <a:t>3/10/2020</a:t>
+              <a:t>3/13/2020</a:t>
             </a:fld>
             <a:endParaRPr lang="en-US"/>
           </a:p>
@@ -2079,7 +2081,7 @@
           <a:p>
             <a:fld id="{11DD056C-A34B-447A-A9C0-F1C2372662C1}" type="datetimeFigureOut">
               <a:rPr lang="en-US" smtClean="0"/>
-              <a:t>3/10/2020</a:t>
+              <a:t>3/13/2020</a:t>
             </a:fld>
             <a:endParaRPr lang="en-US"/>
           </a:p>
@@ -2174,7 +2176,7 @@
           <a:p>
             <a:fld id="{11DD056C-A34B-447A-A9C0-F1C2372662C1}" type="datetimeFigureOut">
               <a:rPr lang="en-US" smtClean="0"/>
-              <a:t>3/10/2020</a:t>
+              <a:t>3/13/2020</a:t>
             </a:fld>
             <a:endParaRPr lang="en-US"/>
           </a:p>
@@ -2451,7 +2453,7 @@
           <a:p>
             <a:fld id="{11DD056C-A34B-447A-A9C0-F1C2372662C1}" type="datetimeFigureOut">
               <a:rPr lang="en-US" smtClean="0"/>
-              <a:t>3/10/2020</a:t>
+              <a:t>3/13/2020</a:t>
             </a:fld>
             <a:endParaRPr lang="en-US"/>
           </a:p>
@@ -2708,7 +2710,7 @@
           <a:p>
             <a:fld id="{11DD056C-A34B-447A-A9C0-F1C2372662C1}" type="datetimeFigureOut">
               <a:rPr lang="en-US" smtClean="0"/>
-              <a:t>3/10/2020</a:t>
+              <a:t>3/13/2020</a:t>
             </a:fld>
             <a:endParaRPr lang="en-US"/>
           </a:p>
@@ -2921,7 +2923,7 @@
           <a:p>
             <a:fld id="{11DD056C-A34B-447A-A9C0-F1C2372662C1}" type="datetimeFigureOut">
               <a:rPr lang="en-US" smtClean="0"/>
-              <a:t>3/10/2020</a:t>
+              <a:t>3/13/2020</a:t>
             </a:fld>
             <a:endParaRPr lang="en-US"/>
           </a:p>
@@ -3348,9 +3350,10 @@
           <a:lstStyle/>
           <a:p>
             <a:r>
-              <a:rPr lang="en-US" dirty="0"/>
-              <a:t>3/9</a:t>
+              <a:rPr lang="en-US"/>
+              <a:t>3/11</a:t>
             </a:r>
+            <a:endParaRPr lang="en-US" dirty="0"/>
           </a:p>
         </p:txBody>
       </p:sp>
@@ -3393,1387 +3396,6 @@
 </file>
 
 <file path=ppt/slides/slide2.xml><?xml version="1.0" encoding="utf-8"?>
-<p:sld xmlns:a="http://schemas.openxmlformats.org/drawingml/2006/main" xmlns:r="http://schemas.openxmlformats.org/officeDocument/2006/relationships" xmlns:p="http://schemas.openxmlformats.org/presentationml/2006/main">
-  <p:cSld>
-    <p:spTree>
-      <p:nvGrpSpPr>
-        <p:cNvPr id="1" name=""/>
-        <p:cNvGrpSpPr/>
-        <p:nvPr/>
-      </p:nvGrpSpPr>
-      <p:grpSpPr>
-        <a:xfrm>
-          <a:off x="0" y="0"/>
-          <a:ext cx="0" cy="0"/>
-          <a:chOff x="0" y="0"/>
-          <a:chExt cx="0" cy="0"/>
-        </a:xfrm>
-      </p:grpSpPr>
-      <p:sp>
-        <p:nvSpPr>
-          <p:cNvPr id="4" name="Rectangle 3">
-            <a:extLst>
-              <a:ext uri="{FF2B5EF4-FFF2-40B4-BE49-F238E27FC236}">
-                <a16:creationId xmlns:a16="http://schemas.microsoft.com/office/drawing/2014/main" id="{43D9B88F-D573-45FC-9CCC-E3BC91BE00DE}"/>
-              </a:ext>
-            </a:extLst>
-          </p:cNvPr>
-          <p:cNvSpPr/>
-          <p:nvPr/>
-        </p:nvSpPr>
-        <p:spPr>
-          <a:xfrm>
-            <a:off x="1331651" y="994299"/>
-            <a:ext cx="1118586" cy="1118586"/>
-          </a:xfrm>
-          <a:prstGeom prst="rect">
-            <a:avLst/>
-          </a:prstGeom>
-        </p:spPr>
-        <p:style>
-          <a:lnRef idx="2">
-            <a:schemeClr val="dk1"/>
-          </a:lnRef>
-          <a:fillRef idx="1">
-            <a:schemeClr val="lt1"/>
-          </a:fillRef>
-          <a:effectRef idx="0">
-            <a:schemeClr val="dk1"/>
-          </a:effectRef>
-          <a:fontRef idx="minor">
-            <a:schemeClr val="dk1"/>
-          </a:fontRef>
-        </p:style>
-        <p:txBody>
-          <a:bodyPr rtlCol="0" anchor="ctr"/>
-          <a:lstStyle/>
-          <a:p>
-            <a:pPr algn="ctr"/>
-            <a:endParaRPr lang="en-US"/>
-          </a:p>
-        </p:txBody>
-      </p:sp>
-      <p:sp>
-        <p:nvSpPr>
-          <p:cNvPr id="5" name="Rectangle 4">
-            <a:extLst>
-              <a:ext uri="{FF2B5EF4-FFF2-40B4-BE49-F238E27FC236}">
-                <a16:creationId xmlns:a16="http://schemas.microsoft.com/office/drawing/2014/main" id="{AF44F548-1856-4B78-BAEE-247BD2857694}"/>
-              </a:ext>
-            </a:extLst>
-          </p:cNvPr>
-          <p:cNvSpPr/>
-          <p:nvPr/>
-        </p:nvSpPr>
-        <p:spPr>
-          <a:xfrm>
-            <a:off x="2450237" y="994299"/>
-            <a:ext cx="1118586" cy="1118586"/>
-          </a:xfrm>
-          <a:prstGeom prst="rect">
-            <a:avLst/>
-          </a:prstGeom>
-        </p:spPr>
-        <p:style>
-          <a:lnRef idx="2">
-            <a:schemeClr val="dk1"/>
-          </a:lnRef>
-          <a:fillRef idx="1">
-            <a:schemeClr val="lt1"/>
-          </a:fillRef>
-          <a:effectRef idx="0">
-            <a:schemeClr val="dk1"/>
-          </a:effectRef>
-          <a:fontRef idx="minor">
-            <a:schemeClr val="dk1"/>
-          </a:fontRef>
-        </p:style>
-        <p:txBody>
-          <a:bodyPr rtlCol="0" anchor="ctr"/>
-          <a:lstStyle/>
-          <a:p>
-            <a:pPr algn="ctr"/>
-            <a:endParaRPr lang="en-US"/>
-          </a:p>
-        </p:txBody>
-      </p:sp>
-      <p:sp>
-        <p:nvSpPr>
-          <p:cNvPr id="6" name="Rectangle 5">
-            <a:extLst>
-              <a:ext uri="{FF2B5EF4-FFF2-40B4-BE49-F238E27FC236}">
-                <a16:creationId xmlns:a16="http://schemas.microsoft.com/office/drawing/2014/main" id="{A3407995-0746-499A-B739-67F7A4550711}"/>
-              </a:ext>
-            </a:extLst>
-          </p:cNvPr>
-          <p:cNvSpPr/>
-          <p:nvPr/>
-        </p:nvSpPr>
-        <p:spPr>
-          <a:xfrm>
-            <a:off x="3568823" y="994299"/>
-            <a:ext cx="1118586" cy="1118586"/>
-          </a:xfrm>
-          <a:prstGeom prst="rect">
-            <a:avLst/>
-          </a:prstGeom>
-        </p:spPr>
-        <p:style>
-          <a:lnRef idx="2">
-            <a:schemeClr val="dk1"/>
-          </a:lnRef>
-          <a:fillRef idx="1">
-            <a:schemeClr val="lt1"/>
-          </a:fillRef>
-          <a:effectRef idx="0">
-            <a:schemeClr val="dk1"/>
-          </a:effectRef>
-          <a:fontRef idx="minor">
-            <a:schemeClr val="dk1"/>
-          </a:fontRef>
-        </p:style>
-        <p:txBody>
-          <a:bodyPr rtlCol="0" anchor="ctr"/>
-          <a:lstStyle/>
-          <a:p>
-            <a:pPr algn="ctr"/>
-            <a:endParaRPr lang="en-US"/>
-          </a:p>
-        </p:txBody>
-      </p:sp>
-      <p:sp>
-        <p:nvSpPr>
-          <p:cNvPr id="7" name="Rectangle 6">
-            <a:extLst>
-              <a:ext uri="{FF2B5EF4-FFF2-40B4-BE49-F238E27FC236}">
-                <a16:creationId xmlns:a16="http://schemas.microsoft.com/office/drawing/2014/main" id="{0758F4E0-C62F-48D8-BECE-82C7B1DEE3F2}"/>
-              </a:ext>
-            </a:extLst>
-          </p:cNvPr>
-          <p:cNvSpPr/>
-          <p:nvPr/>
-        </p:nvSpPr>
-        <p:spPr>
-          <a:xfrm>
-            <a:off x="4687409" y="994299"/>
-            <a:ext cx="1118586" cy="1118586"/>
-          </a:xfrm>
-          <a:prstGeom prst="rect">
-            <a:avLst/>
-          </a:prstGeom>
-        </p:spPr>
-        <p:style>
-          <a:lnRef idx="2">
-            <a:schemeClr val="dk1"/>
-          </a:lnRef>
-          <a:fillRef idx="1">
-            <a:schemeClr val="lt1"/>
-          </a:fillRef>
-          <a:effectRef idx="0">
-            <a:schemeClr val="dk1"/>
-          </a:effectRef>
-          <a:fontRef idx="minor">
-            <a:schemeClr val="dk1"/>
-          </a:fontRef>
-        </p:style>
-        <p:txBody>
-          <a:bodyPr rtlCol="0" anchor="ctr"/>
-          <a:lstStyle/>
-          <a:p>
-            <a:pPr algn="ctr"/>
-            <a:endParaRPr lang="en-US"/>
-          </a:p>
-        </p:txBody>
-      </p:sp>
-      <p:sp>
-        <p:nvSpPr>
-          <p:cNvPr id="8" name="Rectangle 7">
-            <a:extLst>
-              <a:ext uri="{FF2B5EF4-FFF2-40B4-BE49-F238E27FC236}">
-                <a16:creationId xmlns:a16="http://schemas.microsoft.com/office/drawing/2014/main" id="{EDEF0C55-F74F-4E80-B501-A227F6DC2B84}"/>
-              </a:ext>
-            </a:extLst>
-          </p:cNvPr>
-          <p:cNvSpPr/>
-          <p:nvPr/>
-        </p:nvSpPr>
-        <p:spPr>
-          <a:xfrm>
-            <a:off x="4687409" y="2112885"/>
-            <a:ext cx="1118586" cy="1118586"/>
-          </a:xfrm>
-          <a:prstGeom prst="rect">
-            <a:avLst/>
-          </a:prstGeom>
-        </p:spPr>
-        <p:style>
-          <a:lnRef idx="2">
-            <a:schemeClr val="dk1"/>
-          </a:lnRef>
-          <a:fillRef idx="1">
-            <a:schemeClr val="lt1"/>
-          </a:fillRef>
-          <a:effectRef idx="0">
-            <a:schemeClr val="dk1"/>
-          </a:effectRef>
-          <a:fontRef idx="minor">
-            <a:schemeClr val="dk1"/>
-          </a:fontRef>
-        </p:style>
-        <p:txBody>
-          <a:bodyPr rtlCol="0" anchor="ctr"/>
-          <a:lstStyle/>
-          <a:p>
-            <a:pPr algn="ctr"/>
-            <a:endParaRPr lang="en-US"/>
-          </a:p>
-        </p:txBody>
-      </p:sp>
-      <p:sp>
-        <p:nvSpPr>
-          <p:cNvPr id="9" name="Rectangle 8">
-            <a:extLst>
-              <a:ext uri="{FF2B5EF4-FFF2-40B4-BE49-F238E27FC236}">
-                <a16:creationId xmlns:a16="http://schemas.microsoft.com/office/drawing/2014/main" id="{1DCF4A2D-47EA-4D72-8AB2-F0E1C5C9A8D9}"/>
-              </a:ext>
-            </a:extLst>
-          </p:cNvPr>
-          <p:cNvSpPr/>
-          <p:nvPr/>
-        </p:nvSpPr>
-        <p:spPr>
-          <a:xfrm>
-            <a:off x="3568823" y="2112885"/>
-            <a:ext cx="1118586" cy="1118586"/>
-          </a:xfrm>
-          <a:prstGeom prst="rect">
-            <a:avLst/>
-          </a:prstGeom>
-        </p:spPr>
-        <p:style>
-          <a:lnRef idx="2">
-            <a:schemeClr val="dk1"/>
-          </a:lnRef>
-          <a:fillRef idx="1">
-            <a:schemeClr val="lt1"/>
-          </a:fillRef>
-          <a:effectRef idx="0">
-            <a:schemeClr val="dk1"/>
-          </a:effectRef>
-          <a:fontRef idx="minor">
-            <a:schemeClr val="dk1"/>
-          </a:fontRef>
-        </p:style>
-        <p:txBody>
-          <a:bodyPr rtlCol="0" anchor="ctr"/>
-          <a:lstStyle/>
-          <a:p>
-            <a:pPr algn="ctr"/>
-            <a:endParaRPr lang="en-US"/>
-          </a:p>
-        </p:txBody>
-      </p:sp>
-      <p:sp>
-        <p:nvSpPr>
-          <p:cNvPr id="10" name="Rectangle 9">
-            <a:extLst>
-              <a:ext uri="{FF2B5EF4-FFF2-40B4-BE49-F238E27FC236}">
-                <a16:creationId xmlns:a16="http://schemas.microsoft.com/office/drawing/2014/main" id="{DD446EE8-AA7A-4558-A7A0-9667EB976C74}"/>
-              </a:ext>
-            </a:extLst>
-          </p:cNvPr>
-          <p:cNvSpPr/>
-          <p:nvPr/>
-        </p:nvSpPr>
-        <p:spPr>
-          <a:xfrm>
-            <a:off x="2450237" y="2112885"/>
-            <a:ext cx="1118586" cy="1118586"/>
-          </a:xfrm>
-          <a:prstGeom prst="rect">
-            <a:avLst/>
-          </a:prstGeom>
-        </p:spPr>
-        <p:style>
-          <a:lnRef idx="2">
-            <a:schemeClr val="dk1"/>
-          </a:lnRef>
-          <a:fillRef idx="1">
-            <a:schemeClr val="lt1"/>
-          </a:fillRef>
-          <a:effectRef idx="0">
-            <a:schemeClr val="dk1"/>
-          </a:effectRef>
-          <a:fontRef idx="minor">
-            <a:schemeClr val="dk1"/>
-          </a:fontRef>
-        </p:style>
-        <p:txBody>
-          <a:bodyPr rtlCol="0" anchor="ctr"/>
-          <a:lstStyle/>
-          <a:p>
-            <a:pPr algn="ctr"/>
-            <a:endParaRPr lang="en-US"/>
-          </a:p>
-        </p:txBody>
-      </p:sp>
-      <p:sp>
-        <p:nvSpPr>
-          <p:cNvPr id="11" name="Rectangle 10">
-            <a:extLst>
-              <a:ext uri="{FF2B5EF4-FFF2-40B4-BE49-F238E27FC236}">
-                <a16:creationId xmlns:a16="http://schemas.microsoft.com/office/drawing/2014/main" id="{AC91F6D3-0AA7-4535-9E04-3235E30686F5}"/>
-              </a:ext>
-            </a:extLst>
-          </p:cNvPr>
-          <p:cNvSpPr/>
-          <p:nvPr/>
-        </p:nvSpPr>
-        <p:spPr>
-          <a:xfrm>
-            <a:off x="1331651" y="2112885"/>
-            <a:ext cx="1118586" cy="1118586"/>
-          </a:xfrm>
-          <a:prstGeom prst="rect">
-            <a:avLst/>
-          </a:prstGeom>
-        </p:spPr>
-        <p:style>
-          <a:lnRef idx="2">
-            <a:schemeClr val="dk1"/>
-          </a:lnRef>
-          <a:fillRef idx="1">
-            <a:schemeClr val="lt1"/>
-          </a:fillRef>
-          <a:effectRef idx="0">
-            <a:schemeClr val="dk1"/>
-          </a:effectRef>
-          <a:fontRef idx="minor">
-            <a:schemeClr val="dk1"/>
-          </a:fontRef>
-        </p:style>
-        <p:txBody>
-          <a:bodyPr rtlCol="0" anchor="ctr"/>
-          <a:lstStyle/>
-          <a:p>
-            <a:pPr algn="ctr"/>
-            <a:endParaRPr lang="en-US"/>
-          </a:p>
-        </p:txBody>
-      </p:sp>
-      <p:sp>
-        <p:nvSpPr>
-          <p:cNvPr id="12" name="Rectangle 11">
-            <a:extLst>
-              <a:ext uri="{FF2B5EF4-FFF2-40B4-BE49-F238E27FC236}">
-                <a16:creationId xmlns:a16="http://schemas.microsoft.com/office/drawing/2014/main" id="{B429D7A6-8FD3-4939-834A-205F0AC8ECD4}"/>
-              </a:ext>
-            </a:extLst>
-          </p:cNvPr>
-          <p:cNvSpPr/>
-          <p:nvPr/>
-        </p:nvSpPr>
-        <p:spPr>
-          <a:xfrm>
-            <a:off x="1331651" y="3231471"/>
-            <a:ext cx="1118586" cy="1118586"/>
-          </a:xfrm>
-          <a:prstGeom prst="rect">
-            <a:avLst/>
-          </a:prstGeom>
-        </p:spPr>
-        <p:style>
-          <a:lnRef idx="2">
-            <a:schemeClr val="dk1"/>
-          </a:lnRef>
-          <a:fillRef idx="1">
-            <a:schemeClr val="lt1"/>
-          </a:fillRef>
-          <a:effectRef idx="0">
-            <a:schemeClr val="dk1"/>
-          </a:effectRef>
-          <a:fontRef idx="minor">
-            <a:schemeClr val="dk1"/>
-          </a:fontRef>
-        </p:style>
-        <p:txBody>
-          <a:bodyPr rtlCol="0" anchor="ctr"/>
-          <a:lstStyle/>
-          <a:p>
-            <a:pPr algn="ctr"/>
-            <a:endParaRPr lang="en-US"/>
-          </a:p>
-        </p:txBody>
-      </p:sp>
-      <p:sp>
-        <p:nvSpPr>
-          <p:cNvPr id="13" name="Rectangle 12">
-            <a:extLst>
-              <a:ext uri="{FF2B5EF4-FFF2-40B4-BE49-F238E27FC236}">
-                <a16:creationId xmlns:a16="http://schemas.microsoft.com/office/drawing/2014/main" id="{B36EAC1A-ECA8-43AD-A022-3FC4A83B836E}"/>
-              </a:ext>
-            </a:extLst>
-          </p:cNvPr>
-          <p:cNvSpPr/>
-          <p:nvPr/>
-        </p:nvSpPr>
-        <p:spPr>
-          <a:xfrm>
-            <a:off x="2450237" y="3231471"/>
-            <a:ext cx="1118586" cy="1118586"/>
-          </a:xfrm>
-          <a:prstGeom prst="rect">
-            <a:avLst/>
-          </a:prstGeom>
-        </p:spPr>
-        <p:style>
-          <a:lnRef idx="2">
-            <a:schemeClr val="dk1"/>
-          </a:lnRef>
-          <a:fillRef idx="1">
-            <a:schemeClr val="lt1"/>
-          </a:fillRef>
-          <a:effectRef idx="0">
-            <a:schemeClr val="dk1"/>
-          </a:effectRef>
-          <a:fontRef idx="minor">
-            <a:schemeClr val="dk1"/>
-          </a:fontRef>
-        </p:style>
-        <p:txBody>
-          <a:bodyPr rtlCol="0" anchor="ctr"/>
-          <a:lstStyle/>
-          <a:p>
-            <a:pPr algn="ctr"/>
-            <a:endParaRPr lang="en-US"/>
-          </a:p>
-        </p:txBody>
-      </p:sp>
-      <p:sp>
-        <p:nvSpPr>
-          <p:cNvPr id="14" name="Rectangle 13">
-            <a:extLst>
-              <a:ext uri="{FF2B5EF4-FFF2-40B4-BE49-F238E27FC236}">
-                <a16:creationId xmlns:a16="http://schemas.microsoft.com/office/drawing/2014/main" id="{C5C305FD-3BC0-4388-A431-7C2A36AB265D}"/>
-              </a:ext>
-            </a:extLst>
-          </p:cNvPr>
-          <p:cNvSpPr/>
-          <p:nvPr/>
-        </p:nvSpPr>
-        <p:spPr>
-          <a:xfrm>
-            <a:off x="3568823" y="3231471"/>
-            <a:ext cx="1118586" cy="1118586"/>
-          </a:xfrm>
-          <a:prstGeom prst="rect">
-            <a:avLst/>
-          </a:prstGeom>
-        </p:spPr>
-        <p:style>
-          <a:lnRef idx="2">
-            <a:schemeClr val="dk1"/>
-          </a:lnRef>
-          <a:fillRef idx="1">
-            <a:schemeClr val="lt1"/>
-          </a:fillRef>
-          <a:effectRef idx="0">
-            <a:schemeClr val="dk1"/>
-          </a:effectRef>
-          <a:fontRef idx="minor">
-            <a:schemeClr val="dk1"/>
-          </a:fontRef>
-        </p:style>
-        <p:txBody>
-          <a:bodyPr rtlCol="0" anchor="ctr"/>
-          <a:lstStyle/>
-          <a:p>
-            <a:pPr algn="ctr"/>
-            <a:endParaRPr lang="en-US"/>
-          </a:p>
-        </p:txBody>
-      </p:sp>
-      <p:sp>
-        <p:nvSpPr>
-          <p:cNvPr id="15" name="Rectangle 14">
-            <a:extLst>
-              <a:ext uri="{FF2B5EF4-FFF2-40B4-BE49-F238E27FC236}">
-                <a16:creationId xmlns:a16="http://schemas.microsoft.com/office/drawing/2014/main" id="{46A5980F-AD1F-4BA1-ADF4-10E676A36265}"/>
-              </a:ext>
-            </a:extLst>
-          </p:cNvPr>
-          <p:cNvSpPr/>
-          <p:nvPr/>
-        </p:nvSpPr>
-        <p:spPr>
-          <a:xfrm>
-            <a:off x="4687409" y="3231471"/>
-            <a:ext cx="1118586" cy="1118586"/>
-          </a:xfrm>
-          <a:prstGeom prst="rect">
-            <a:avLst/>
-          </a:prstGeom>
-        </p:spPr>
-        <p:style>
-          <a:lnRef idx="2">
-            <a:schemeClr val="dk1"/>
-          </a:lnRef>
-          <a:fillRef idx="1">
-            <a:schemeClr val="lt1"/>
-          </a:fillRef>
-          <a:effectRef idx="0">
-            <a:schemeClr val="dk1"/>
-          </a:effectRef>
-          <a:fontRef idx="minor">
-            <a:schemeClr val="dk1"/>
-          </a:fontRef>
-        </p:style>
-        <p:txBody>
-          <a:bodyPr rtlCol="0" anchor="ctr"/>
-          <a:lstStyle/>
-          <a:p>
-            <a:pPr algn="ctr"/>
-            <a:endParaRPr lang="en-US"/>
-          </a:p>
-        </p:txBody>
-      </p:sp>
-      <p:sp>
-        <p:nvSpPr>
-          <p:cNvPr id="16" name="Rectangle 15">
-            <a:extLst>
-              <a:ext uri="{FF2B5EF4-FFF2-40B4-BE49-F238E27FC236}">
-                <a16:creationId xmlns:a16="http://schemas.microsoft.com/office/drawing/2014/main" id="{7DA396D0-C643-4DFA-878C-DD71FF7B3E42}"/>
-              </a:ext>
-            </a:extLst>
-          </p:cNvPr>
-          <p:cNvSpPr/>
-          <p:nvPr/>
-        </p:nvSpPr>
-        <p:spPr>
-          <a:xfrm>
-            <a:off x="4687409" y="4350057"/>
-            <a:ext cx="1118586" cy="1118586"/>
-          </a:xfrm>
-          <a:prstGeom prst="rect">
-            <a:avLst/>
-          </a:prstGeom>
-        </p:spPr>
-        <p:style>
-          <a:lnRef idx="2">
-            <a:schemeClr val="dk1"/>
-          </a:lnRef>
-          <a:fillRef idx="1">
-            <a:schemeClr val="lt1"/>
-          </a:fillRef>
-          <a:effectRef idx="0">
-            <a:schemeClr val="dk1"/>
-          </a:effectRef>
-          <a:fontRef idx="minor">
-            <a:schemeClr val="dk1"/>
-          </a:fontRef>
-        </p:style>
-        <p:txBody>
-          <a:bodyPr rtlCol="0" anchor="ctr"/>
-          <a:lstStyle/>
-          <a:p>
-            <a:pPr algn="ctr"/>
-            <a:endParaRPr lang="en-US"/>
-          </a:p>
-        </p:txBody>
-      </p:sp>
-      <p:sp>
-        <p:nvSpPr>
-          <p:cNvPr id="17" name="Rectangle 16">
-            <a:extLst>
-              <a:ext uri="{FF2B5EF4-FFF2-40B4-BE49-F238E27FC236}">
-                <a16:creationId xmlns:a16="http://schemas.microsoft.com/office/drawing/2014/main" id="{105F5D16-7457-4A98-96AE-9CBFA381A5B3}"/>
-              </a:ext>
-            </a:extLst>
-          </p:cNvPr>
-          <p:cNvSpPr/>
-          <p:nvPr/>
-        </p:nvSpPr>
-        <p:spPr>
-          <a:xfrm>
-            <a:off x="3568823" y="4350057"/>
-            <a:ext cx="1118586" cy="1118586"/>
-          </a:xfrm>
-          <a:prstGeom prst="rect">
-            <a:avLst/>
-          </a:prstGeom>
-        </p:spPr>
-        <p:style>
-          <a:lnRef idx="2">
-            <a:schemeClr val="dk1"/>
-          </a:lnRef>
-          <a:fillRef idx="1">
-            <a:schemeClr val="lt1"/>
-          </a:fillRef>
-          <a:effectRef idx="0">
-            <a:schemeClr val="dk1"/>
-          </a:effectRef>
-          <a:fontRef idx="minor">
-            <a:schemeClr val="dk1"/>
-          </a:fontRef>
-        </p:style>
-        <p:txBody>
-          <a:bodyPr rtlCol="0" anchor="ctr"/>
-          <a:lstStyle/>
-          <a:p>
-            <a:pPr algn="ctr"/>
-            <a:endParaRPr lang="en-US"/>
-          </a:p>
-        </p:txBody>
-      </p:sp>
-      <p:sp>
-        <p:nvSpPr>
-          <p:cNvPr id="18" name="Rectangle 17">
-            <a:extLst>
-              <a:ext uri="{FF2B5EF4-FFF2-40B4-BE49-F238E27FC236}">
-                <a16:creationId xmlns:a16="http://schemas.microsoft.com/office/drawing/2014/main" id="{BF32BEB5-2594-40B2-AA5F-DD68BCF3168D}"/>
-              </a:ext>
-            </a:extLst>
-          </p:cNvPr>
-          <p:cNvSpPr/>
-          <p:nvPr/>
-        </p:nvSpPr>
-        <p:spPr>
-          <a:xfrm>
-            <a:off x="2450237" y="4350057"/>
-            <a:ext cx="1118586" cy="1118586"/>
-          </a:xfrm>
-          <a:prstGeom prst="rect">
-            <a:avLst/>
-          </a:prstGeom>
-        </p:spPr>
-        <p:style>
-          <a:lnRef idx="2">
-            <a:schemeClr val="dk1"/>
-          </a:lnRef>
-          <a:fillRef idx="1">
-            <a:schemeClr val="lt1"/>
-          </a:fillRef>
-          <a:effectRef idx="0">
-            <a:schemeClr val="dk1"/>
-          </a:effectRef>
-          <a:fontRef idx="minor">
-            <a:schemeClr val="dk1"/>
-          </a:fontRef>
-        </p:style>
-        <p:txBody>
-          <a:bodyPr rtlCol="0" anchor="ctr"/>
-          <a:lstStyle/>
-          <a:p>
-            <a:pPr algn="ctr"/>
-            <a:endParaRPr lang="en-US"/>
-          </a:p>
-        </p:txBody>
-      </p:sp>
-      <p:sp>
-        <p:nvSpPr>
-          <p:cNvPr id="19" name="Rectangle 18">
-            <a:extLst>
-              <a:ext uri="{FF2B5EF4-FFF2-40B4-BE49-F238E27FC236}">
-                <a16:creationId xmlns:a16="http://schemas.microsoft.com/office/drawing/2014/main" id="{E1AD8CE3-2DEE-4E89-8135-D52955B49559}"/>
-              </a:ext>
-            </a:extLst>
-          </p:cNvPr>
-          <p:cNvSpPr/>
-          <p:nvPr/>
-        </p:nvSpPr>
-        <p:spPr>
-          <a:xfrm>
-            <a:off x="1331651" y="4350057"/>
-            <a:ext cx="1118586" cy="1118586"/>
-          </a:xfrm>
-          <a:prstGeom prst="rect">
-            <a:avLst/>
-          </a:prstGeom>
-        </p:spPr>
-        <p:style>
-          <a:lnRef idx="2">
-            <a:schemeClr val="dk1"/>
-          </a:lnRef>
-          <a:fillRef idx="1">
-            <a:schemeClr val="lt1"/>
-          </a:fillRef>
-          <a:effectRef idx="0">
-            <a:schemeClr val="dk1"/>
-          </a:effectRef>
-          <a:fontRef idx="minor">
-            <a:schemeClr val="dk1"/>
-          </a:fontRef>
-        </p:style>
-        <p:txBody>
-          <a:bodyPr rtlCol="0" anchor="ctr"/>
-          <a:lstStyle/>
-          <a:p>
-            <a:pPr algn="ctr"/>
-            <a:endParaRPr lang="en-US"/>
-          </a:p>
-        </p:txBody>
-      </p:sp>
-      <p:sp>
-        <p:nvSpPr>
-          <p:cNvPr id="20" name="Oval 19">
-            <a:extLst>
-              <a:ext uri="{FF2B5EF4-FFF2-40B4-BE49-F238E27FC236}">
-                <a16:creationId xmlns:a16="http://schemas.microsoft.com/office/drawing/2014/main" id="{80EAE952-CAD6-481B-A1C7-E4DA3BD5CA87}"/>
-              </a:ext>
-            </a:extLst>
-          </p:cNvPr>
-          <p:cNvSpPr/>
-          <p:nvPr/>
-        </p:nvSpPr>
-        <p:spPr>
-          <a:xfrm>
-            <a:off x="2104007" y="2885241"/>
-            <a:ext cx="692459" cy="692459"/>
-          </a:xfrm>
-          <a:prstGeom prst="ellipse">
-            <a:avLst/>
-          </a:prstGeom>
-          <a:solidFill>
-            <a:schemeClr val="accent1">
-              <a:alpha val="50000"/>
-            </a:schemeClr>
-          </a:solidFill>
-        </p:spPr>
-        <p:style>
-          <a:lnRef idx="2">
-            <a:schemeClr val="accent1">
-              <a:shade val="50000"/>
-            </a:schemeClr>
-          </a:lnRef>
-          <a:fillRef idx="1">
-            <a:schemeClr val="accent1"/>
-          </a:fillRef>
-          <a:effectRef idx="0">
-            <a:schemeClr val="accent1"/>
-          </a:effectRef>
-          <a:fontRef idx="minor">
-            <a:schemeClr val="lt1"/>
-          </a:fontRef>
-        </p:style>
-        <p:txBody>
-          <a:bodyPr rtlCol="0" anchor="ctr"/>
-          <a:lstStyle/>
-          <a:p>
-            <a:pPr algn="ctr"/>
-            <a:endParaRPr lang="en-US"/>
-          </a:p>
-        </p:txBody>
-      </p:sp>
-      <p:sp>
-        <p:nvSpPr>
-          <p:cNvPr id="21" name="Oval 20">
-            <a:extLst>
-              <a:ext uri="{FF2B5EF4-FFF2-40B4-BE49-F238E27FC236}">
-                <a16:creationId xmlns:a16="http://schemas.microsoft.com/office/drawing/2014/main" id="{518D403B-C841-4E6C-9433-03B2BD11330F}"/>
-              </a:ext>
-            </a:extLst>
-          </p:cNvPr>
-          <p:cNvSpPr/>
-          <p:nvPr/>
-        </p:nvSpPr>
-        <p:spPr>
-          <a:xfrm>
-            <a:off x="4341180" y="2885240"/>
-            <a:ext cx="692459" cy="692459"/>
-          </a:xfrm>
-          <a:prstGeom prst="ellipse">
-            <a:avLst/>
-          </a:prstGeom>
-          <a:solidFill>
-            <a:schemeClr val="accent1">
-              <a:alpha val="50000"/>
-            </a:schemeClr>
-          </a:solidFill>
-        </p:spPr>
-        <p:style>
-          <a:lnRef idx="2">
-            <a:schemeClr val="accent1">
-              <a:shade val="50000"/>
-            </a:schemeClr>
-          </a:lnRef>
-          <a:fillRef idx="1">
-            <a:schemeClr val="accent1"/>
-          </a:fillRef>
-          <a:effectRef idx="0">
-            <a:schemeClr val="accent1"/>
-          </a:effectRef>
-          <a:fontRef idx="minor">
-            <a:schemeClr val="lt1"/>
-          </a:fontRef>
-        </p:style>
-        <p:txBody>
-          <a:bodyPr rtlCol="0" anchor="ctr"/>
-          <a:lstStyle/>
-          <a:p>
-            <a:pPr algn="ctr"/>
-            <a:endParaRPr lang="en-US"/>
-          </a:p>
-        </p:txBody>
-      </p:sp>
-      <p:sp>
-        <p:nvSpPr>
-          <p:cNvPr id="22" name="Oval 21">
-            <a:extLst>
-              <a:ext uri="{FF2B5EF4-FFF2-40B4-BE49-F238E27FC236}">
-                <a16:creationId xmlns:a16="http://schemas.microsoft.com/office/drawing/2014/main" id="{B33F1FC3-A1D6-43A0-B9CE-A9AE9564FC5B}"/>
-              </a:ext>
-            </a:extLst>
-          </p:cNvPr>
-          <p:cNvSpPr/>
-          <p:nvPr/>
-        </p:nvSpPr>
-        <p:spPr>
-          <a:xfrm>
-            <a:off x="3222593" y="1766655"/>
-            <a:ext cx="692459" cy="692459"/>
-          </a:xfrm>
-          <a:prstGeom prst="ellipse">
-            <a:avLst/>
-          </a:prstGeom>
-          <a:solidFill>
-            <a:schemeClr val="accent1">
-              <a:alpha val="50000"/>
-            </a:schemeClr>
-          </a:solidFill>
-        </p:spPr>
-        <p:style>
-          <a:lnRef idx="2">
-            <a:schemeClr val="accent1">
-              <a:shade val="50000"/>
-            </a:schemeClr>
-          </a:lnRef>
-          <a:fillRef idx="1">
-            <a:schemeClr val="accent1"/>
-          </a:fillRef>
-          <a:effectRef idx="0">
-            <a:schemeClr val="accent1"/>
-          </a:effectRef>
-          <a:fontRef idx="minor">
-            <a:schemeClr val="lt1"/>
-          </a:fontRef>
-        </p:style>
-        <p:txBody>
-          <a:bodyPr rtlCol="0" anchor="ctr"/>
-          <a:lstStyle/>
-          <a:p>
-            <a:pPr algn="ctr"/>
-            <a:endParaRPr lang="en-US"/>
-          </a:p>
-        </p:txBody>
-      </p:sp>
-      <p:sp>
-        <p:nvSpPr>
-          <p:cNvPr id="23" name="Oval 22">
-            <a:extLst>
-              <a:ext uri="{FF2B5EF4-FFF2-40B4-BE49-F238E27FC236}">
-                <a16:creationId xmlns:a16="http://schemas.microsoft.com/office/drawing/2014/main" id="{D899ABD9-4519-4932-973F-44EA9E9A64F2}"/>
-              </a:ext>
-            </a:extLst>
-          </p:cNvPr>
-          <p:cNvSpPr/>
-          <p:nvPr/>
-        </p:nvSpPr>
-        <p:spPr>
-          <a:xfrm>
-            <a:off x="3222593" y="4003828"/>
-            <a:ext cx="692459" cy="692459"/>
-          </a:xfrm>
-          <a:prstGeom prst="ellipse">
-            <a:avLst/>
-          </a:prstGeom>
-          <a:solidFill>
-            <a:schemeClr val="accent1">
-              <a:alpha val="50000"/>
-            </a:schemeClr>
-          </a:solidFill>
-        </p:spPr>
-        <p:style>
-          <a:lnRef idx="2">
-            <a:schemeClr val="accent1">
-              <a:shade val="50000"/>
-            </a:schemeClr>
-          </a:lnRef>
-          <a:fillRef idx="1">
-            <a:schemeClr val="accent1"/>
-          </a:fillRef>
-          <a:effectRef idx="0">
-            <a:schemeClr val="accent1"/>
-          </a:effectRef>
-          <a:fontRef idx="minor">
-            <a:schemeClr val="lt1"/>
-          </a:fontRef>
-        </p:style>
-        <p:txBody>
-          <a:bodyPr rtlCol="0" anchor="ctr"/>
-          <a:lstStyle/>
-          <a:p>
-            <a:pPr algn="ctr"/>
-            <a:endParaRPr lang="en-US"/>
-          </a:p>
-        </p:txBody>
-      </p:sp>
-      <p:sp>
-        <p:nvSpPr>
-          <p:cNvPr id="24" name="Oval 23">
-            <a:extLst>
-              <a:ext uri="{FF2B5EF4-FFF2-40B4-BE49-F238E27FC236}">
-                <a16:creationId xmlns:a16="http://schemas.microsoft.com/office/drawing/2014/main" id="{630AFF44-6481-48CA-A89A-94E8983D608B}"/>
-              </a:ext>
-            </a:extLst>
-          </p:cNvPr>
-          <p:cNvSpPr/>
-          <p:nvPr/>
-        </p:nvSpPr>
-        <p:spPr>
-          <a:xfrm>
-            <a:off x="985421" y="4003828"/>
-            <a:ext cx="692459" cy="692459"/>
-          </a:xfrm>
-          <a:prstGeom prst="ellipse">
-            <a:avLst/>
-          </a:prstGeom>
-          <a:solidFill>
-            <a:schemeClr val="accent1">
-              <a:alpha val="50000"/>
-            </a:schemeClr>
-          </a:solidFill>
-        </p:spPr>
-        <p:style>
-          <a:lnRef idx="2">
-            <a:schemeClr val="accent1">
-              <a:shade val="50000"/>
-            </a:schemeClr>
-          </a:lnRef>
-          <a:fillRef idx="1">
-            <a:schemeClr val="accent1"/>
-          </a:fillRef>
-          <a:effectRef idx="0">
-            <a:schemeClr val="accent1"/>
-          </a:effectRef>
-          <a:fontRef idx="minor">
-            <a:schemeClr val="lt1"/>
-          </a:fontRef>
-        </p:style>
-        <p:txBody>
-          <a:bodyPr rtlCol="0" anchor="ctr"/>
-          <a:lstStyle/>
-          <a:p>
-            <a:pPr algn="ctr"/>
-            <a:endParaRPr lang="en-US"/>
-          </a:p>
-        </p:txBody>
-      </p:sp>
-      <p:sp>
-        <p:nvSpPr>
-          <p:cNvPr id="25" name="Oval 24">
-            <a:extLst>
-              <a:ext uri="{FF2B5EF4-FFF2-40B4-BE49-F238E27FC236}">
-                <a16:creationId xmlns:a16="http://schemas.microsoft.com/office/drawing/2014/main" id="{D3DA4666-9A9D-488A-A1E2-211C4A3CEB7B}"/>
-              </a:ext>
-            </a:extLst>
-          </p:cNvPr>
-          <p:cNvSpPr/>
-          <p:nvPr/>
-        </p:nvSpPr>
-        <p:spPr>
-          <a:xfrm>
-            <a:off x="975422" y="1766655"/>
-            <a:ext cx="692459" cy="692459"/>
-          </a:xfrm>
-          <a:prstGeom prst="ellipse">
-            <a:avLst/>
-          </a:prstGeom>
-          <a:solidFill>
-            <a:schemeClr val="accent1">
-              <a:alpha val="50000"/>
-            </a:schemeClr>
-          </a:solidFill>
-        </p:spPr>
-        <p:style>
-          <a:lnRef idx="2">
-            <a:schemeClr val="accent1">
-              <a:shade val="50000"/>
-            </a:schemeClr>
-          </a:lnRef>
-          <a:fillRef idx="1">
-            <a:schemeClr val="accent1"/>
-          </a:fillRef>
-          <a:effectRef idx="0">
-            <a:schemeClr val="accent1"/>
-          </a:effectRef>
-          <a:fontRef idx="minor">
-            <a:schemeClr val="lt1"/>
-          </a:fontRef>
-        </p:style>
-        <p:txBody>
-          <a:bodyPr rtlCol="0" anchor="ctr"/>
-          <a:lstStyle/>
-          <a:p>
-            <a:pPr algn="ctr"/>
-            <a:endParaRPr lang="en-US"/>
-          </a:p>
-        </p:txBody>
-      </p:sp>
-      <p:sp>
-        <p:nvSpPr>
-          <p:cNvPr id="26" name="Oval 25">
-            <a:extLst>
-              <a:ext uri="{FF2B5EF4-FFF2-40B4-BE49-F238E27FC236}">
-                <a16:creationId xmlns:a16="http://schemas.microsoft.com/office/drawing/2014/main" id="{E21C5762-71E9-4583-8625-B9A82FF81B88}"/>
-              </a:ext>
-            </a:extLst>
-          </p:cNvPr>
-          <p:cNvSpPr/>
-          <p:nvPr/>
-        </p:nvSpPr>
-        <p:spPr>
-          <a:xfrm>
-            <a:off x="2104006" y="5122413"/>
-            <a:ext cx="692459" cy="692459"/>
-          </a:xfrm>
-          <a:prstGeom prst="ellipse">
-            <a:avLst/>
-          </a:prstGeom>
-          <a:solidFill>
-            <a:schemeClr val="accent1">
-              <a:alpha val="50000"/>
-            </a:schemeClr>
-          </a:solidFill>
-        </p:spPr>
-        <p:style>
-          <a:lnRef idx="2">
-            <a:schemeClr val="accent1">
-              <a:shade val="50000"/>
-            </a:schemeClr>
-          </a:lnRef>
-          <a:fillRef idx="1">
-            <a:schemeClr val="accent1"/>
-          </a:fillRef>
-          <a:effectRef idx="0">
-            <a:schemeClr val="accent1"/>
-          </a:effectRef>
-          <a:fontRef idx="minor">
-            <a:schemeClr val="lt1"/>
-          </a:fontRef>
-        </p:style>
-        <p:txBody>
-          <a:bodyPr rtlCol="0" anchor="ctr"/>
-          <a:lstStyle/>
-          <a:p>
-            <a:pPr algn="ctr"/>
-            <a:endParaRPr lang="en-US"/>
-          </a:p>
-        </p:txBody>
-      </p:sp>
-      <p:sp>
-        <p:nvSpPr>
-          <p:cNvPr id="27" name="Oval 26">
-            <a:extLst>
-              <a:ext uri="{FF2B5EF4-FFF2-40B4-BE49-F238E27FC236}">
-                <a16:creationId xmlns:a16="http://schemas.microsoft.com/office/drawing/2014/main" id="{3B4EA494-7E69-43BD-A31F-86B8D1382076}"/>
-              </a:ext>
-            </a:extLst>
-          </p:cNvPr>
-          <p:cNvSpPr/>
-          <p:nvPr/>
-        </p:nvSpPr>
-        <p:spPr>
-          <a:xfrm>
-            <a:off x="4341179" y="5125417"/>
-            <a:ext cx="692459" cy="692459"/>
-          </a:xfrm>
-          <a:prstGeom prst="ellipse">
-            <a:avLst/>
-          </a:prstGeom>
-          <a:solidFill>
-            <a:schemeClr val="accent1">
-              <a:alpha val="50000"/>
-            </a:schemeClr>
-          </a:solidFill>
-        </p:spPr>
-        <p:style>
-          <a:lnRef idx="2">
-            <a:schemeClr val="accent1">
-              <a:shade val="50000"/>
-            </a:schemeClr>
-          </a:lnRef>
-          <a:fillRef idx="1">
-            <a:schemeClr val="accent1"/>
-          </a:fillRef>
-          <a:effectRef idx="0">
-            <a:schemeClr val="accent1"/>
-          </a:effectRef>
-          <a:fontRef idx="minor">
-            <a:schemeClr val="lt1"/>
-          </a:fontRef>
-        </p:style>
-        <p:txBody>
-          <a:bodyPr rtlCol="0" anchor="ctr"/>
-          <a:lstStyle/>
-          <a:p>
-            <a:pPr algn="ctr"/>
-            <a:endParaRPr lang="en-US"/>
-          </a:p>
-        </p:txBody>
-      </p:sp>
-      <p:sp>
-        <p:nvSpPr>
-          <p:cNvPr id="28" name="Oval 27">
-            <a:extLst>
-              <a:ext uri="{FF2B5EF4-FFF2-40B4-BE49-F238E27FC236}">
-                <a16:creationId xmlns:a16="http://schemas.microsoft.com/office/drawing/2014/main" id="{974B8FDF-532C-4F31-8CEE-0195034009FE}"/>
-              </a:ext>
-            </a:extLst>
-          </p:cNvPr>
-          <p:cNvSpPr/>
-          <p:nvPr/>
-        </p:nvSpPr>
-        <p:spPr>
-          <a:xfrm>
-            <a:off x="5459766" y="4000824"/>
-            <a:ext cx="692459" cy="692459"/>
-          </a:xfrm>
-          <a:prstGeom prst="ellipse">
-            <a:avLst/>
-          </a:prstGeom>
-          <a:solidFill>
-            <a:schemeClr val="accent1">
-              <a:alpha val="50000"/>
-            </a:schemeClr>
-          </a:solidFill>
-        </p:spPr>
-        <p:style>
-          <a:lnRef idx="2">
-            <a:schemeClr val="accent1">
-              <a:shade val="50000"/>
-            </a:schemeClr>
-          </a:lnRef>
-          <a:fillRef idx="1">
-            <a:schemeClr val="accent1"/>
-          </a:fillRef>
-          <a:effectRef idx="0">
-            <a:schemeClr val="accent1"/>
-          </a:effectRef>
-          <a:fontRef idx="minor">
-            <a:schemeClr val="lt1"/>
-          </a:fontRef>
-        </p:style>
-        <p:txBody>
-          <a:bodyPr rtlCol="0" anchor="ctr"/>
-          <a:lstStyle/>
-          <a:p>
-            <a:pPr algn="ctr"/>
-            <a:endParaRPr lang="en-US"/>
-          </a:p>
-        </p:txBody>
-      </p:sp>
-      <p:sp>
-        <p:nvSpPr>
-          <p:cNvPr id="29" name="Oval 28">
-            <a:extLst>
-              <a:ext uri="{FF2B5EF4-FFF2-40B4-BE49-F238E27FC236}">
-                <a16:creationId xmlns:a16="http://schemas.microsoft.com/office/drawing/2014/main" id="{D35576D1-C0E5-418C-9CD9-924D7CEF9271}"/>
-              </a:ext>
-            </a:extLst>
-          </p:cNvPr>
-          <p:cNvSpPr/>
-          <p:nvPr/>
-        </p:nvSpPr>
-        <p:spPr>
-          <a:xfrm>
-            <a:off x="5459766" y="1763652"/>
-            <a:ext cx="692459" cy="692459"/>
-          </a:xfrm>
-          <a:prstGeom prst="ellipse">
-            <a:avLst/>
-          </a:prstGeom>
-          <a:solidFill>
-            <a:schemeClr val="accent1">
-              <a:alpha val="50000"/>
-            </a:schemeClr>
-          </a:solidFill>
-        </p:spPr>
-        <p:style>
-          <a:lnRef idx="2">
-            <a:schemeClr val="accent1">
-              <a:shade val="50000"/>
-            </a:schemeClr>
-          </a:lnRef>
-          <a:fillRef idx="1">
-            <a:schemeClr val="accent1"/>
-          </a:fillRef>
-          <a:effectRef idx="0">
-            <a:schemeClr val="accent1"/>
-          </a:effectRef>
-          <a:fontRef idx="minor">
-            <a:schemeClr val="lt1"/>
-          </a:fontRef>
-        </p:style>
-        <p:txBody>
-          <a:bodyPr rtlCol="0" anchor="ctr"/>
-          <a:lstStyle/>
-          <a:p>
-            <a:pPr algn="ctr"/>
-            <a:endParaRPr lang="en-US"/>
-          </a:p>
-        </p:txBody>
-      </p:sp>
-      <p:sp>
-        <p:nvSpPr>
-          <p:cNvPr id="30" name="Oval 29">
-            <a:extLst>
-              <a:ext uri="{FF2B5EF4-FFF2-40B4-BE49-F238E27FC236}">
-                <a16:creationId xmlns:a16="http://schemas.microsoft.com/office/drawing/2014/main" id="{66D20C21-3F7F-4125-AAEE-AEE18BAB3FB2}"/>
-              </a:ext>
-            </a:extLst>
-          </p:cNvPr>
-          <p:cNvSpPr/>
-          <p:nvPr/>
-        </p:nvSpPr>
-        <p:spPr>
-          <a:xfrm>
-            <a:off x="4341178" y="668401"/>
-            <a:ext cx="692459" cy="692459"/>
-          </a:xfrm>
-          <a:prstGeom prst="ellipse">
-            <a:avLst/>
-          </a:prstGeom>
-          <a:solidFill>
-            <a:schemeClr val="accent1">
-              <a:alpha val="50000"/>
-            </a:schemeClr>
-          </a:solidFill>
-        </p:spPr>
-        <p:style>
-          <a:lnRef idx="2">
-            <a:schemeClr val="accent1">
-              <a:shade val="50000"/>
-            </a:schemeClr>
-          </a:lnRef>
-          <a:fillRef idx="1">
-            <a:schemeClr val="accent1"/>
-          </a:fillRef>
-          <a:effectRef idx="0">
-            <a:schemeClr val="accent1"/>
-          </a:effectRef>
-          <a:fontRef idx="minor">
-            <a:schemeClr val="lt1"/>
-          </a:fontRef>
-        </p:style>
-        <p:txBody>
-          <a:bodyPr rtlCol="0" anchor="ctr"/>
-          <a:lstStyle/>
-          <a:p>
-            <a:pPr algn="ctr"/>
-            <a:endParaRPr lang="en-US"/>
-          </a:p>
-        </p:txBody>
-      </p:sp>
-      <p:sp>
-        <p:nvSpPr>
-          <p:cNvPr id="31" name="Oval 30">
-            <a:extLst>
-              <a:ext uri="{FF2B5EF4-FFF2-40B4-BE49-F238E27FC236}">
-                <a16:creationId xmlns:a16="http://schemas.microsoft.com/office/drawing/2014/main" id="{8E6A2352-8EC7-4FEF-A3CB-89FDAAB1B24A}"/>
-              </a:ext>
-            </a:extLst>
-          </p:cNvPr>
-          <p:cNvSpPr/>
-          <p:nvPr/>
-        </p:nvSpPr>
-        <p:spPr>
-          <a:xfrm>
-            <a:off x="2104005" y="668401"/>
-            <a:ext cx="692459" cy="692459"/>
-          </a:xfrm>
-          <a:prstGeom prst="ellipse">
-            <a:avLst/>
-          </a:prstGeom>
-          <a:solidFill>
-            <a:schemeClr val="accent1">
-              <a:alpha val="50000"/>
-            </a:schemeClr>
-          </a:solidFill>
-        </p:spPr>
-        <p:style>
-          <a:lnRef idx="2">
-            <a:schemeClr val="accent1">
-              <a:shade val="50000"/>
-            </a:schemeClr>
-          </a:lnRef>
-          <a:fillRef idx="1">
-            <a:schemeClr val="accent1"/>
-          </a:fillRef>
-          <a:effectRef idx="0">
-            <a:schemeClr val="accent1"/>
-          </a:effectRef>
-          <a:fontRef idx="minor">
-            <a:schemeClr val="lt1"/>
-          </a:fontRef>
-        </p:style>
-        <p:txBody>
-          <a:bodyPr rtlCol="0" anchor="ctr"/>
-          <a:lstStyle/>
-          <a:p>
-            <a:pPr algn="ctr"/>
-            <a:endParaRPr lang="en-US"/>
-          </a:p>
-        </p:txBody>
-      </p:sp>
-      <p:sp>
-        <p:nvSpPr>
-          <p:cNvPr id="65" name="TextBox 64">
-            <a:extLst>
-              <a:ext uri="{FF2B5EF4-FFF2-40B4-BE49-F238E27FC236}">
-                <a16:creationId xmlns:a16="http://schemas.microsoft.com/office/drawing/2014/main" id="{398B4598-A1C6-49F6-894A-DF7E850839AC}"/>
-              </a:ext>
-            </a:extLst>
-          </p:cNvPr>
-          <p:cNvSpPr txBox="1"/>
-          <p:nvPr/>
-        </p:nvSpPr>
-        <p:spPr>
-          <a:xfrm>
-            <a:off x="7721600" y="1360860"/>
-            <a:ext cx="3138749" cy="923330"/>
-          </a:xfrm>
-          <a:prstGeom prst="rect">
-            <a:avLst/>
-          </a:prstGeom>
-          <a:noFill/>
-        </p:spPr>
-        <p:txBody>
-          <a:bodyPr wrap="square" rtlCol="0">
-            <a:spAutoFit/>
-          </a:bodyPr>
-          <a:lstStyle/>
-          <a:p>
-            <a:r>
-              <a:rPr lang="en-US" dirty="0"/>
-              <a:t>VISIUM capture locations (blue circles) shown on a square lattice</a:t>
-            </a:r>
-          </a:p>
-        </p:txBody>
-      </p:sp>
-    </p:spTree>
-    <p:extLst>
-      <p:ext uri="{BB962C8B-B14F-4D97-AF65-F5344CB8AC3E}">
-        <p14:creationId xmlns:p14="http://schemas.microsoft.com/office/powerpoint/2010/main" val="1404295064"/>
-      </p:ext>
-    </p:extLst>
-  </p:cSld>
-  <p:clrMapOvr>
-    <a:masterClrMapping/>
-  </p:clrMapOvr>
-</p:sld>
-</file>
-
-<file path=ppt/slides/slide3.xml><?xml version="1.0" encoding="utf-8"?>
 <p:sld xmlns:a="http://schemas.openxmlformats.org/drawingml/2006/main" xmlns:r="http://schemas.openxmlformats.org/officeDocument/2006/relationships" xmlns:p="http://schemas.openxmlformats.org/presentationml/2006/main">
   <p:cSld>
     <p:spTree>
@@ -9388,6 +8010,101 @@
 </p:sld>
 </file>
 
+<file path=ppt/slides/slide3.xml><?xml version="1.0" encoding="utf-8"?>
+<p:sld xmlns:a="http://schemas.openxmlformats.org/drawingml/2006/main" xmlns:r="http://schemas.openxmlformats.org/officeDocument/2006/relationships" xmlns:p="http://schemas.openxmlformats.org/presentationml/2006/main">
+  <p:cSld>
+    <p:spTree>
+      <p:nvGrpSpPr>
+        <p:cNvPr id="1" name=""/>
+        <p:cNvGrpSpPr/>
+        <p:nvPr/>
+      </p:nvGrpSpPr>
+      <p:grpSpPr>
+        <a:xfrm>
+          <a:off x="0" y="0"/>
+          <a:ext cx="0" cy="0"/>
+          <a:chOff x="0" y="0"/>
+          <a:chExt cx="0" cy="0"/>
+        </a:xfrm>
+      </p:grpSpPr>
+      <p:pic>
+        <p:nvPicPr>
+          <p:cNvPr id="6" name="Picture 5">
+            <a:extLst>
+              <a:ext uri="{FF2B5EF4-FFF2-40B4-BE49-F238E27FC236}">
+                <a16:creationId xmlns:a16="http://schemas.microsoft.com/office/drawing/2014/main" id="{62B28A09-D00A-4493-B33E-40D04CE3B550}"/>
+              </a:ext>
+            </a:extLst>
+          </p:cNvPr>
+          <p:cNvPicPr>
+            <a:picLocks noChangeAspect="1"/>
+          </p:cNvPicPr>
+          <p:nvPr/>
+        </p:nvPicPr>
+        <p:blipFill>
+          <a:blip r:embed="rId2"/>
+          <a:stretch>
+            <a:fillRect/>
+          </a:stretch>
+        </p:blipFill>
+        <p:spPr>
+          <a:xfrm>
+            <a:off x="0" y="486143"/>
+            <a:ext cx="6219048" cy="5885714"/>
+          </a:xfrm>
+          <a:prstGeom prst="rect">
+            <a:avLst/>
+          </a:prstGeom>
+        </p:spPr>
+      </p:pic>
+      <p:sp>
+        <p:nvSpPr>
+          <p:cNvPr id="7" name="TextBox 6">
+            <a:extLst>
+              <a:ext uri="{FF2B5EF4-FFF2-40B4-BE49-F238E27FC236}">
+                <a16:creationId xmlns:a16="http://schemas.microsoft.com/office/drawing/2014/main" id="{6F74CA1E-942C-4F52-8124-5343D126D34A}"/>
+              </a:ext>
+            </a:extLst>
+          </p:cNvPr>
+          <p:cNvSpPr txBox="1"/>
+          <p:nvPr/>
+        </p:nvSpPr>
+        <p:spPr>
+          <a:xfrm>
+            <a:off x="7759083" y="2707689"/>
+            <a:ext cx="2666820" cy="369332"/>
+          </a:xfrm>
+          <a:prstGeom prst="rect">
+            <a:avLst/>
+          </a:prstGeom>
+          <a:noFill/>
+        </p:spPr>
+        <p:txBody>
+          <a:bodyPr wrap="none" rtlCol="0">
+            <a:spAutoFit/>
+          </a:bodyPr>
+          <a:lstStyle/>
+          <a:p>
+            <a:r>
+              <a:rPr lang="en-US" dirty="0"/>
+              <a:t>Ground truth with 3 states</a:t>
+            </a:r>
+          </a:p>
+        </p:txBody>
+      </p:sp>
+    </p:spTree>
+    <p:extLst>
+      <p:ext uri="{BB962C8B-B14F-4D97-AF65-F5344CB8AC3E}">
+        <p14:creationId xmlns:p14="http://schemas.microsoft.com/office/powerpoint/2010/main" val="1903067386"/>
+      </p:ext>
+    </p:extLst>
+  </p:cSld>
+  <p:clrMapOvr>
+    <a:masterClrMapping/>
+  </p:clrMapOvr>
+</p:sld>
+</file>
+
 <file path=ppt/slides/slide4.xml><?xml version="1.0" encoding="utf-8"?>
 <p:sld xmlns:a="http://schemas.openxmlformats.org/drawingml/2006/main" xmlns:r="http://schemas.openxmlformats.org/officeDocument/2006/relationships" xmlns:p="http://schemas.openxmlformats.org/presentationml/2006/main">
   <p:cSld>
@@ -9405,12 +8122,188 @@
           <a:chExt cx="0" cy="0"/>
         </a:xfrm>
       </p:grpSpPr>
-      <p:sp>
-        <p:nvSpPr>
-          <p:cNvPr id="32" name="Rectangle 31">
+      <p:pic>
+        <p:nvPicPr>
+          <p:cNvPr id="5" name="Picture 4">
             <a:extLst>
               <a:ext uri="{FF2B5EF4-FFF2-40B4-BE49-F238E27FC236}">
-                <a16:creationId xmlns:a16="http://schemas.microsoft.com/office/drawing/2014/main" id="{7DC09384-2025-4C6B-A699-815090DE0C6E}"/>
+                <a16:creationId xmlns:a16="http://schemas.microsoft.com/office/drawing/2014/main" id="{415E185A-37C3-44AD-AB5B-53524F265D46}"/>
+              </a:ext>
+            </a:extLst>
+          </p:cNvPr>
+          <p:cNvPicPr>
+            <a:picLocks noChangeAspect="1"/>
+          </p:cNvPicPr>
+          <p:nvPr/>
+        </p:nvPicPr>
+        <p:blipFill>
+          <a:blip r:embed="rId2"/>
+          <a:stretch>
+            <a:fillRect/>
+          </a:stretch>
+        </p:blipFill>
+        <p:spPr>
+          <a:xfrm>
+            <a:off x="0" y="1088738"/>
+            <a:ext cx="12192000" cy="5769262"/>
+          </a:xfrm>
+          <a:prstGeom prst="rect">
+            <a:avLst/>
+          </a:prstGeom>
+        </p:spPr>
+      </p:pic>
+      <p:sp>
+        <p:nvSpPr>
+          <p:cNvPr id="6" name="Title 5">
+            <a:extLst>
+              <a:ext uri="{FF2B5EF4-FFF2-40B4-BE49-F238E27FC236}">
+                <a16:creationId xmlns:a16="http://schemas.microsoft.com/office/drawing/2014/main" id="{C5662CD6-0D23-4324-B182-02906B0B240B}"/>
+              </a:ext>
+            </a:extLst>
+          </p:cNvPr>
+          <p:cNvSpPr>
+            <a:spLocks noGrp="1"/>
+          </p:cNvSpPr>
+          <p:nvPr>
+            <p:ph type="title"/>
+          </p:nvPr>
+        </p:nvSpPr>
+        <p:spPr/>
+        <p:txBody>
+          <a:bodyPr/>
+          <a:lstStyle/>
+          <a:p>
+            <a:r>
+              <a:rPr lang="en-US" dirty="0"/>
+              <a:t>Single-cell resolution expression</a:t>
+            </a:r>
+          </a:p>
+        </p:txBody>
+      </p:sp>
+    </p:spTree>
+    <p:extLst>
+      <p:ext uri="{BB962C8B-B14F-4D97-AF65-F5344CB8AC3E}">
+        <p14:creationId xmlns:p14="http://schemas.microsoft.com/office/powerpoint/2010/main" val="3544219195"/>
+      </p:ext>
+    </p:extLst>
+  </p:cSld>
+  <p:clrMapOvr>
+    <a:masterClrMapping/>
+  </p:clrMapOvr>
+</p:sld>
+</file>
+
+<file path=ppt/slides/slide5.xml><?xml version="1.0" encoding="utf-8"?>
+<p:sld xmlns:a="http://schemas.openxmlformats.org/drawingml/2006/main" xmlns:r="http://schemas.openxmlformats.org/officeDocument/2006/relationships" xmlns:p="http://schemas.openxmlformats.org/presentationml/2006/main">
+  <p:cSld>
+    <p:spTree>
+      <p:nvGrpSpPr>
+        <p:cNvPr id="1" name=""/>
+        <p:cNvGrpSpPr/>
+        <p:nvPr/>
+      </p:nvGrpSpPr>
+      <p:grpSpPr>
+        <a:xfrm>
+          <a:off x="0" y="0"/>
+          <a:ext cx="0" cy="0"/>
+          <a:chOff x="0" y="0"/>
+          <a:chExt cx="0" cy="0"/>
+        </a:xfrm>
+      </p:grpSpPr>
+      <p:pic>
+        <p:nvPicPr>
+          <p:cNvPr id="5" name="Picture 4">
+            <a:extLst>
+              <a:ext uri="{FF2B5EF4-FFF2-40B4-BE49-F238E27FC236}">
+                <a16:creationId xmlns:a16="http://schemas.microsoft.com/office/drawing/2014/main" id="{513B0079-5BBC-44F9-99A5-785021051690}"/>
+              </a:ext>
+            </a:extLst>
+          </p:cNvPr>
+          <p:cNvPicPr>
+            <a:picLocks noChangeAspect="1"/>
+          </p:cNvPicPr>
+          <p:nvPr/>
+        </p:nvPicPr>
+        <p:blipFill>
+          <a:blip r:embed="rId2"/>
+          <a:stretch>
+            <a:fillRect/>
+          </a:stretch>
+        </p:blipFill>
+        <p:spPr>
+          <a:xfrm>
+            <a:off x="0" y="1378250"/>
+            <a:ext cx="12192000" cy="5479750"/>
+          </a:xfrm>
+          <a:prstGeom prst="rect">
+            <a:avLst/>
+          </a:prstGeom>
+        </p:spPr>
+      </p:pic>
+      <p:sp>
+        <p:nvSpPr>
+          <p:cNvPr id="6" name="Title 5">
+            <a:extLst>
+              <a:ext uri="{FF2B5EF4-FFF2-40B4-BE49-F238E27FC236}">
+                <a16:creationId xmlns:a16="http://schemas.microsoft.com/office/drawing/2014/main" id="{7F425DAD-2925-4E25-81C7-818655AD37C8}"/>
+              </a:ext>
+            </a:extLst>
+          </p:cNvPr>
+          <p:cNvSpPr>
+            <a:spLocks noGrp="1"/>
+          </p:cNvSpPr>
+          <p:nvPr>
+            <p:ph type="title"/>
+          </p:nvPr>
+        </p:nvSpPr>
+        <p:spPr/>
+        <p:txBody>
+          <a:bodyPr/>
+          <a:lstStyle/>
+          <a:p>
+            <a:r>
+              <a:rPr lang="en-US" dirty="0"/>
+              <a:t>Pooled expression</a:t>
+            </a:r>
+          </a:p>
+        </p:txBody>
+      </p:sp>
+    </p:spTree>
+    <p:extLst>
+      <p:ext uri="{BB962C8B-B14F-4D97-AF65-F5344CB8AC3E}">
+        <p14:creationId xmlns:p14="http://schemas.microsoft.com/office/powerpoint/2010/main" val="52353962"/>
+      </p:ext>
+    </p:extLst>
+  </p:cSld>
+  <p:clrMapOvr>
+    <a:masterClrMapping/>
+  </p:clrMapOvr>
+</p:sld>
+</file>
+
+<file path=ppt/slides/slide6.xml><?xml version="1.0" encoding="utf-8"?>
+<p:sld xmlns:a="http://schemas.openxmlformats.org/drawingml/2006/main" xmlns:r="http://schemas.openxmlformats.org/officeDocument/2006/relationships" xmlns:p="http://schemas.openxmlformats.org/presentationml/2006/main">
+  <p:cSld>
+    <p:spTree>
+      <p:nvGrpSpPr>
+        <p:cNvPr id="1" name=""/>
+        <p:cNvGrpSpPr/>
+        <p:nvPr/>
+      </p:nvGrpSpPr>
+      <p:grpSpPr>
+        <a:xfrm>
+          <a:off x="0" y="0"/>
+          <a:ext cx="0" cy="0"/>
+          <a:chOff x="0" y="0"/>
+          <a:chExt cx="0" cy="0"/>
+        </a:xfrm>
+      </p:grpSpPr>
+      <p:sp>
+        <p:nvSpPr>
+          <p:cNvPr id="69" name="Oval 68">
+            <a:extLst>
+              <a:ext uri="{FF2B5EF4-FFF2-40B4-BE49-F238E27FC236}">
+                <a16:creationId xmlns:a16="http://schemas.microsoft.com/office/drawing/2014/main" id="{26A8A523-C8D5-4506-B5F3-150D7BB0417A}"/>
               </a:ext>
             </a:extLst>
           </p:cNvPr>
@@ -9419,712 +8312,8 @@
         </p:nvSpPr>
         <p:spPr>
           <a:xfrm>
-            <a:off x="1331651" y="994299"/>
-            <a:ext cx="1118586" cy="1118586"/>
-          </a:xfrm>
-          <a:prstGeom prst="rect">
-            <a:avLst/>
-          </a:prstGeom>
-        </p:spPr>
-        <p:style>
-          <a:lnRef idx="2">
-            <a:schemeClr val="dk1"/>
-          </a:lnRef>
-          <a:fillRef idx="1">
-            <a:schemeClr val="lt1"/>
-          </a:fillRef>
-          <a:effectRef idx="0">
-            <a:schemeClr val="dk1"/>
-          </a:effectRef>
-          <a:fontRef idx="minor">
-            <a:schemeClr val="dk1"/>
-          </a:fontRef>
-        </p:style>
-        <p:txBody>
-          <a:bodyPr rtlCol="0" anchor="ctr"/>
-          <a:lstStyle/>
-          <a:p>
-            <a:pPr algn="ctr"/>
-            <a:endParaRPr lang="en-US"/>
-          </a:p>
-        </p:txBody>
-      </p:sp>
-      <p:sp>
-        <p:nvSpPr>
-          <p:cNvPr id="33" name="Rectangle 32">
-            <a:extLst>
-              <a:ext uri="{FF2B5EF4-FFF2-40B4-BE49-F238E27FC236}">
-                <a16:creationId xmlns:a16="http://schemas.microsoft.com/office/drawing/2014/main" id="{AED16312-2659-40D7-B048-7885E89B23D6}"/>
-              </a:ext>
-            </a:extLst>
-          </p:cNvPr>
-          <p:cNvSpPr/>
-          <p:nvPr/>
-        </p:nvSpPr>
-        <p:spPr>
-          <a:xfrm>
-            <a:off x="2450237" y="994299"/>
-            <a:ext cx="1118586" cy="1118586"/>
-          </a:xfrm>
-          <a:prstGeom prst="rect">
-            <a:avLst/>
-          </a:prstGeom>
-        </p:spPr>
-        <p:style>
-          <a:lnRef idx="2">
-            <a:schemeClr val="dk1"/>
-          </a:lnRef>
-          <a:fillRef idx="1">
-            <a:schemeClr val="lt1"/>
-          </a:fillRef>
-          <a:effectRef idx="0">
-            <a:schemeClr val="dk1"/>
-          </a:effectRef>
-          <a:fontRef idx="minor">
-            <a:schemeClr val="dk1"/>
-          </a:fontRef>
-        </p:style>
-        <p:txBody>
-          <a:bodyPr rtlCol="0" anchor="ctr"/>
-          <a:lstStyle/>
-          <a:p>
-            <a:pPr algn="ctr"/>
-            <a:endParaRPr lang="en-US"/>
-          </a:p>
-        </p:txBody>
-      </p:sp>
-      <p:sp>
-        <p:nvSpPr>
-          <p:cNvPr id="34" name="Rectangle 33">
-            <a:extLst>
-              <a:ext uri="{FF2B5EF4-FFF2-40B4-BE49-F238E27FC236}">
-                <a16:creationId xmlns:a16="http://schemas.microsoft.com/office/drawing/2014/main" id="{46A94B09-5FED-4705-A40D-66C724BEEF0B}"/>
-              </a:ext>
-            </a:extLst>
-          </p:cNvPr>
-          <p:cNvSpPr/>
-          <p:nvPr/>
-        </p:nvSpPr>
-        <p:spPr>
-          <a:xfrm>
-            <a:off x="3568823" y="994299"/>
-            <a:ext cx="1118586" cy="1118586"/>
-          </a:xfrm>
-          <a:prstGeom prst="rect">
-            <a:avLst/>
-          </a:prstGeom>
-        </p:spPr>
-        <p:style>
-          <a:lnRef idx="2">
-            <a:schemeClr val="dk1"/>
-          </a:lnRef>
-          <a:fillRef idx="1">
-            <a:schemeClr val="lt1"/>
-          </a:fillRef>
-          <a:effectRef idx="0">
-            <a:schemeClr val="dk1"/>
-          </a:effectRef>
-          <a:fontRef idx="minor">
-            <a:schemeClr val="dk1"/>
-          </a:fontRef>
-        </p:style>
-        <p:txBody>
-          <a:bodyPr rtlCol="0" anchor="ctr"/>
-          <a:lstStyle/>
-          <a:p>
-            <a:pPr algn="ctr"/>
-            <a:endParaRPr lang="en-US"/>
-          </a:p>
-        </p:txBody>
-      </p:sp>
-      <p:sp>
-        <p:nvSpPr>
-          <p:cNvPr id="35" name="Rectangle 34">
-            <a:extLst>
-              <a:ext uri="{FF2B5EF4-FFF2-40B4-BE49-F238E27FC236}">
-                <a16:creationId xmlns:a16="http://schemas.microsoft.com/office/drawing/2014/main" id="{57C3111F-D06D-4897-9AF0-6D7694B272DA}"/>
-              </a:ext>
-            </a:extLst>
-          </p:cNvPr>
-          <p:cNvSpPr/>
-          <p:nvPr/>
-        </p:nvSpPr>
-        <p:spPr>
-          <a:xfrm>
-            <a:off x="4687409" y="994299"/>
-            <a:ext cx="1118586" cy="1118586"/>
-          </a:xfrm>
-          <a:prstGeom prst="rect">
-            <a:avLst/>
-          </a:prstGeom>
-        </p:spPr>
-        <p:style>
-          <a:lnRef idx="2">
-            <a:schemeClr val="dk1"/>
-          </a:lnRef>
-          <a:fillRef idx="1">
-            <a:schemeClr val="lt1"/>
-          </a:fillRef>
-          <a:effectRef idx="0">
-            <a:schemeClr val="dk1"/>
-          </a:effectRef>
-          <a:fontRef idx="minor">
-            <a:schemeClr val="dk1"/>
-          </a:fontRef>
-        </p:style>
-        <p:txBody>
-          <a:bodyPr rtlCol="0" anchor="ctr"/>
-          <a:lstStyle/>
-          <a:p>
-            <a:pPr algn="ctr"/>
-            <a:endParaRPr lang="en-US"/>
-          </a:p>
-        </p:txBody>
-      </p:sp>
-      <p:sp>
-        <p:nvSpPr>
-          <p:cNvPr id="36" name="Rectangle 35">
-            <a:extLst>
-              <a:ext uri="{FF2B5EF4-FFF2-40B4-BE49-F238E27FC236}">
-                <a16:creationId xmlns:a16="http://schemas.microsoft.com/office/drawing/2014/main" id="{CEB15BB2-0546-4C6D-8C4C-4C61BF08D6A4}"/>
-              </a:ext>
-            </a:extLst>
-          </p:cNvPr>
-          <p:cNvSpPr/>
-          <p:nvPr/>
-        </p:nvSpPr>
-        <p:spPr>
-          <a:xfrm>
-            <a:off x="4687409" y="2112885"/>
-            <a:ext cx="1118586" cy="1118586"/>
-          </a:xfrm>
-          <a:prstGeom prst="rect">
-            <a:avLst/>
-          </a:prstGeom>
-        </p:spPr>
-        <p:style>
-          <a:lnRef idx="2">
-            <a:schemeClr val="dk1"/>
-          </a:lnRef>
-          <a:fillRef idx="1">
-            <a:schemeClr val="lt1"/>
-          </a:fillRef>
-          <a:effectRef idx="0">
-            <a:schemeClr val="dk1"/>
-          </a:effectRef>
-          <a:fontRef idx="minor">
-            <a:schemeClr val="dk1"/>
-          </a:fontRef>
-        </p:style>
-        <p:txBody>
-          <a:bodyPr rtlCol="0" anchor="ctr"/>
-          <a:lstStyle/>
-          <a:p>
-            <a:pPr algn="ctr"/>
-            <a:endParaRPr lang="en-US"/>
-          </a:p>
-        </p:txBody>
-      </p:sp>
-      <p:sp>
-        <p:nvSpPr>
-          <p:cNvPr id="37" name="Rectangle 36">
-            <a:extLst>
-              <a:ext uri="{FF2B5EF4-FFF2-40B4-BE49-F238E27FC236}">
-                <a16:creationId xmlns:a16="http://schemas.microsoft.com/office/drawing/2014/main" id="{91EE923F-235B-4756-BB8B-713AE0F9AF3A}"/>
-              </a:ext>
-            </a:extLst>
-          </p:cNvPr>
-          <p:cNvSpPr/>
-          <p:nvPr/>
-        </p:nvSpPr>
-        <p:spPr>
-          <a:xfrm>
-            <a:off x="3568823" y="2112885"/>
-            <a:ext cx="1118586" cy="1118586"/>
-          </a:xfrm>
-          <a:prstGeom prst="rect">
-            <a:avLst/>
-          </a:prstGeom>
-        </p:spPr>
-        <p:style>
-          <a:lnRef idx="2">
-            <a:schemeClr val="dk1"/>
-          </a:lnRef>
-          <a:fillRef idx="1">
-            <a:schemeClr val="lt1"/>
-          </a:fillRef>
-          <a:effectRef idx="0">
-            <a:schemeClr val="dk1"/>
-          </a:effectRef>
-          <a:fontRef idx="minor">
-            <a:schemeClr val="dk1"/>
-          </a:fontRef>
-        </p:style>
-        <p:txBody>
-          <a:bodyPr rtlCol="0" anchor="ctr"/>
-          <a:lstStyle/>
-          <a:p>
-            <a:pPr algn="ctr"/>
-            <a:endParaRPr lang="en-US"/>
-          </a:p>
-        </p:txBody>
-      </p:sp>
-      <p:sp>
-        <p:nvSpPr>
-          <p:cNvPr id="38" name="Rectangle 37">
-            <a:extLst>
-              <a:ext uri="{FF2B5EF4-FFF2-40B4-BE49-F238E27FC236}">
-                <a16:creationId xmlns:a16="http://schemas.microsoft.com/office/drawing/2014/main" id="{FDB13592-B8A2-4979-8824-CD26B24D3371}"/>
-              </a:ext>
-            </a:extLst>
-          </p:cNvPr>
-          <p:cNvSpPr/>
-          <p:nvPr/>
-        </p:nvSpPr>
-        <p:spPr>
-          <a:xfrm>
-            <a:off x="2450237" y="2112885"/>
-            <a:ext cx="1118586" cy="1118586"/>
-          </a:xfrm>
-          <a:prstGeom prst="rect">
-            <a:avLst/>
-          </a:prstGeom>
-        </p:spPr>
-        <p:style>
-          <a:lnRef idx="2">
-            <a:schemeClr val="dk1"/>
-          </a:lnRef>
-          <a:fillRef idx="1">
-            <a:schemeClr val="lt1"/>
-          </a:fillRef>
-          <a:effectRef idx="0">
-            <a:schemeClr val="dk1"/>
-          </a:effectRef>
-          <a:fontRef idx="minor">
-            <a:schemeClr val="dk1"/>
-          </a:fontRef>
-        </p:style>
-        <p:txBody>
-          <a:bodyPr rtlCol="0" anchor="ctr"/>
-          <a:lstStyle/>
-          <a:p>
-            <a:pPr algn="ctr"/>
-            <a:endParaRPr lang="en-US"/>
-          </a:p>
-        </p:txBody>
-      </p:sp>
-      <p:sp>
-        <p:nvSpPr>
-          <p:cNvPr id="39" name="Rectangle 38">
-            <a:extLst>
-              <a:ext uri="{FF2B5EF4-FFF2-40B4-BE49-F238E27FC236}">
-                <a16:creationId xmlns:a16="http://schemas.microsoft.com/office/drawing/2014/main" id="{0DEA7722-5DA0-4338-A343-D6ED905A9CB8}"/>
-              </a:ext>
-            </a:extLst>
-          </p:cNvPr>
-          <p:cNvSpPr/>
-          <p:nvPr/>
-        </p:nvSpPr>
-        <p:spPr>
-          <a:xfrm>
-            <a:off x="1331651" y="2112885"/>
-            <a:ext cx="1118586" cy="1118586"/>
-          </a:xfrm>
-          <a:prstGeom prst="rect">
-            <a:avLst/>
-          </a:prstGeom>
-        </p:spPr>
-        <p:style>
-          <a:lnRef idx="2">
-            <a:schemeClr val="dk1"/>
-          </a:lnRef>
-          <a:fillRef idx="1">
-            <a:schemeClr val="lt1"/>
-          </a:fillRef>
-          <a:effectRef idx="0">
-            <a:schemeClr val="dk1"/>
-          </a:effectRef>
-          <a:fontRef idx="minor">
-            <a:schemeClr val="dk1"/>
-          </a:fontRef>
-        </p:style>
-        <p:txBody>
-          <a:bodyPr rtlCol="0" anchor="ctr"/>
-          <a:lstStyle/>
-          <a:p>
-            <a:pPr algn="ctr"/>
-            <a:endParaRPr lang="en-US"/>
-          </a:p>
-        </p:txBody>
-      </p:sp>
-      <p:sp>
-        <p:nvSpPr>
-          <p:cNvPr id="40" name="Rectangle 39">
-            <a:extLst>
-              <a:ext uri="{FF2B5EF4-FFF2-40B4-BE49-F238E27FC236}">
-                <a16:creationId xmlns:a16="http://schemas.microsoft.com/office/drawing/2014/main" id="{E729E8FC-E08C-44B4-9C65-BC136C2ED695}"/>
-              </a:ext>
-            </a:extLst>
-          </p:cNvPr>
-          <p:cNvSpPr/>
-          <p:nvPr/>
-        </p:nvSpPr>
-        <p:spPr>
-          <a:xfrm>
-            <a:off x="1331651" y="3231471"/>
-            <a:ext cx="1118586" cy="1118586"/>
-          </a:xfrm>
-          <a:prstGeom prst="rect">
-            <a:avLst/>
-          </a:prstGeom>
-        </p:spPr>
-        <p:style>
-          <a:lnRef idx="2">
-            <a:schemeClr val="dk1"/>
-          </a:lnRef>
-          <a:fillRef idx="1">
-            <a:schemeClr val="lt1"/>
-          </a:fillRef>
-          <a:effectRef idx="0">
-            <a:schemeClr val="dk1"/>
-          </a:effectRef>
-          <a:fontRef idx="minor">
-            <a:schemeClr val="dk1"/>
-          </a:fontRef>
-        </p:style>
-        <p:txBody>
-          <a:bodyPr rtlCol="0" anchor="ctr"/>
-          <a:lstStyle/>
-          <a:p>
-            <a:pPr algn="ctr"/>
-            <a:endParaRPr lang="en-US"/>
-          </a:p>
-        </p:txBody>
-      </p:sp>
-      <p:sp>
-        <p:nvSpPr>
-          <p:cNvPr id="41" name="Rectangle 40">
-            <a:extLst>
-              <a:ext uri="{FF2B5EF4-FFF2-40B4-BE49-F238E27FC236}">
-                <a16:creationId xmlns:a16="http://schemas.microsoft.com/office/drawing/2014/main" id="{808CC8BB-BF28-4611-9C42-784A5BE57C28}"/>
-              </a:ext>
-            </a:extLst>
-          </p:cNvPr>
-          <p:cNvSpPr/>
-          <p:nvPr/>
-        </p:nvSpPr>
-        <p:spPr>
-          <a:xfrm>
-            <a:off x="2450237" y="3231471"/>
-            <a:ext cx="1118586" cy="1118586"/>
-          </a:xfrm>
-          <a:prstGeom prst="rect">
-            <a:avLst/>
-          </a:prstGeom>
-        </p:spPr>
-        <p:style>
-          <a:lnRef idx="2">
-            <a:schemeClr val="dk1"/>
-          </a:lnRef>
-          <a:fillRef idx="1">
-            <a:schemeClr val="lt1"/>
-          </a:fillRef>
-          <a:effectRef idx="0">
-            <a:schemeClr val="dk1"/>
-          </a:effectRef>
-          <a:fontRef idx="minor">
-            <a:schemeClr val="dk1"/>
-          </a:fontRef>
-        </p:style>
-        <p:txBody>
-          <a:bodyPr rtlCol="0" anchor="ctr"/>
-          <a:lstStyle/>
-          <a:p>
-            <a:pPr algn="ctr"/>
-            <a:endParaRPr lang="en-US"/>
-          </a:p>
-        </p:txBody>
-      </p:sp>
-      <p:sp>
-        <p:nvSpPr>
-          <p:cNvPr id="42" name="Rectangle 41">
-            <a:extLst>
-              <a:ext uri="{FF2B5EF4-FFF2-40B4-BE49-F238E27FC236}">
-                <a16:creationId xmlns:a16="http://schemas.microsoft.com/office/drawing/2014/main" id="{E67CD05A-B306-4FF0-B7FA-B33F1B8CB3B4}"/>
-              </a:ext>
-            </a:extLst>
-          </p:cNvPr>
-          <p:cNvSpPr/>
-          <p:nvPr/>
-        </p:nvSpPr>
-        <p:spPr>
-          <a:xfrm>
-            <a:off x="3568823" y="3231471"/>
-            <a:ext cx="1118586" cy="1118586"/>
-          </a:xfrm>
-          <a:prstGeom prst="rect">
-            <a:avLst/>
-          </a:prstGeom>
-        </p:spPr>
-        <p:style>
-          <a:lnRef idx="2">
-            <a:schemeClr val="dk1"/>
-          </a:lnRef>
-          <a:fillRef idx="1">
-            <a:schemeClr val="lt1"/>
-          </a:fillRef>
-          <a:effectRef idx="0">
-            <a:schemeClr val="dk1"/>
-          </a:effectRef>
-          <a:fontRef idx="minor">
-            <a:schemeClr val="dk1"/>
-          </a:fontRef>
-        </p:style>
-        <p:txBody>
-          <a:bodyPr rtlCol="0" anchor="ctr"/>
-          <a:lstStyle/>
-          <a:p>
-            <a:pPr algn="ctr"/>
-            <a:endParaRPr lang="en-US"/>
-          </a:p>
-        </p:txBody>
-      </p:sp>
-      <p:sp>
-        <p:nvSpPr>
-          <p:cNvPr id="43" name="Rectangle 42">
-            <a:extLst>
-              <a:ext uri="{FF2B5EF4-FFF2-40B4-BE49-F238E27FC236}">
-                <a16:creationId xmlns:a16="http://schemas.microsoft.com/office/drawing/2014/main" id="{3F07E4D9-C85F-45F9-8F2D-B43AE8B7F530}"/>
-              </a:ext>
-            </a:extLst>
-          </p:cNvPr>
-          <p:cNvSpPr/>
-          <p:nvPr/>
-        </p:nvSpPr>
-        <p:spPr>
-          <a:xfrm>
-            <a:off x="4687409" y="3231471"/>
-            <a:ext cx="1118586" cy="1118586"/>
-          </a:xfrm>
-          <a:prstGeom prst="rect">
-            <a:avLst/>
-          </a:prstGeom>
-        </p:spPr>
-        <p:style>
-          <a:lnRef idx="2">
-            <a:schemeClr val="dk1"/>
-          </a:lnRef>
-          <a:fillRef idx="1">
-            <a:schemeClr val="lt1"/>
-          </a:fillRef>
-          <a:effectRef idx="0">
-            <a:schemeClr val="dk1"/>
-          </a:effectRef>
-          <a:fontRef idx="minor">
-            <a:schemeClr val="dk1"/>
-          </a:fontRef>
-        </p:style>
-        <p:txBody>
-          <a:bodyPr rtlCol="0" anchor="ctr"/>
-          <a:lstStyle/>
-          <a:p>
-            <a:pPr algn="ctr"/>
-            <a:endParaRPr lang="en-US"/>
-          </a:p>
-        </p:txBody>
-      </p:sp>
-      <p:sp>
-        <p:nvSpPr>
-          <p:cNvPr id="44" name="Rectangle 43">
-            <a:extLst>
-              <a:ext uri="{FF2B5EF4-FFF2-40B4-BE49-F238E27FC236}">
-                <a16:creationId xmlns:a16="http://schemas.microsoft.com/office/drawing/2014/main" id="{15EA3D6A-0CD5-4ABB-80C0-9652A213FCCC}"/>
-              </a:ext>
-            </a:extLst>
-          </p:cNvPr>
-          <p:cNvSpPr/>
-          <p:nvPr/>
-        </p:nvSpPr>
-        <p:spPr>
-          <a:xfrm>
-            <a:off x="4687409" y="4350057"/>
-            <a:ext cx="1118586" cy="1118586"/>
-          </a:xfrm>
-          <a:prstGeom prst="rect">
-            <a:avLst/>
-          </a:prstGeom>
-        </p:spPr>
-        <p:style>
-          <a:lnRef idx="2">
-            <a:schemeClr val="dk1"/>
-          </a:lnRef>
-          <a:fillRef idx="1">
-            <a:schemeClr val="lt1"/>
-          </a:fillRef>
-          <a:effectRef idx="0">
-            <a:schemeClr val="dk1"/>
-          </a:effectRef>
-          <a:fontRef idx="minor">
-            <a:schemeClr val="dk1"/>
-          </a:fontRef>
-        </p:style>
-        <p:txBody>
-          <a:bodyPr rtlCol="0" anchor="ctr"/>
-          <a:lstStyle/>
-          <a:p>
-            <a:pPr algn="ctr"/>
-            <a:endParaRPr lang="en-US"/>
-          </a:p>
-        </p:txBody>
-      </p:sp>
-      <p:sp>
-        <p:nvSpPr>
-          <p:cNvPr id="45" name="Rectangle 44">
-            <a:extLst>
-              <a:ext uri="{FF2B5EF4-FFF2-40B4-BE49-F238E27FC236}">
-                <a16:creationId xmlns:a16="http://schemas.microsoft.com/office/drawing/2014/main" id="{B55299E0-3F7C-4858-8CE4-ED7FC989FCAE}"/>
-              </a:ext>
-            </a:extLst>
-          </p:cNvPr>
-          <p:cNvSpPr/>
-          <p:nvPr/>
-        </p:nvSpPr>
-        <p:spPr>
-          <a:xfrm>
-            <a:off x="3568823" y="4350057"/>
-            <a:ext cx="1118586" cy="1118586"/>
-          </a:xfrm>
-          <a:prstGeom prst="rect">
-            <a:avLst/>
-          </a:prstGeom>
-        </p:spPr>
-        <p:style>
-          <a:lnRef idx="2">
-            <a:schemeClr val="dk1"/>
-          </a:lnRef>
-          <a:fillRef idx="1">
-            <a:schemeClr val="lt1"/>
-          </a:fillRef>
-          <a:effectRef idx="0">
-            <a:schemeClr val="dk1"/>
-          </a:effectRef>
-          <a:fontRef idx="minor">
-            <a:schemeClr val="dk1"/>
-          </a:fontRef>
-        </p:style>
-        <p:txBody>
-          <a:bodyPr rtlCol="0" anchor="ctr"/>
-          <a:lstStyle/>
-          <a:p>
-            <a:pPr algn="ctr"/>
-            <a:endParaRPr lang="en-US"/>
-          </a:p>
-        </p:txBody>
-      </p:sp>
-      <p:sp>
-        <p:nvSpPr>
-          <p:cNvPr id="46" name="Rectangle 45">
-            <a:extLst>
-              <a:ext uri="{FF2B5EF4-FFF2-40B4-BE49-F238E27FC236}">
-                <a16:creationId xmlns:a16="http://schemas.microsoft.com/office/drawing/2014/main" id="{FE44F465-AEA4-4E11-A245-2022C85911E9}"/>
-              </a:ext>
-            </a:extLst>
-          </p:cNvPr>
-          <p:cNvSpPr/>
-          <p:nvPr/>
-        </p:nvSpPr>
-        <p:spPr>
-          <a:xfrm>
-            <a:off x="2450237" y="4350057"/>
-            <a:ext cx="1118586" cy="1118586"/>
-          </a:xfrm>
-          <a:prstGeom prst="rect">
-            <a:avLst/>
-          </a:prstGeom>
-        </p:spPr>
-        <p:style>
-          <a:lnRef idx="2">
-            <a:schemeClr val="dk1"/>
-          </a:lnRef>
-          <a:fillRef idx="1">
-            <a:schemeClr val="lt1"/>
-          </a:fillRef>
-          <a:effectRef idx="0">
-            <a:schemeClr val="dk1"/>
-          </a:effectRef>
-          <a:fontRef idx="minor">
-            <a:schemeClr val="dk1"/>
-          </a:fontRef>
-        </p:style>
-        <p:txBody>
-          <a:bodyPr rtlCol="0" anchor="ctr"/>
-          <a:lstStyle/>
-          <a:p>
-            <a:pPr algn="ctr"/>
-            <a:endParaRPr lang="en-US"/>
-          </a:p>
-        </p:txBody>
-      </p:sp>
-      <p:sp>
-        <p:nvSpPr>
-          <p:cNvPr id="47" name="Rectangle 46">
-            <a:extLst>
-              <a:ext uri="{FF2B5EF4-FFF2-40B4-BE49-F238E27FC236}">
-                <a16:creationId xmlns:a16="http://schemas.microsoft.com/office/drawing/2014/main" id="{5F356021-DA63-45D6-92FA-0E9BE443F68B}"/>
-              </a:ext>
-            </a:extLst>
-          </p:cNvPr>
-          <p:cNvSpPr/>
-          <p:nvPr/>
-        </p:nvSpPr>
-        <p:spPr>
-          <a:xfrm>
-            <a:off x="1331651" y="4350057"/>
-            <a:ext cx="1118586" cy="1118586"/>
-          </a:xfrm>
-          <a:prstGeom prst="rect">
-            <a:avLst/>
-          </a:prstGeom>
-        </p:spPr>
-        <p:style>
-          <a:lnRef idx="2">
-            <a:schemeClr val="dk1"/>
-          </a:lnRef>
-          <a:fillRef idx="1">
-            <a:schemeClr val="lt1"/>
-          </a:fillRef>
-          <a:effectRef idx="0">
-            <a:schemeClr val="dk1"/>
-          </a:effectRef>
-          <a:fontRef idx="minor">
-            <a:schemeClr val="dk1"/>
-          </a:fontRef>
-        </p:style>
-        <p:txBody>
-          <a:bodyPr rtlCol="0" anchor="ctr"/>
-          <a:lstStyle/>
-          <a:p>
-            <a:pPr algn="ctr"/>
-            <a:endParaRPr lang="en-US"/>
-          </a:p>
-        </p:txBody>
-      </p:sp>
-      <p:sp>
-        <p:nvSpPr>
-          <p:cNvPr id="48" name="Oval 47">
-            <a:extLst>
-              <a:ext uri="{FF2B5EF4-FFF2-40B4-BE49-F238E27FC236}">
-                <a16:creationId xmlns:a16="http://schemas.microsoft.com/office/drawing/2014/main" id="{A043C782-0A59-44F9-A84F-14FDF3C776FE}"/>
-              </a:ext>
-            </a:extLst>
-          </p:cNvPr>
-          <p:cNvSpPr/>
-          <p:nvPr/>
-        </p:nvSpPr>
-        <p:spPr>
-          <a:xfrm>
-            <a:off x="2104007" y="2885241"/>
-            <a:ext cx="692459" cy="692459"/>
+            <a:off x="8999487" y="5221459"/>
+            <a:ext cx="868680" cy="868680"/>
           </a:xfrm>
           <a:prstGeom prst="ellipse">
             <a:avLst/>
@@ -10162,10 +8351,66 @@
       </p:sp>
       <p:sp>
         <p:nvSpPr>
-          <p:cNvPr id="49" name="Oval 48">
+          <p:cNvPr id="75" name="Hexagon 74">
             <a:extLst>
               <a:ext uri="{FF2B5EF4-FFF2-40B4-BE49-F238E27FC236}">
-                <a16:creationId xmlns:a16="http://schemas.microsoft.com/office/drawing/2014/main" id="{8EFE794E-A063-403E-8CC7-65508C1B172F}"/>
+                <a16:creationId xmlns:a16="http://schemas.microsoft.com/office/drawing/2014/main" id="{B152E87A-65F2-42D6-8F1E-AF8C82C13275}"/>
+              </a:ext>
+            </a:extLst>
+          </p:cNvPr>
+          <p:cNvSpPr>
+            <a:spLocks noChangeAspect="1"/>
+          </p:cNvSpPr>
+          <p:nvPr/>
+        </p:nvSpPr>
+        <p:spPr>
+          <a:xfrm>
+            <a:off x="8958128" y="5244319"/>
+            <a:ext cx="951398" cy="822960"/>
+          </a:xfrm>
+          <a:prstGeom prst="hexagon">
+            <a:avLst>
+              <a:gd name="adj" fmla="val 30112"/>
+              <a:gd name="vf" fmla="val 115470"/>
+            </a:avLst>
+          </a:prstGeom>
+          <a:solidFill>
+            <a:schemeClr val="accent4">
+              <a:alpha val="50000"/>
+            </a:schemeClr>
+          </a:solidFill>
+        </p:spPr>
+        <p:style>
+          <a:lnRef idx="2">
+            <a:schemeClr val="accent4">
+              <a:shade val="50000"/>
+            </a:schemeClr>
+          </a:lnRef>
+          <a:fillRef idx="1">
+            <a:schemeClr val="accent4"/>
+          </a:fillRef>
+          <a:effectRef idx="0">
+            <a:schemeClr val="accent4"/>
+          </a:effectRef>
+          <a:fontRef idx="minor">
+            <a:schemeClr val="lt1"/>
+          </a:fontRef>
+        </p:style>
+        <p:txBody>
+          <a:bodyPr rtlCol="0" anchor="ctr"/>
+          <a:lstStyle/>
+          <a:p>
+            <a:pPr algn="ctr"/>
+            <a:endParaRPr lang="en-US"/>
+          </a:p>
+        </p:txBody>
+      </p:sp>
+      <p:sp>
+        <p:nvSpPr>
+          <p:cNvPr id="4" name="Rectangle 3">
+            <a:extLst>
+              <a:ext uri="{FF2B5EF4-FFF2-40B4-BE49-F238E27FC236}">
+                <a16:creationId xmlns:a16="http://schemas.microsoft.com/office/drawing/2014/main" id="{43D9B88F-D573-45FC-9CCC-E3BC91BE00DE}"/>
               </a:ext>
             </a:extLst>
           </p:cNvPr>
@@ -10174,8 +8419,712 @@
         </p:nvSpPr>
         <p:spPr>
           <a:xfrm>
-            <a:off x="4341180" y="2885240"/>
-            <a:ext cx="692459" cy="692459"/>
+            <a:off x="1331651" y="994299"/>
+            <a:ext cx="1118586" cy="1118586"/>
+          </a:xfrm>
+          <a:prstGeom prst="rect">
+            <a:avLst/>
+          </a:prstGeom>
+        </p:spPr>
+        <p:style>
+          <a:lnRef idx="2">
+            <a:schemeClr val="dk1"/>
+          </a:lnRef>
+          <a:fillRef idx="1">
+            <a:schemeClr val="lt1"/>
+          </a:fillRef>
+          <a:effectRef idx="0">
+            <a:schemeClr val="dk1"/>
+          </a:effectRef>
+          <a:fontRef idx="minor">
+            <a:schemeClr val="dk1"/>
+          </a:fontRef>
+        </p:style>
+        <p:txBody>
+          <a:bodyPr rtlCol="0" anchor="ctr"/>
+          <a:lstStyle/>
+          <a:p>
+            <a:pPr algn="ctr"/>
+            <a:endParaRPr lang="en-US"/>
+          </a:p>
+        </p:txBody>
+      </p:sp>
+      <p:sp>
+        <p:nvSpPr>
+          <p:cNvPr id="5" name="Rectangle 4">
+            <a:extLst>
+              <a:ext uri="{FF2B5EF4-FFF2-40B4-BE49-F238E27FC236}">
+                <a16:creationId xmlns:a16="http://schemas.microsoft.com/office/drawing/2014/main" id="{AF44F548-1856-4B78-BAEE-247BD2857694}"/>
+              </a:ext>
+            </a:extLst>
+          </p:cNvPr>
+          <p:cNvSpPr/>
+          <p:nvPr/>
+        </p:nvSpPr>
+        <p:spPr>
+          <a:xfrm>
+            <a:off x="2450237" y="994299"/>
+            <a:ext cx="1118586" cy="1118586"/>
+          </a:xfrm>
+          <a:prstGeom prst="rect">
+            <a:avLst/>
+          </a:prstGeom>
+        </p:spPr>
+        <p:style>
+          <a:lnRef idx="2">
+            <a:schemeClr val="dk1"/>
+          </a:lnRef>
+          <a:fillRef idx="1">
+            <a:schemeClr val="lt1"/>
+          </a:fillRef>
+          <a:effectRef idx="0">
+            <a:schemeClr val="dk1"/>
+          </a:effectRef>
+          <a:fontRef idx="minor">
+            <a:schemeClr val="dk1"/>
+          </a:fontRef>
+        </p:style>
+        <p:txBody>
+          <a:bodyPr rtlCol="0" anchor="ctr"/>
+          <a:lstStyle/>
+          <a:p>
+            <a:pPr algn="ctr"/>
+            <a:endParaRPr lang="en-US"/>
+          </a:p>
+        </p:txBody>
+      </p:sp>
+      <p:sp>
+        <p:nvSpPr>
+          <p:cNvPr id="6" name="Rectangle 5">
+            <a:extLst>
+              <a:ext uri="{FF2B5EF4-FFF2-40B4-BE49-F238E27FC236}">
+                <a16:creationId xmlns:a16="http://schemas.microsoft.com/office/drawing/2014/main" id="{A3407995-0746-499A-B739-67F7A4550711}"/>
+              </a:ext>
+            </a:extLst>
+          </p:cNvPr>
+          <p:cNvSpPr/>
+          <p:nvPr/>
+        </p:nvSpPr>
+        <p:spPr>
+          <a:xfrm>
+            <a:off x="3568823" y="994299"/>
+            <a:ext cx="1118586" cy="1118586"/>
+          </a:xfrm>
+          <a:prstGeom prst="rect">
+            <a:avLst/>
+          </a:prstGeom>
+        </p:spPr>
+        <p:style>
+          <a:lnRef idx="2">
+            <a:schemeClr val="dk1"/>
+          </a:lnRef>
+          <a:fillRef idx="1">
+            <a:schemeClr val="lt1"/>
+          </a:fillRef>
+          <a:effectRef idx="0">
+            <a:schemeClr val="dk1"/>
+          </a:effectRef>
+          <a:fontRef idx="minor">
+            <a:schemeClr val="dk1"/>
+          </a:fontRef>
+        </p:style>
+        <p:txBody>
+          <a:bodyPr rtlCol="0" anchor="ctr"/>
+          <a:lstStyle/>
+          <a:p>
+            <a:pPr algn="ctr"/>
+            <a:endParaRPr lang="en-US"/>
+          </a:p>
+        </p:txBody>
+      </p:sp>
+      <p:sp>
+        <p:nvSpPr>
+          <p:cNvPr id="7" name="Rectangle 6">
+            <a:extLst>
+              <a:ext uri="{FF2B5EF4-FFF2-40B4-BE49-F238E27FC236}">
+                <a16:creationId xmlns:a16="http://schemas.microsoft.com/office/drawing/2014/main" id="{0758F4E0-C62F-48D8-BECE-82C7B1DEE3F2}"/>
+              </a:ext>
+            </a:extLst>
+          </p:cNvPr>
+          <p:cNvSpPr/>
+          <p:nvPr/>
+        </p:nvSpPr>
+        <p:spPr>
+          <a:xfrm>
+            <a:off x="4687409" y="994299"/>
+            <a:ext cx="1118586" cy="1118586"/>
+          </a:xfrm>
+          <a:prstGeom prst="rect">
+            <a:avLst/>
+          </a:prstGeom>
+        </p:spPr>
+        <p:style>
+          <a:lnRef idx="2">
+            <a:schemeClr val="dk1"/>
+          </a:lnRef>
+          <a:fillRef idx="1">
+            <a:schemeClr val="lt1"/>
+          </a:fillRef>
+          <a:effectRef idx="0">
+            <a:schemeClr val="dk1"/>
+          </a:effectRef>
+          <a:fontRef idx="minor">
+            <a:schemeClr val="dk1"/>
+          </a:fontRef>
+        </p:style>
+        <p:txBody>
+          <a:bodyPr rtlCol="0" anchor="ctr"/>
+          <a:lstStyle/>
+          <a:p>
+            <a:pPr algn="ctr"/>
+            <a:endParaRPr lang="en-US"/>
+          </a:p>
+        </p:txBody>
+      </p:sp>
+      <p:sp>
+        <p:nvSpPr>
+          <p:cNvPr id="8" name="Rectangle 7">
+            <a:extLst>
+              <a:ext uri="{FF2B5EF4-FFF2-40B4-BE49-F238E27FC236}">
+                <a16:creationId xmlns:a16="http://schemas.microsoft.com/office/drawing/2014/main" id="{EDEF0C55-F74F-4E80-B501-A227F6DC2B84}"/>
+              </a:ext>
+            </a:extLst>
+          </p:cNvPr>
+          <p:cNvSpPr/>
+          <p:nvPr/>
+        </p:nvSpPr>
+        <p:spPr>
+          <a:xfrm>
+            <a:off x="4687409" y="2112885"/>
+            <a:ext cx="1118586" cy="1118586"/>
+          </a:xfrm>
+          <a:prstGeom prst="rect">
+            <a:avLst/>
+          </a:prstGeom>
+        </p:spPr>
+        <p:style>
+          <a:lnRef idx="2">
+            <a:schemeClr val="dk1"/>
+          </a:lnRef>
+          <a:fillRef idx="1">
+            <a:schemeClr val="lt1"/>
+          </a:fillRef>
+          <a:effectRef idx="0">
+            <a:schemeClr val="dk1"/>
+          </a:effectRef>
+          <a:fontRef idx="minor">
+            <a:schemeClr val="dk1"/>
+          </a:fontRef>
+        </p:style>
+        <p:txBody>
+          <a:bodyPr rtlCol="0" anchor="ctr"/>
+          <a:lstStyle/>
+          <a:p>
+            <a:pPr algn="ctr"/>
+            <a:endParaRPr lang="en-US"/>
+          </a:p>
+        </p:txBody>
+      </p:sp>
+      <p:sp>
+        <p:nvSpPr>
+          <p:cNvPr id="9" name="Rectangle 8">
+            <a:extLst>
+              <a:ext uri="{FF2B5EF4-FFF2-40B4-BE49-F238E27FC236}">
+                <a16:creationId xmlns:a16="http://schemas.microsoft.com/office/drawing/2014/main" id="{1DCF4A2D-47EA-4D72-8AB2-F0E1C5C9A8D9}"/>
+              </a:ext>
+            </a:extLst>
+          </p:cNvPr>
+          <p:cNvSpPr/>
+          <p:nvPr/>
+        </p:nvSpPr>
+        <p:spPr>
+          <a:xfrm>
+            <a:off x="3568823" y="2112885"/>
+            <a:ext cx="1118586" cy="1118586"/>
+          </a:xfrm>
+          <a:prstGeom prst="rect">
+            <a:avLst/>
+          </a:prstGeom>
+        </p:spPr>
+        <p:style>
+          <a:lnRef idx="2">
+            <a:schemeClr val="dk1"/>
+          </a:lnRef>
+          <a:fillRef idx="1">
+            <a:schemeClr val="lt1"/>
+          </a:fillRef>
+          <a:effectRef idx="0">
+            <a:schemeClr val="dk1"/>
+          </a:effectRef>
+          <a:fontRef idx="minor">
+            <a:schemeClr val="dk1"/>
+          </a:fontRef>
+        </p:style>
+        <p:txBody>
+          <a:bodyPr rtlCol="0" anchor="ctr"/>
+          <a:lstStyle/>
+          <a:p>
+            <a:pPr algn="ctr"/>
+            <a:endParaRPr lang="en-US"/>
+          </a:p>
+        </p:txBody>
+      </p:sp>
+      <p:sp>
+        <p:nvSpPr>
+          <p:cNvPr id="10" name="Rectangle 9">
+            <a:extLst>
+              <a:ext uri="{FF2B5EF4-FFF2-40B4-BE49-F238E27FC236}">
+                <a16:creationId xmlns:a16="http://schemas.microsoft.com/office/drawing/2014/main" id="{DD446EE8-AA7A-4558-A7A0-9667EB976C74}"/>
+              </a:ext>
+            </a:extLst>
+          </p:cNvPr>
+          <p:cNvSpPr/>
+          <p:nvPr/>
+        </p:nvSpPr>
+        <p:spPr>
+          <a:xfrm>
+            <a:off x="2450237" y="2112885"/>
+            <a:ext cx="1118586" cy="1118586"/>
+          </a:xfrm>
+          <a:prstGeom prst="rect">
+            <a:avLst/>
+          </a:prstGeom>
+        </p:spPr>
+        <p:style>
+          <a:lnRef idx="2">
+            <a:schemeClr val="dk1"/>
+          </a:lnRef>
+          <a:fillRef idx="1">
+            <a:schemeClr val="lt1"/>
+          </a:fillRef>
+          <a:effectRef idx="0">
+            <a:schemeClr val="dk1"/>
+          </a:effectRef>
+          <a:fontRef idx="minor">
+            <a:schemeClr val="dk1"/>
+          </a:fontRef>
+        </p:style>
+        <p:txBody>
+          <a:bodyPr rtlCol="0" anchor="ctr"/>
+          <a:lstStyle/>
+          <a:p>
+            <a:pPr algn="ctr"/>
+            <a:endParaRPr lang="en-US"/>
+          </a:p>
+        </p:txBody>
+      </p:sp>
+      <p:sp>
+        <p:nvSpPr>
+          <p:cNvPr id="11" name="Rectangle 10">
+            <a:extLst>
+              <a:ext uri="{FF2B5EF4-FFF2-40B4-BE49-F238E27FC236}">
+                <a16:creationId xmlns:a16="http://schemas.microsoft.com/office/drawing/2014/main" id="{AC91F6D3-0AA7-4535-9E04-3235E30686F5}"/>
+              </a:ext>
+            </a:extLst>
+          </p:cNvPr>
+          <p:cNvSpPr/>
+          <p:nvPr/>
+        </p:nvSpPr>
+        <p:spPr>
+          <a:xfrm>
+            <a:off x="1331651" y="2112885"/>
+            <a:ext cx="1118586" cy="1118586"/>
+          </a:xfrm>
+          <a:prstGeom prst="rect">
+            <a:avLst/>
+          </a:prstGeom>
+        </p:spPr>
+        <p:style>
+          <a:lnRef idx="2">
+            <a:schemeClr val="dk1"/>
+          </a:lnRef>
+          <a:fillRef idx="1">
+            <a:schemeClr val="lt1"/>
+          </a:fillRef>
+          <a:effectRef idx="0">
+            <a:schemeClr val="dk1"/>
+          </a:effectRef>
+          <a:fontRef idx="minor">
+            <a:schemeClr val="dk1"/>
+          </a:fontRef>
+        </p:style>
+        <p:txBody>
+          <a:bodyPr rtlCol="0" anchor="ctr"/>
+          <a:lstStyle/>
+          <a:p>
+            <a:pPr algn="ctr"/>
+            <a:endParaRPr lang="en-US"/>
+          </a:p>
+        </p:txBody>
+      </p:sp>
+      <p:sp>
+        <p:nvSpPr>
+          <p:cNvPr id="12" name="Rectangle 11">
+            <a:extLst>
+              <a:ext uri="{FF2B5EF4-FFF2-40B4-BE49-F238E27FC236}">
+                <a16:creationId xmlns:a16="http://schemas.microsoft.com/office/drawing/2014/main" id="{B429D7A6-8FD3-4939-834A-205F0AC8ECD4}"/>
+              </a:ext>
+            </a:extLst>
+          </p:cNvPr>
+          <p:cNvSpPr/>
+          <p:nvPr/>
+        </p:nvSpPr>
+        <p:spPr>
+          <a:xfrm>
+            <a:off x="1331651" y="3231471"/>
+            <a:ext cx="1118586" cy="1118586"/>
+          </a:xfrm>
+          <a:prstGeom prst="rect">
+            <a:avLst/>
+          </a:prstGeom>
+        </p:spPr>
+        <p:style>
+          <a:lnRef idx="2">
+            <a:schemeClr val="dk1"/>
+          </a:lnRef>
+          <a:fillRef idx="1">
+            <a:schemeClr val="lt1"/>
+          </a:fillRef>
+          <a:effectRef idx="0">
+            <a:schemeClr val="dk1"/>
+          </a:effectRef>
+          <a:fontRef idx="minor">
+            <a:schemeClr val="dk1"/>
+          </a:fontRef>
+        </p:style>
+        <p:txBody>
+          <a:bodyPr rtlCol="0" anchor="ctr"/>
+          <a:lstStyle/>
+          <a:p>
+            <a:pPr algn="ctr"/>
+            <a:endParaRPr lang="en-US"/>
+          </a:p>
+        </p:txBody>
+      </p:sp>
+      <p:sp>
+        <p:nvSpPr>
+          <p:cNvPr id="13" name="Rectangle 12">
+            <a:extLst>
+              <a:ext uri="{FF2B5EF4-FFF2-40B4-BE49-F238E27FC236}">
+                <a16:creationId xmlns:a16="http://schemas.microsoft.com/office/drawing/2014/main" id="{B36EAC1A-ECA8-43AD-A022-3FC4A83B836E}"/>
+              </a:ext>
+            </a:extLst>
+          </p:cNvPr>
+          <p:cNvSpPr/>
+          <p:nvPr/>
+        </p:nvSpPr>
+        <p:spPr>
+          <a:xfrm>
+            <a:off x="2450237" y="3231471"/>
+            <a:ext cx="1118586" cy="1118586"/>
+          </a:xfrm>
+          <a:prstGeom prst="rect">
+            <a:avLst/>
+          </a:prstGeom>
+        </p:spPr>
+        <p:style>
+          <a:lnRef idx="2">
+            <a:schemeClr val="dk1"/>
+          </a:lnRef>
+          <a:fillRef idx="1">
+            <a:schemeClr val="lt1"/>
+          </a:fillRef>
+          <a:effectRef idx="0">
+            <a:schemeClr val="dk1"/>
+          </a:effectRef>
+          <a:fontRef idx="minor">
+            <a:schemeClr val="dk1"/>
+          </a:fontRef>
+        </p:style>
+        <p:txBody>
+          <a:bodyPr rtlCol="0" anchor="ctr"/>
+          <a:lstStyle/>
+          <a:p>
+            <a:pPr algn="ctr"/>
+            <a:endParaRPr lang="en-US"/>
+          </a:p>
+        </p:txBody>
+      </p:sp>
+      <p:sp>
+        <p:nvSpPr>
+          <p:cNvPr id="14" name="Rectangle 13">
+            <a:extLst>
+              <a:ext uri="{FF2B5EF4-FFF2-40B4-BE49-F238E27FC236}">
+                <a16:creationId xmlns:a16="http://schemas.microsoft.com/office/drawing/2014/main" id="{C5C305FD-3BC0-4388-A431-7C2A36AB265D}"/>
+              </a:ext>
+            </a:extLst>
+          </p:cNvPr>
+          <p:cNvSpPr/>
+          <p:nvPr/>
+        </p:nvSpPr>
+        <p:spPr>
+          <a:xfrm>
+            <a:off x="3568823" y="3231471"/>
+            <a:ext cx="1118586" cy="1118586"/>
+          </a:xfrm>
+          <a:prstGeom prst="rect">
+            <a:avLst/>
+          </a:prstGeom>
+        </p:spPr>
+        <p:style>
+          <a:lnRef idx="2">
+            <a:schemeClr val="dk1"/>
+          </a:lnRef>
+          <a:fillRef idx="1">
+            <a:schemeClr val="lt1"/>
+          </a:fillRef>
+          <a:effectRef idx="0">
+            <a:schemeClr val="dk1"/>
+          </a:effectRef>
+          <a:fontRef idx="minor">
+            <a:schemeClr val="dk1"/>
+          </a:fontRef>
+        </p:style>
+        <p:txBody>
+          <a:bodyPr rtlCol="0" anchor="ctr"/>
+          <a:lstStyle/>
+          <a:p>
+            <a:pPr algn="ctr"/>
+            <a:endParaRPr lang="en-US"/>
+          </a:p>
+        </p:txBody>
+      </p:sp>
+      <p:sp>
+        <p:nvSpPr>
+          <p:cNvPr id="15" name="Rectangle 14">
+            <a:extLst>
+              <a:ext uri="{FF2B5EF4-FFF2-40B4-BE49-F238E27FC236}">
+                <a16:creationId xmlns:a16="http://schemas.microsoft.com/office/drawing/2014/main" id="{46A5980F-AD1F-4BA1-ADF4-10E676A36265}"/>
+              </a:ext>
+            </a:extLst>
+          </p:cNvPr>
+          <p:cNvSpPr/>
+          <p:nvPr/>
+        </p:nvSpPr>
+        <p:spPr>
+          <a:xfrm>
+            <a:off x="4687409" y="3231471"/>
+            <a:ext cx="1118586" cy="1118586"/>
+          </a:xfrm>
+          <a:prstGeom prst="rect">
+            <a:avLst/>
+          </a:prstGeom>
+        </p:spPr>
+        <p:style>
+          <a:lnRef idx="2">
+            <a:schemeClr val="dk1"/>
+          </a:lnRef>
+          <a:fillRef idx="1">
+            <a:schemeClr val="lt1"/>
+          </a:fillRef>
+          <a:effectRef idx="0">
+            <a:schemeClr val="dk1"/>
+          </a:effectRef>
+          <a:fontRef idx="minor">
+            <a:schemeClr val="dk1"/>
+          </a:fontRef>
+        </p:style>
+        <p:txBody>
+          <a:bodyPr rtlCol="0" anchor="ctr"/>
+          <a:lstStyle/>
+          <a:p>
+            <a:pPr algn="ctr"/>
+            <a:endParaRPr lang="en-US"/>
+          </a:p>
+        </p:txBody>
+      </p:sp>
+      <p:sp>
+        <p:nvSpPr>
+          <p:cNvPr id="16" name="Rectangle 15">
+            <a:extLst>
+              <a:ext uri="{FF2B5EF4-FFF2-40B4-BE49-F238E27FC236}">
+                <a16:creationId xmlns:a16="http://schemas.microsoft.com/office/drawing/2014/main" id="{7DA396D0-C643-4DFA-878C-DD71FF7B3E42}"/>
+              </a:ext>
+            </a:extLst>
+          </p:cNvPr>
+          <p:cNvSpPr/>
+          <p:nvPr/>
+        </p:nvSpPr>
+        <p:spPr>
+          <a:xfrm>
+            <a:off x="4687409" y="4350057"/>
+            <a:ext cx="1118586" cy="1118586"/>
+          </a:xfrm>
+          <a:prstGeom prst="rect">
+            <a:avLst/>
+          </a:prstGeom>
+        </p:spPr>
+        <p:style>
+          <a:lnRef idx="2">
+            <a:schemeClr val="dk1"/>
+          </a:lnRef>
+          <a:fillRef idx="1">
+            <a:schemeClr val="lt1"/>
+          </a:fillRef>
+          <a:effectRef idx="0">
+            <a:schemeClr val="dk1"/>
+          </a:effectRef>
+          <a:fontRef idx="minor">
+            <a:schemeClr val="dk1"/>
+          </a:fontRef>
+        </p:style>
+        <p:txBody>
+          <a:bodyPr rtlCol="0" anchor="ctr"/>
+          <a:lstStyle/>
+          <a:p>
+            <a:pPr algn="ctr"/>
+            <a:endParaRPr lang="en-US"/>
+          </a:p>
+        </p:txBody>
+      </p:sp>
+      <p:sp>
+        <p:nvSpPr>
+          <p:cNvPr id="17" name="Rectangle 16">
+            <a:extLst>
+              <a:ext uri="{FF2B5EF4-FFF2-40B4-BE49-F238E27FC236}">
+                <a16:creationId xmlns:a16="http://schemas.microsoft.com/office/drawing/2014/main" id="{105F5D16-7457-4A98-96AE-9CBFA381A5B3}"/>
+              </a:ext>
+            </a:extLst>
+          </p:cNvPr>
+          <p:cNvSpPr/>
+          <p:nvPr/>
+        </p:nvSpPr>
+        <p:spPr>
+          <a:xfrm>
+            <a:off x="3568823" y="4350057"/>
+            <a:ext cx="1118586" cy="1118586"/>
+          </a:xfrm>
+          <a:prstGeom prst="rect">
+            <a:avLst/>
+          </a:prstGeom>
+        </p:spPr>
+        <p:style>
+          <a:lnRef idx="2">
+            <a:schemeClr val="dk1"/>
+          </a:lnRef>
+          <a:fillRef idx="1">
+            <a:schemeClr val="lt1"/>
+          </a:fillRef>
+          <a:effectRef idx="0">
+            <a:schemeClr val="dk1"/>
+          </a:effectRef>
+          <a:fontRef idx="minor">
+            <a:schemeClr val="dk1"/>
+          </a:fontRef>
+        </p:style>
+        <p:txBody>
+          <a:bodyPr rtlCol="0" anchor="ctr"/>
+          <a:lstStyle/>
+          <a:p>
+            <a:pPr algn="ctr"/>
+            <a:endParaRPr lang="en-US"/>
+          </a:p>
+        </p:txBody>
+      </p:sp>
+      <p:sp>
+        <p:nvSpPr>
+          <p:cNvPr id="18" name="Rectangle 17">
+            <a:extLst>
+              <a:ext uri="{FF2B5EF4-FFF2-40B4-BE49-F238E27FC236}">
+                <a16:creationId xmlns:a16="http://schemas.microsoft.com/office/drawing/2014/main" id="{BF32BEB5-2594-40B2-AA5F-DD68BCF3168D}"/>
+              </a:ext>
+            </a:extLst>
+          </p:cNvPr>
+          <p:cNvSpPr/>
+          <p:nvPr/>
+        </p:nvSpPr>
+        <p:spPr>
+          <a:xfrm>
+            <a:off x="2450237" y="4350057"/>
+            <a:ext cx="1118586" cy="1118586"/>
+          </a:xfrm>
+          <a:prstGeom prst="rect">
+            <a:avLst/>
+          </a:prstGeom>
+        </p:spPr>
+        <p:style>
+          <a:lnRef idx="2">
+            <a:schemeClr val="dk1"/>
+          </a:lnRef>
+          <a:fillRef idx="1">
+            <a:schemeClr val="lt1"/>
+          </a:fillRef>
+          <a:effectRef idx="0">
+            <a:schemeClr val="dk1"/>
+          </a:effectRef>
+          <a:fontRef idx="minor">
+            <a:schemeClr val="dk1"/>
+          </a:fontRef>
+        </p:style>
+        <p:txBody>
+          <a:bodyPr rtlCol="0" anchor="ctr"/>
+          <a:lstStyle/>
+          <a:p>
+            <a:pPr algn="ctr"/>
+            <a:endParaRPr lang="en-US"/>
+          </a:p>
+        </p:txBody>
+      </p:sp>
+      <p:sp>
+        <p:nvSpPr>
+          <p:cNvPr id="19" name="Rectangle 18">
+            <a:extLst>
+              <a:ext uri="{FF2B5EF4-FFF2-40B4-BE49-F238E27FC236}">
+                <a16:creationId xmlns:a16="http://schemas.microsoft.com/office/drawing/2014/main" id="{E1AD8CE3-2DEE-4E89-8135-D52955B49559}"/>
+              </a:ext>
+            </a:extLst>
+          </p:cNvPr>
+          <p:cNvSpPr/>
+          <p:nvPr/>
+        </p:nvSpPr>
+        <p:spPr>
+          <a:xfrm>
+            <a:off x="1331651" y="4350057"/>
+            <a:ext cx="1118586" cy="1118586"/>
+          </a:xfrm>
+          <a:prstGeom prst="rect">
+            <a:avLst/>
+          </a:prstGeom>
+        </p:spPr>
+        <p:style>
+          <a:lnRef idx="2">
+            <a:schemeClr val="dk1"/>
+          </a:lnRef>
+          <a:fillRef idx="1">
+            <a:schemeClr val="lt1"/>
+          </a:fillRef>
+          <a:effectRef idx="0">
+            <a:schemeClr val="dk1"/>
+          </a:effectRef>
+          <a:fontRef idx="minor">
+            <a:schemeClr val="dk1"/>
+          </a:fontRef>
+        </p:style>
+        <p:txBody>
+          <a:bodyPr rtlCol="0" anchor="ctr"/>
+          <a:lstStyle/>
+          <a:p>
+            <a:pPr algn="ctr"/>
+            <a:endParaRPr lang="en-US"/>
+          </a:p>
+        </p:txBody>
+      </p:sp>
+      <p:sp>
+        <p:nvSpPr>
+          <p:cNvPr id="25" name="Oval 24">
+            <a:extLst>
+              <a:ext uri="{FF2B5EF4-FFF2-40B4-BE49-F238E27FC236}">
+                <a16:creationId xmlns:a16="http://schemas.microsoft.com/office/drawing/2014/main" id="{D3DA4666-9A9D-488A-A1E2-211C4A3CEB7B}"/>
+              </a:ext>
+            </a:extLst>
+          </p:cNvPr>
+          <p:cNvSpPr/>
+          <p:nvPr/>
+        </p:nvSpPr>
+        <p:spPr>
+          <a:xfrm>
+            <a:off x="903123" y="1689975"/>
+            <a:ext cx="868680" cy="868680"/>
           </a:xfrm>
           <a:prstGeom prst="ellipse">
             <a:avLst/>
@@ -10213,10 +9162,99 @@
       </p:sp>
       <p:sp>
         <p:nvSpPr>
-          <p:cNvPr id="50" name="Oval 49">
+          <p:cNvPr id="65" name="TextBox 64">
             <a:extLst>
               <a:ext uri="{FF2B5EF4-FFF2-40B4-BE49-F238E27FC236}">
-                <a16:creationId xmlns:a16="http://schemas.microsoft.com/office/drawing/2014/main" id="{C02FFD2C-4F35-47BE-9657-CDDFEEBD48E0}"/>
+                <a16:creationId xmlns:a16="http://schemas.microsoft.com/office/drawing/2014/main" id="{398B4598-A1C6-49F6-894A-DF7E850839AC}"/>
+              </a:ext>
+            </a:extLst>
+          </p:cNvPr>
+          <p:cNvSpPr txBox="1"/>
+          <p:nvPr/>
+        </p:nvSpPr>
+        <p:spPr>
+          <a:xfrm>
+            <a:off x="7121236" y="1358326"/>
+            <a:ext cx="4692073" cy="2308324"/>
+          </a:xfrm>
+          <a:prstGeom prst="rect">
+            <a:avLst/>
+          </a:prstGeom>
+          <a:noFill/>
+        </p:spPr>
+        <p:txBody>
+          <a:bodyPr wrap="square" rtlCol="0">
+            <a:spAutoFit/>
+          </a:bodyPr>
+          <a:lstStyle/>
+          <a:p>
+            <a:r>
+              <a:rPr lang="en-US" dirty="0"/>
+              <a:t>Drawing to scale:</a:t>
+            </a:r>
+          </a:p>
+          <a:p>
+            <a:endParaRPr lang="en-US" dirty="0"/>
+          </a:p>
+          <a:p>
+            <a:r>
+              <a:rPr lang="en-US" dirty="0"/>
+              <a:t>VISIUM capture locations (blue circles) shown on a square lattice</a:t>
+            </a:r>
+          </a:p>
+          <a:p>
+            <a:endParaRPr lang="en-US" dirty="0"/>
+          </a:p>
+          <a:p>
+            <a:r>
+              <a:rPr lang="en-US" dirty="0"/>
+              <a:t>Diameter of capture location: 55</a:t>
+            </a:r>
+            <a:r>
+              <a:rPr lang="el-GR" dirty="0"/>
+              <a:t>μ</a:t>
+            </a:r>
+            <a:r>
+              <a:rPr lang="en-US" dirty="0"/>
+              <a:t>m</a:t>
+            </a:r>
+          </a:p>
+          <a:p>
+            <a:r>
+              <a:rPr lang="en-US" dirty="0"/>
+              <a:t>Distance between capture locations: 100</a:t>
+            </a:r>
+            <a:r>
+              <a:rPr lang="el-GR" dirty="0"/>
+              <a:t>μ</a:t>
+            </a:r>
+            <a:r>
+              <a:rPr lang="en-US" dirty="0"/>
+              <a:t>m</a:t>
+            </a:r>
+          </a:p>
+          <a:p>
+            <a:r>
+              <a:rPr lang="en-US" dirty="0"/>
+              <a:t>Grid unit length: 100</a:t>
+            </a:r>
+            <a:r>
+              <a:rPr lang="el-GR" dirty="0"/>
+              <a:t>μ</a:t>
+            </a:r>
+            <a:r>
+              <a:rPr lang="en-US" dirty="0"/>
+              <a:t>m/sqrt(2)</a:t>
+            </a:r>
+          </a:p>
+        </p:txBody>
+      </p:sp>
+      <p:sp>
+        <p:nvSpPr>
+          <p:cNvPr id="46" name="Oval 45">
+            <a:extLst>
+              <a:ext uri="{FF2B5EF4-FFF2-40B4-BE49-F238E27FC236}">
+                <a16:creationId xmlns:a16="http://schemas.microsoft.com/office/drawing/2014/main" id="{2F44C42E-3D97-4F4E-B285-25050A462C3F}"/>
               </a:ext>
             </a:extLst>
           </p:cNvPr>
@@ -10225,8 +9263,8 @@
         </p:nvSpPr>
         <p:spPr>
           <a:xfrm>
-            <a:off x="3222593" y="1766655"/>
-            <a:ext cx="692459" cy="692459"/>
+            <a:off x="897311" y="3915716"/>
+            <a:ext cx="868680" cy="868680"/>
           </a:xfrm>
           <a:prstGeom prst="ellipse">
             <a:avLst/>
@@ -10264,10 +9302,10 @@
       </p:sp>
       <p:sp>
         <p:nvSpPr>
-          <p:cNvPr id="51" name="Oval 50">
+          <p:cNvPr id="47" name="Oval 46">
             <a:extLst>
               <a:ext uri="{FF2B5EF4-FFF2-40B4-BE49-F238E27FC236}">
-                <a16:creationId xmlns:a16="http://schemas.microsoft.com/office/drawing/2014/main" id="{FA8F7701-BCDC-416C-AC0F-9733A98B8EAF}"/>
+                <a16:creationId xmlns:a16="http://schemas.microsoft.com/office/drawing/2014/main" id="{5FA351BE-D2D0-41A7-B8F5-F45C9C08B96A}"/>
               </a:ext>
             </a:extLst>
           </p:cNvPr>
@@ -10276,8 +9314,8 @@
         </p:nvSpPr>
         <p:spPr>
           <a:xfrm>
-            <a:off x="3222593" y="4003828"/>
-            <a:ext cx="692459" cy="692459"/>
+            <a:off x="2015897" y="571391"/>
+            <a:ext cx="868680" cy="868680"/>
           </a:xfrm>
           <a:prstGeom prst="ellipse">
             <a:avLst/>
@@ -10315,10 +9353,10 @@
       </p:sp>
       <p:sp>
         <p:nvSpPr>
-          <p:cNvPr id="52" name="Oval 51">
+          <p:cNvPr id="48" name="Oval 47">
             <a:extLst>
               <a:ext uri="{FF2B5EF4-FFF2-40B4-BE49-F238E27FC236}">
-                <a16:creationId xmlns:a16="http://schemas.microsoft.com/office/drawing/2014/main" id="{50F75327-D350-47BB-A3B3-6A2F46C1C22E}"/>
+                <a16:creationId xmlns:a16="http://schemas.microsoft.com/office/drawing/2014/main" id="{911C1F9F-E236-4125-8179-8E2D3D391C18}"/>
               </a:ext>
             </a:extLst>
           </p:cNvPr>
@@ -10327,8 +9365,8 @@
         </p:nvSpPr>
         <p:spPr>
           <a:xfrm>
-            <a:off x="985421" y="4003828"/>
-            <a:ext cx="692459" cy="692459"/>
+            <a:off x="2010085" y="2797132"/>
+            <a:ext cx="868680" cy="868680"/>
           </a:xfrm>
           <a:prstGeom prst="ellipse">
             <a:avLst/>
@@ -10366,10 +9404,10 @@
       </p:sp>
       <p:sp>
         <p:nvSpPr>
-          <p:cNvPr id="53" name="Oval 52">
+          <p:cNvPr id="49" name="Oval 48">
             <a:extLst>
               <a:ext uri="{FF2B5EF4-FFF2-40B4-BE49-F238E27FC236}">
-                <a16:creationId xmlns:a16="http://schemas.microsoft.com/office/drawing/2014/main" id="{30C4D684-74EA-491C-BDDA-A6A69FA0B9D9}"/>
+                <a16:creationId xmlns:a16="http://schemas.microsoft.com/office/drawing/2014/main" id="{707689AC-13C2-4E7D-B7CC-1C65D65C3503}"/>
               </a:ext>
             </a:extLst>
           </p:cNvPr>
@@ -10378,8 +9416,8 @@
         </p:nvSpPr>
         <p:spPr>
           <a:xfrm>
-            <a:off x="975422" y="1766655"/>
-            <a:ext cx="692459" cy="692459"/>
+            <a:off x="3140017" y="1692990"/>
+            <a:ext cx="868680" cy="868680"/>
           </a:xfrm>
           <a:prstGeom prst="ellipse">
             <a:avLst/>
@@ -10417,10 +9455,10 @@
       </p:sp>
       <p:sp>
         <p:nvSpPr>
-          <p:cNvPr id="54" name="Oval 53">
+          <p:cNvPr id="50" name="Oval 49">
             <a:extLst>
               <a:ext uri="{FF2B5EF4-FFF2-40B4-BE49-F238E27FC236}">
-                <a16:creationId xmlns:a16="http://schemas.microsoft.com/office/drawing/2014/main" id="{C18B577B-8AB2-440C-A6A9-160246C86253}"/>
+                <a16:creationId xmlns:a16="http://schemas.microsoft.com/office/drawing/2014/main" id="{292A2175-E13C-4282-A47C-4C148B402B46}"/>
               </a:ext>
             </a:extLst>
           </p:cNvPr>
@@ -10429,8 +9467,8 @@
         </p:nvSpPr>
         <p:spPr>
           <a:xfrm>
-            <a:off x="2104006" y="5122413"/>
-            <a:ext cx="692459" cy="692459"/>
+            <a:off x="3134205" y="3918731"/>
+            <a:ext cx="868680" cy="868680"/>
           </a:xfrm>
           <a:prstGeom prst="ellipse">
             <a:avLst/>
@@ -10468,10 +9506,10 @@
       </p:sp>
       <p:sp>
         <p:nvSpPr>
-          <p:cNvPr id="55" name="Oval 54">
+          <p:cNvPr id="51" name="Oval 50">
             <a:extLst>
               <a:ext uri="{FF2B5EF4-FFF2-40B4-BE49-F238E27FC236}">
-                <a16:creationId xmlns:a16="http://schemas.microsoft.com/office/drawing/2014/main" id="{FFB00525-CD59-4A41-A2C1-36BAFE93F6D8}"/>
+                <a16:creationId xmlns:a16="http://schemas.microsoft.com/office/drawing/2014/main" id="{793BB1AF-CA68-49AA-AC28-014949E2EB07}"/>
               </a:ext>
             </a:extLst>
           </p:cNvPr>
@@ -10480,8 +9518,8 @@
         </p:nvSpPr>
         <p:spPr>
           <a:xfrm>
-            <a:off x="4341179" y="5125417"/>
-            <a:ext cx="692459" cy="692459"/>
+            <a:off x="4254145" y="569487"/>
+            <a:ext cx="868680" cy="868680"/>
           </a:xfrm>
           <a:prstGeom prst="ellipse">
             <a:avLst/>
@@ -10519,10 +9557,10 @@
       </p:sp>
       <p:sp>
         <p:nvSpPr>
-          <p:cNvPr id="56" name="Oval 55">
+          <p:cNvPr id="52" name="Oval 51">
             <a:extLst>
               <a:ext uri="{FF2B5EF4-FFF2-40B4-BE49-F238E27FC236}">
-                <a16:creationId xmlns:a16="http://schemas.microsoft.com/office/drawing/2014/main" id="{B5913BF5-66DD-4FD4-BF7A-80935B15915D}"/>
+                <a16:creationId xmlns:a16="http://schemas.microsoft.com/office/drawing/2014/main" id="{974CDFFA-1C05-47B3-9FAE-C673DB342AD0}"/>
               </a:ext>
             </a:extLst>
           </p:cNvPr>
@@ -10531,8 +9569,8 @@
         </p:nvSpPr>
         <p:spPr>
           <a:xfrm>
-            <a:off x="5459766" y="4000824"/>
-            <a:ext cx="692459" cy="692459"/>
+            <a:off x="4248333" y="2795228"/>
+            <a:ext cx="868680" cy="868680"/>
           </a:xfrm>
           <a:prstGeom prst="ellipse">
             <a:avLst/>
@@ -10570,10 +9608,10 @@
       </p:sp>
       <p:sp>
         <p:nvSpPr>
-          <p:cNvPr id="57" name="Oval 56">
+          <p:cNvPr id="53" name="Oval 52">
             <a:extLst>
               <a:ext uri="{FF2B5EF4-FFF2-40B4-BE49-F238E27FC236}">
-                <a16:creationId xmlns:a16="http://schemas.microsoft.com/office/drawing/2014/main" id="{E09418B0-0B40-461B-9A2A-4D9736F780E8}"/>
+                <a16:creationId xmlns:a16="http://schemas.microsoft.com/office/drawing/2014/main" id="{41CCA33D-4EDA-4D8A-9EA3-192C298A1097}"/>
               </a:ext>
             </a:extLst>
           </p:cNvPr>
@@ -10582,8 +9620,8 @@
         </p:nvSpPr>
         <p:spPr>
           <a:xfrm>
-            <a:off x="5459766" y="1763652"/>
-            <a:ext cx="692459" cy="692459"/>
+            <a:off x="5377467" y="1678543"/>
+            <a:ext cx="868680" cy="868680"/>
           </a:xfrm>
           <a:prstGeom prst="ellipse">
             <a:avLst/>
@@ -10621,10 +9659,10 @@
       </p:sp>
       <p:sp>
         <p:nvSpPr>
-          <p:cNvPr id="58" name="Oval 57">
+          <p:cNvPr id="54" name="Oval 53">
             <a:extLst>
               <a:ext uri="{FF2B5EF4-FFF2-40B4-BE49-F238E27FC236}">
-                <a16:creationId xmlns:a16="http://schemas.microsoft.com/office/drawing/2014/main" id="{ADFE81A7-94C2-4C31-AA1E-72310458BFEA}"/>
+                <a16:creationId xmlns:a16="http://schemas.microsoft.com/office/drawing/2014/main" id="{0F83C1CB-CAE3-4C63-AF9C-279F97E04758}"/>
               </a:ext>
             </a:extLst>
           </p:cNvPr>
@@ -10633,8 +9671,8 @@
         </p:nvSpPr>
         <p:spPr>
           <a:xfrm>
-            <a:off x="4341178" y="668401"/>
-            <a:ext cx="692459" cy="692459"/>
+            <a:off x="5371655" y="3904284"/>
+            <a:ext cx="868680" cy="868680"/>
           </a:xfrm>
           <a:prstGeom prst="ellipse">
             <a:avLst/>
@@ -10672,10 +9710,10 @@
       </p:sp>
       <p:sp>
         <p:nvSpPr>
-          <p:cNvPr id="59" name="Oval 58">
+          <p:cNvPr id="55" name="Oval 54">
             <a:extLst>
               <a:ext uri="{FF2B5EF4-FFF2-40B4-BE49-F238E27FC236}">
-                <a16:creationId xmlns:a16="http://schemas.microsoft.com/office/drawing/2014/main" id="{023F57EC-06C7-44F6-AEB3-C44799C1BFC6}"/>
+                <a16:creationId xmlns:a16="http://schemas.microsoft.com/office/drawing/2014/main" id="{8AAEDECA-C71F-4349-A364-BC4BEDFB65E8}"/>
               </a:ext>
             </a:extLst>
           </p:cNvPr>
@@ -10684,8 +9722,8 @@
         </p:nvSpPr>
         <p:spPr>
           <a:xfrm>
-            <a:off x="2104005" y="668401"/>
-            <a:ext cx="692459" cy="692459"/>
+            <a:off x="2015897" y="5037957"/>
+            <a:ext cx="868680" cy="868680"/>
           </a:xfrm>
           <a:prstGeom prst="ellipse">
             <a:avLst/>
@@ -10721,1608 +9759,12 @@
           </a:p>
         </p:txBody>
       </p:sp>
-      <p:grpSp>
-        <p:nvGrpSpPr>
-          <p:cNvPr id="77" name="Group 76">
+      <p:sp>
+        <p:nvSpPr>
+          <p:cNvPr id="56" name="Oval 55">
             <a:extLst>
               <a:ext uri="{FF2B5EF4-FFF2-40B4-BE49-F238E27FC236}">
-                <a16:creationId xmlns:a16="http://schemas.microsoft.com/office/drawing/2014/main" id="{283E53E6-E9D2-4FA0-A8D9-C25D9DB6BE83}"/>
-              </a:ext>
-            </a:extLst>
-          </p:cNvPr>
-          <p:cNvGrpSpPr/>
-          <p:nvPr/>
-        </p:nvGrpSpPr>
-        <p:grpSpPr>
-          <a:xfrm>
-            <a:off x="2667323" y="3509567"/>
-            <a:ext cx="1796934" cy="1674971"/>
-            <a:chOff x="8230759" y="3793672"/>
-            <a:chExt cx="1796934" cy="1674971"/>
-          </a:xfrm>
-        </p:grpSpPr>
-        <p:sp>
-          <p:nvSpPr>
-            <p:cNvPr id="70" name="Hexagon 69">
-              <a:extLst>
-                <a:ext uri="{FF2B5EF4-FFF2-40B4-BE49-F238E27FC236}">
-                  <a16:creationId xmlns:a16="http://schemas.microsoft.com/office/drawing/2014/main" id="{EF42E5EA-1FF3-470E-AF6D-64AF0258DA76}"/>
-                </a:ext>
-              </a:extLst>
-            </p:cNvPr>
-            <p:cNvSpPr/>
-            <p:nvPr/>
-          </p:nvSpPr>
-          <p:spPr>
-            <a:xfrm rot="5400000">
-              <a:off x="8782999" y="4335341"/>
-              <a:ext cx="692459" cy="598977"/>
-            </a:xfrm>
-            <a:prstGeom prst="hexagon">
-              <a:avLst>
-                <a:gd name="adj" fmla="val 33081"/>
-                <a:gd name="vf" fmla="val 115470"/>
-              </a:avLst>
-            </a:prstGeom>
-            <a:solidFill>
-              <a:schemeClr val="accent4">
-                <a:alpha val="50000"/>
-              </a:schemeClr>
-            </a:solidFill>
-          </p:spPr>
-          <p:style>
-            <a:lnRef idx="2">
-              <a:schemeClr val="accent4">
-                <a:shade val="50000"/>
-              </a:schemeClr>
-            </a:lnRef>
-            <a:fillRef idx="1">
-              <a:schemeClr val="accent4"/>
-            </a:fillRef>
-            <a:effectRef idx="0">
-              <a:schemeClr val="accent4"/>
-            </a:effectRef>
-            <a:fontRef idx="minor">
-              <a:schemeClr val="lt1"/>
-            </a:fontRef>
-          </p:style>
-          <p:txBody>
-            <a:bodyPr rtlCol="0" anchor="ctr"/>
-            <a:lstStyle/>
-            <a:p>
-              <a:pPr algn="ctr"/>
-              <a:endParaRPr lang="en-US"/>
-            </a:p>
-          </p:txBody>
-        </p:sp>
-        <p:sp>
-          <p:nvSpPr>
-            <p:cNvPr id="71" name="Hexagon 70">
-              <a:extLst>
-                <a:ext uri="{FF2B5EF4-FFF2-40B4-BE49-F238E27FC236}">
-                  <a16:creationId xmlns:a16="http://schemas.microsoft.com/office/drawing/2014/main" id="{101B3B42-47BD-49D9-8309-C587CA0A1E5A}"/>
-                </a:ext>
-              </a:extLst>
-            </p:cNvPr>
-            <p:cNvSpPr/>
-            <p:nvPr/>
-          </p:nvSpPr>
-          <p:spPr>
-            <a:xfrm rot="5400000">
-              <a:off x="8483511" y="3840413"/>
-              <a:ext cx="692459" cy="598977"/>
-            </a:xfrm>
-            <a:prstGeom prst="hexagon">
-              <a:avLst>
-                <a:gd name="adj" fmla="val 33081"/>
-                <a:gd name="vf" fmla="val 115470"/>
-              </a:avLst>
-            </a:prstGeom>
-            <a:solidFill>
-              <a:schemeClr val="accent4">
-                <a:alpha val="50000"/>
-              </a:schemeClr>
-            </a:solidFill>
-          </p:spPr>
-          <p:style>
-            <a:lnRef idx="2">
-              <a:schemeClr val="accent4">
-                <a:shade val="50000"/>
-              </a:schemeClr>
-            </a:lnRef>
-            <a:fillRef idx="1">
-              <a:schemeClr val="accent4"/>
-            </a:fillRef>
-            <a:effectRef idx="0">
-              <a:schemeClr val="accent4"/>
-            </a:effectRef>
-            <a:fontRef idx="minor">
-              <a:schemeClr val="lt1"/>
-            </a:fontRef>
-          </p:style>
-          <p:txBody>
-            <a:bodyPr rtlCol="0" anchor="ctr"/>
-            <a:lstStyle/>
-            <a:p>
-              <a:pPr algn="ctr"/>
-              <a:endParaRPr lang="en-US"/>
-            </a:p>
-          </p:txBody>
-        </p:sp>
-        <p:sp>
-          <p:nvSpPr>
-            <p:cNvPr id="72" name="Hexagon 71">
-              <a:extLst>
-                <a:ext uri="{FF2B5EF4-FFF2-40B4-BE49-F238E27FC236}">
-                  <a16:creationId xmlns:a16="http://schemas.microsoft.com/office/drawing/2014/main" id="{932D2334-7FA7-433C-8C2D-6C830E9BD4F2}"/>
-                </a:ext>
-              </a:extLst>
-            </p:cNvPr>
-            <p:cNvSpPr/>
-            <p:nvPr/>
-          </p:nvSpPr>
-          <p:spPr>
-            <a:xfrm rot="5400000">
-              <a:off x="9082487" y="3840413"/>
-              <a:ext cx="692459" cy="598977"/>
-            </a:xfrm>
-            <a:prstGeom prst="hexagon">
-              <a:avLst>
-                <a:gd name="adj" fmla="val 33081"/>
-                <a:gd name="vf" fmla="val 115470"/>
-              </a:avLst>
-            </a:prstGeom>
-            <a:solidFill>
-              <a:schemeClr val="accent4">
-                <a:alpha val="50000"/>
-              </a:schemeClr>
-            </a:solidFill>
-          </p:spPr>
-          <p:style>
-            <a:lnRef idx="2">
-              <a:schemeClr val="accent4">
-                <a:shade val="50000"/>
-              </a:schemeClr>
-            </a:lnRef>
-            <a:fillRef idx="1">
-              <a:schemeClr val="accent4"/>
-            </a:fillRef>
-            <a:effectRef idx="0">
-              <a:schemeClr val="accent4"/>
-            </a:effectRef>
-            <a:fontRef idx="minor">
-              <a:schemeClr val="lt1"/>
-            </a:fontRef>
-          </p:style>
-          <p:txBody>
-            <a:bodyPr rtlCol="0" anchor="ctr"/>
-            <a:lstStyle/>
-            <a:p>
-              <a:pPr algn="ctr"/>
-              <a:endParaRPr lang="en-US"/>
-            </a:p>
-          </p:txBody>
-        </p:sp>
-        <p:sp>
-          <p:nvSpPr>
-            <p:cNvPr id="73" name="Hexagon 72">
-              <a:extLst>
-                <a:ext uri="{FF2B5EF4-FFF2-40B4-BE49-F238E27FC236}">
-                  <a16:creationId xmlns:a16="http://schemas.microsoft.com/office/drawing/2014/main" id="{5A603CE7-0357-474E-8CD4-D0752A479E99}"/>
-                </a:ext>
-              </a:extLst>
-            </p:cNvPr>
-            <p:cNvSpPr/>
-            <p:nvPr/>
-          </p:nvSpPr>
-          <p:spPr>
-            <a:xfrm rot="5400000">
-              <a:off x="9381975" y="4335340"/>
-              <a:ext cx="692459" cy="598977"/>
-            </a:xfrm>
-            <a:prstGeom prst="hexagon">
-              <a:avLst>
-                <a:gd name="adj" fmla="val 33081"/>
-                <a:gd name="vf" fmla="val 115470"/>
-              </a:avLst>
-            </a:prstGeom>
-            <a:solidFill>
-              <a:schemeClr val="accent4">
-                <a:alpha val="50000"/>
-              </a:schemeClr>
-            </a:solidFill>
-          </p:spPr>
-          <p:style>
-            <a:lnRef idx="2">
-              <a:schemeClr val="accent4">
-                <a:shade val="50000"/>
-              </a:schemeClr>
-            </a:lnRef>
-            <a:fillRef idx="1">
-              <a:schemeClr val="accent4"/>
-            </a:fillRef>
-            <a:effectRef idx="0">
-              <a:schemeClr val="accent4"/>
-            </a:effectRef>
-            <a:fontRef idx="minor">
-              <a:schemeClr val="lt1"/>
-            </a:fontRef>
-          </p:style>
-          <p:txBody>
-            <a:bodyPr rtlCol="0" anchor="ctr"/>
-            <a:lstStyle/>
-            <a:p>
-              <a:pPr algn="ctr"/>
-              <a:endParaRPr lang="en-US"/>
-            </a:p>
-          </p:txBody>
-        </p:sp>
-        <p:sp>
-          <p:nvSpPr>
-            <p:cNvPr id="74" name="Hexagon 73">
-              <a:extLst>
-                <a:ext uri="{FF2B5EF4-FFF2-40B4-BE49-F238E27FC236}">
-                  <a16:creationId xmlns:a16="http://schemas.microsoft.com/office/drawing/2014/main" id="{B8B01BA8-460E-4C52-B008-310D913BCB00}"/>
-                </a:ext>
-              </a:extLst>
-            </p:cNvPr>
-            <p:cNvSpPr/>
-            <p:nvPr/>
-          </p:nvSpPr>
-          <p:spPr>
-            <a:xfrm rot="5400000">
-              <a:off x="9082485" y="4822925"/>
-              <a:ext cx="692459" cy="598977"/>
-            </a:xfrm>
-            <a:prstGeom prst="hexagon">
-              <a:avLst>
-                <a:gd name="adj" fmla="val 33081"/>
-                <a:gd name="vf" fmla="val 115470"/>
-              </a:avLst>
-            </a:prstGeom>
-            <a:solidFill>
-              <a:schemeClr val="accent4">
-                <a:alpha val="50000"/>
-              </a:schemeClr>
-            </a:solidFill>
-          </p:spPr>
-          <p:style>
-            <a:lnRef idx="2">
-              <a:schemeClr val="accent4">
-                <a:shade val="50000"/>
-              </a:schemeClr>
-            </a:lnRef>
-            <a:fillRef idx="1">
-              <a:schemeClr val="accent4"/>
-            </a:fillRef>
-            <a:effectRef idx="0">
-              <a:schemeClr val="accent4"/>
-            </a:effectRef>
-            <a:fontRef idx="minor">
-              <a:schemeClr val="lt1"/>
-            </a:fontRef>
-          </p:style>
-          <p:txBody>
-            <a:bodyPr rtlCol="0" anchor="ctr"/>
-            <a:lstStyle/>
-            <a:p>
-              <a:pPr algn="ctr"/>
-              <a:endParaRPr lang="en-US"/>
-            </a:p>
-          </p:txBody>
-        </p:sp>
-        <p:sp>
-          <p:nvSpPr>
-            <p:cNvPr id="75" name="Hexagon 74">
-              <a:extLst>
-                <a:ext uri="{FF2B5EF4-FFF2-40B4-BE49-F238E27FC236}">
-                  <a16:creationId xmlns:a16="http://schemas.microsoft.com/office/drawing/2014/main" id="{591853F5-1C0D-430A-992C-F4476FE7ED1A}"/>
-                </a:ext>
-              </a:extLst>
-            </p:cNvPr>
-            <p:cNvSpPr/>
-            <p:nvPr/>
-          </p:nvSpPr>
-          <p:spPr>
-            <a:xfrm rot="5400000">
-              <a:off x="8483506" y="4822924"/>
-              <a:ext cx="692459" cy="598977"/>
-            </a:xfrm>
-            <a:prstGeom prst="hexagon">
-              <a:avLst>
-                <a:gd name="adj" fmla="val 33081"/>
-                <a:gd name="vf" fmla="val 115470"/>
-              </a:avLst>
-            </a:prstGeom>
-            <a:solidFill>
-              <a:schemeClr val="accent4">
-                <a:alpha val="50000"/>
-              </a:schemeClr>
-            </a:solidFill>
-          </p:spPr>
-          <p:style>
-            <a:lnRef idx="2">
-              <a:schemeClr val="accent4">
-                <a:shade val="50000"/>
-              </a:schemeClr>
-            </a:lnRef>
-            <a:fillRef idx="1">
-              <a:schemeClr val="accent4"/>
-            </a:fillRef>
-            <a:effectRef idx="0">
-              <a:schemeClr val="accent4"/>
-            </a:effectRef>
-            <a:fontRef idx="minor">
-              <a:schemeClr val="lt1"/>
-            </a:fontRef>
-          </p:style>
-          <p:txBody>
-            <a:bodyPr rtlCol="0" anchor="ctr"/>
-            <a:lstStyle/>
-            <a:p>
-              <a:pPr algn="ctr"/>
-              <a:endParaRPr lang="en-US"/>
-            </a:p>
-          </p:txBody>
-        </p:sp>
-        <p:sp>
-          <p:nvSpPr>
-            <p:cNvPr id="76" name="Hexagon 75">
-              <a:extLst>
-                <a:ext uri="{FF2B5EF4-FFF2-40B4-BE49-F238E27FC236}">
-                  <a16:creationId xmlns:a16="http://schemas.microsoft.com/office/drawing/2014/main" id="{F30F9DA6-1400-46DA-9FA4-C5B04E9583BF}"/>
-                </a:ext>
-              </a:extLst>
-            </p:cNvPr>
-            <p:cNvSpPr/>
-            <p:nvPr/>
-          </p:nvSpPr>
-          <p:spPr>
-            <a:xfrm rot="5400000">
-              <a:off x="8184018" y="4331669"/>
-              <a:ext cx="692459" cy="598977"/>
-            </a:xfrm>
-            <a:prstGeom prst="hexagon">
-              <a:avLst>
-                <a:gd name="adj" fmla="val 33081"/>
-                <a:gd name="vf" fmla="val 115470"/>
-              </a:avLst>
-            </a:prstGeom>
-            <a:solidFill>
-              <a:schemeClr val="accent4">
-                <a:alpha val="50000"/>
-              </a:schemeClr>
-            </a:solidFill>
-          </p:spPr>
-          <p:style>
-            <a:lnRef idx="2">
-              <a:schemeClr val="accent4">
-                <a:shade val="50000"/>
-              </a:schemeClr>
-            </a:lnRef>
-            <a:fillRef idx="1">
-              <a:schemeClr val="accent4"/>
-            </a:fillRef>
-            <a:effectRef idx="0">
-              <a:schemeClr val="accent4"/>
-            </a:effectRef>
-            <a:fontRef idx="minor">
-              <a:schemeClr val="lt1"/>
-            </a:fontRef>
-          </p:style>
-          <p:txBody>
-            <a:bodyPr rtlCol="0" anchor="ctr"/>
-            <a:lstStyle/>
-            <a:p>
-              <a:pPr algn="ctr"/>
-              <a:endParaRPr lang="en-US"/>
-            </a:p>
-          </p:txBody>
-        </p:sp>
-      </p:grpSp>
-      <p:grpSp>
-        <p:nvGrpSpPr>
-          <p:cNvPr id="85" name="Group 84">
-            <a:extLst>
-              <a:ext uri="{FF2B5EF4-FFF2-40B4-BE49-F238E27FC236}">
-                <a16:creationId xmlns:a16="http://schemas.microsoft.com/office/drawing/2014/main" id="{0A57D211-235F-4E2D-8B35-F67B06376DFB}"/>
-              </a:ext>
-            </a:extLst>
-          </p:cNvPr>
-          <p:cNvGrpSpPr/>
-          <p:nvPr/>
-        </p:nvGrpSpPr>
-        <p:grpSpPr>
-          <a:xfrm>
-            <a:off x="1544539" y="2387974"/>
-            <a:ext cx="1796934" cy="1674971"/>
-            <a:chOff x="8230759" y="3793672"/>
-            <a:chExt cx="1796934" cy="1674971"/>
-          </a:xfrm>
-        </p:grpSpPr>
-        <p:sp>
-          <p:nvSpPr>
-            <p:cNvPr id="86" name="Hexagon 85">
-              <a:extLst>
-                <a:ext uri="{FF2B5EF4-FFF2-40B4-BE49-F238E27FC236}">
-                  <a16:creationId xmlns:a16="http://schemas.microsoft.com/office/drawing/2014/main" id="{49F9E4DB-C74A-43A2-BD77-166903B1DF32}"/>
-                </a:ext>
-              </a:extLst>
-            </p:cNvPr>
-            <p:cNvSpPr/>
-            <p:nvPr/>
-          </p:nvSpPr>
-          <p:spPr>
-            <a:xfrm rot="5400000">
-              <a:off x="8782999" y="4335341"/>
-              <a:ext cx="692459" cy="598977"/>
-            </a:xfrm>
-            <a:prstGeom prst="hexagon">
-              <a:avLst>
-                <a:gd name="adj" fmla="val 33081"/>
-                <a:gd name="vf" fmla="val 115470"/>
-              </a:avLst>
-            </a:prstGeom>
-            <a:solidFill>
-              <a:schemeClr val="accent4">
-                <a:alpha val="50000"/>
-              </a:schemeClr>
-            </a:solidFill>
-          </p:spPr>
-          <p:style>
-            <a:lnRef idx="2">
-              <a:schemeClr val="accent4">
-                <a:shade val="50000"/>
-              </a:schemeClr>
-            </a:lnRef>
-            <a:fillRef idx="1">
-              <a:schemeClr val="accent4"/>
-            </a:fillRef>
-            <a:effectRef idx="0">
-              <a:schemeClr val="accent4"/>
-            </a:effectRef>
-            <a:fontRef idx="minor">
-              <a:schemeClr val="lt1"/>
-            </a:fontRef>
-          </p:style>
-          <p:txBody>
-            <a:bodyPr rtlCol="0" anchor="ctr"/>
-            <a:lstStyle/>
-            <a:p>
-              <a:pPr algn="ctr"/>
-              <a:endParaRPr lang="en-US"/>
-            </a:p>
-          </p:txBody>
-        </p:sp>
-        <p:sp>
-          <p:nvSpPr>
-            <p:cNvPr id="87" name="Hexagon 86">
-              <a:extLst>
-                <a:ext uri="{FF2B5EF4-FFF2-40B4-BE49-F238E27FC236}">
-                  <a16:creationId xmlns:a16="http://schemas.microsoft.com/office/drawing/2014/main" id="{762AA0EA-D36A-4C70-82CD-41FF93510317}"/>
-                </a:ext>
-              </a:extLst>
-            </p:cNvPr>
-            <p:cNvSpPr/>
-            <p:nvPr/>
-          </p:nvSpPr>
-          <p:spPr>
-            <a:xfrm rot="5400000">
-              <a:off x="8483511" y="3840413"/>
-              <a:ext cx="692459" cy="598977"/>
-            </a:xfrm>
-            <a:prstGeom prst="hexagon">
-              <a:avLst>
-                <a:gd name="adj" fmla="val 33081"/>
-                <a:gd name="vf" fmla="val 115470"/>
-              </a:avLst>
-            </a:prstGeom>
-            <a:solidFill>
-              <a:schemeClr val="accent4">
-                <a:alpha val="50000"/>
-              </a:schemeClr>
-            </a:solidFill>
-          </p:spPr>
-          <p:style>
-            <a:lnRef idx="2">
-              <a:schemeClr val="accent4">
-                <a:shade val="50000"/>
-              </a:schemeClr>
-            </a:lnRef>
-            <a:fillRef idx="1">
-              <a:schemeClr val="accent4"/>
-            </a:fillRef>
-            <a:effectRef idx="0">
-              <a:schemeClr val="accent4"/>
-            </a:effectRef>
-            <a:fontRef idx="minor">
-              <a:schemeClr val="lt1"/>
-            </a:fontRef>
-          </p:style>
-          <p:txBody>
-            <a:bodyPr rtlCol="0" anchor="ctr"/>
-            <a:lstStyle/>
-            <a:p>
-              <a:pPr algn="ctr"/>
-              <a:endParaRPr lang="en-US"/>
-            </a:p>
-          </p:txBody>
-        </p:sp>
-        <p:sp>
-          <p:nvSpPr>
-            <p:cNvPr id="88" name="Hexagon 87">
-              <a:extLst>
-                <a:ext uri="{FF2B5EF4-FFF2-40B4-BE49-F238E27FC236}">
-                  <a16:creationId xmlns:a16="http://schemas.microsoft.com/office/drawing/2014/main" id="{5F9FC714-ED11-4CCC-AFD9-FDFBB39C4335}"/>
-                </a:ext>
-              </a:extLst>
-            </p:cNvPr>
-            <p:cNvSpPr/>
-            <p:nvPr/>
-          </p:nvSpPr>
-          <p:spPr>
-            <a:xfrm rot="5400000">
-              <a:off x="9082487" y="3840413"/>
-              <a:ext cx="692459" cy="598977"/>
-            </a:xfrm>
-            <a:prstGeom prst="hexagon">
-              <a:avLst>
-                <a:gd name="adj" fmla="val 33081"/>
-                <a:gd name="vf" fmla="val 115470"/>
-              </a:avLst>
-            </a:prstGeom>
-            <a:solidFill>
-              <a:schemeClr val="accent4">
-                <a:alpha val="50000"/>
-              </a:schemeClr>
-            </a:solidFill>
-          </p:spPr>
-          <p:style>
-            <a:lnRef idx="2">
-              <a:schemeClr val="accent4">
-                <a:shade val="50000"/>
-              </a:schemeClr>
-            </a:lnRef>
-            <a:fillRef idx="1">
-              <a:schemeClr val="accent4"/>
-            </a:fillRef>
-            <a:effectRef idx="0">
-              <a:schemeClr val="accent4"/>
-            </a:effectRef>
-            <a:fontRef idx="minor">
-              <a:schemeClr val="lt1"/>
-            </a:fontRef>
-          </p:style>
-          <p:txBody>
-            <a:bodyPr rtlCol="0" anchor="ctr"/>
-            <a:lstStyle/>
-            <a:p>
-              <a:pPr algn="ctr"/>
-              <a:endParaRPr lang="en-US"/>
-            </a:p>
-          </p:txBody>
-        </p:sp>
-        <p:sp>
-          <p:nvSpPr>
-            <p:cNvPr id="89" name="Hexagon 88">
-              <a:extLst>
-                <a:ext uri="{FF2B5EF4-FFF2-40B4-BE49-F238E27FC236}">
-                  <a16:creationId xmlns:a16="http://schemas.microsoft.com/office/drawing/2014/main" id="{F720C4F0-C850-4DE6-B38B-0C601D251F5A}"/>
-                </a:ext>
-              </a:extLst>
-            </p:cNvPr>
-            <p:cNvSpPr/>
-            <p:nvPr/>
-          </p:nvSpPr>
-          <p:spPr>
-            <a:xfrm rot="5400000">
-              <a:off x="9381975" y="4335340"/>
-              <a:ext cx="692459" cy="598977"/>
-            </a:xfrm>
-            <a:prstGeom prst="hexagon">
-              <a:avLst>
-                <a:gd name="adj" fmla="val 33081"/>
-                <a:gd name="vf" fmla="val 115470"/>
-              </a:avLst>
-            </a:prstGeom>
-            <a:solidFill>
-              <a:schemeClr val="accent4">
-                <a:alpha val="50000"/>
-              </a:schemeClr>
-            </a:solidFill>
-          </p:spPr>
-          <p:style>
-            <a:lnRef idx="2">
-              <a:schemeClr val="accent4">
-                <a:shade val="50000"/>
-              </a:schemeClr>
-            </a:lnRef>
-            <a:fillRef idx="1">
-              <a:schemeClr val="accent4"/>
-            </a:fillRef>
-            <a:effectRef idx="0">
-              <a:schemeClr val="accent4"/>
-            </a:effectRef>
-            <a:fontRef idx="minor">
-              <a:schemeClr val="lt1"/>
-            </a:fontRef>
-          </p:style>
-          <p:txBody>
-            <a:bodyPr rtlCol="0" anchor="ctr"/>
-            <a:lstStyle/>
-            <a:p>
-              <a:pPr algn="ctr"/>
-              <a:endParaRPr lang="en-US"/>
-            </a:p>
-          </p:txBody>
-        </p:sp>
-        <p:sp>
-          <p:nvSpPr>
-            <p:cNvPr id="90" name="Hexagon 89">
-              <a:extLst>
-                <a:ext uri="{FF2B5EF4-FFF2-40B4-BE49-F238E27FC236}">
-                  <a16:creationId xmlns:a16="http://schemas.microsoft.com/office/drawing/2014/main" id="{5D4086CA-4559-47D9-A556-8C233C23875C}"/>
-                </a:ext>
-              </a:extLst>
-            </p:cNvPr>
-            <p:cNvSpPr/>
-            <p:nvPr/>
-          </p:nvSpPr>
-          <p:spPr>
-            <a:xfrm rot="5400000">
-              <a:off x="9082485" y="4822925"/>
-              <a:ext cx="692459" cy="598977"/>
-            </a:xfrm>
-            <a:prstGeom prst="hexagon">
-              <a:avLst>
-                <a:gd name="adj" fmla="val 33081"/>
-                <a:gd name="vf" fmla="val 115470"/>
-              </a:avLst>
-            </a:prstGeom>
-            <a:solidFill>
-              <a:schemeClr val="accent4">
-                <a:alpha val="50000"/>
-              </a:schemeClr>
-            </a:solidFill>
-          </p:spPr>
-          <p:style>
-            <a:lnRef idx="2">
-              <a:schemeClr val="accent4">
-                <a:shade val="50000"/>
-              </a:schemeClr>
-            </a:lnRef>
-            <a:fillRef idx="1">
-              <a:schemeClr val="accent4"/>
-            </a:fillRef>
-            <a:effectRef idx="0">
-              <a:schemeClr val="accent4"/>
-            </a:effectRef>
-            <a:fontRef idx="minor">
-              <a:schemeClr val="lt1"/>
-            </a:fontRef>
-          </p:style>
-          <p:txBody>
-            <a:bodyPr rtlCol="0" anchor="ctr"/>
-            <a:lstStyle/>
-            <a:p>
-              <a:pPr algn="ctr"/>
-              <a:endParaRPr lang="en-US"/>
-            </a:p>
-          </p:txBody>
-        </p:sp>
-        <p:sp>
-          <p:nvSpPr>
-            <p:cNvPr id="91" name="Hexagon 90">
-              <a:extLst>
-                <a:ext uri="{FF2B5EF4-FFF2-40B4-BE49-F238E27FC236}">
-                  <a16:creationId xmlns:a16="http://schemas.microsoft.com/office/drawing/2014/main" id="{06AC0E48-26CF-4DEB-B0D7-F5C617BDBCA9}"/>
-                </a:ext>
-              </a:extLst>
-            </p:cNvPr>
-            <p:cNvSpPr/>
-            <p:nvPr/>
-          </p:nvSpPr>
-          <p:spPr>
-            <a:xfrm rot="5400000">
-              <a:off x="8483506" y="4822924"/>
-              <a:ext cx="692459" cy="598977"/>
-            </a:xfrm>
-            <a:prstGeom prst="hexagon">
-              <a:avLst>
-                <a:gd name="adj" fmla="val 33081"/>
-                <a:gd name="vf" fmla="val 115470"/>
-              </a:avLst>
-            </a:prstGeom>
-            <a:solidFill>
-              <a:schemeClr val="accent4">
-                <a:alpha val="50000"/>
-              </a:schemeClr>
-            </a:solidFill>
-          </p:spPr>
-          <p:style>
-            <a:lnRef idx="2">
-              <a:schemeClr val="accent4">
-                <a:shade val="50000"/>
-              </a:schemeClr>
-            </a:lnRef>
-            <a:fillRef idx="1">
-              <a:schemeClr val="accent4"/>
-            </a:fillRef>
-            <a:effectRef idx="0">
-              <a:schemeClr val="accent4"/>
-            </a:effectRef>
-            <a:fontRef idx="minor">
-              <a:schemeClr val="lt1"/>
-            </a:fontRef>
-          </p:style>
-          <p:txBody>
-            <a:bodyPr rtlCol="0" anchor="ctr"/>
-            <a:lstStyle/>
-            <a:p>
-              <a:pPr algn="ctr"/>
-              <a:endParaRPr lang="en-US"/>
-            </a:p>
-          </p:txBody>
-        </p:sp>
-        <p:sp>
-          <p:nvSpPr>
-            <p:cNvPr id="92" name="Hexagon 91">
-              <a:extLst>
-                <a:ext uri="{FF2B5EF4-FFF2-40B4-BE49-F238E27FC236}">
-                  <a16:creationId xmlns:a16="http://schemas.microsoft.com/office/drawing/2014/main" id="{D418D1A3-8E48-4DFF-B4B1-ED4C35C46951}"/>
-                </a:ext>
-              </a:extLst>
-            </p:cNvPr>
-            <p:cNvSpPr/>
-            <p:nvPr/>
-          </p:nvSpPr>
-          <p:spPr>
-            <a:xfrm rot="5400000">
-              <a:off x="8184018" y="4331669"/>
-              <a:ext cx="692459" cy="598977"/>
-            </a:xfrm>
-            <a:prstGeom prst="hexagon">
-              <a:avLst>
-                <a:gd name="adj" fmla="val 33081"/>
-                <a:gd name="vf" fmla="val 115470"/>
-              </a:avLst>
-            </a:prstGeom>
-            <a:solidFill>
-              <a:schemeClr val="accent4">
-                <a:alpha val="50000"/>
-              </a:schemeClr>
-            </a:solidFill>
-          </p:spPr>
-          <p:style>
-            <a:lnRef idx="2">
-              <a:schemeClr val="accent4">
-                <a:shade val="50000"/>
-              </a:schemeClr>
-            </a:lnRef>
-            <a:fillRef idx="1">
-              <a:schemeClr val="accent4"/>
-            </a:fillRef>
-            <a:effectRef idx="0">
-              <a:schemeClr val="accent4"/>
-            </a:effectRef>
-            <a:fontRef idx="minor">
-              <a:schemeClr val="lt1"/>
-            </a:fontRef>
-          </p:style>
-          <p:txBody>
-            <a:bodyPr rtlCol="0" anchor="ctr"/>
-            <a:lstStyle/>
-            <a:p>
-              <a:pPr algn="ctr"/>
-              <a:endParaRPr lang="en-US"/>
-            </a:p>
-          </p:txBody>
-        </p:sp>
-      </p:grpSp>
-      <p:grpSp>
-        <p:nvGrpSpPr>
-          <p:cNvPr id="93" name="Group 92">
-            <a:extLst>
-              <a:ext uri="{FF2B5EF4-FFF2-40B4-BE49-F238E27FC236}">
-                <a16:creationId xmlns:a16="http://schemas.microsoft.com/office/drawing/2014/main" id="{9A0B7158-1AE3-448F-AA48-CF430A662B6A}"/>
-              </a:ext>
-            </a:extLst>
-          </p:cNvPr>
-          <p:cNvGrpSpPr/>
-          <p:nvPr/>
-        </p:nvGrpSpPr>
-        <p:grpSpPr>
-          <a:xfrm>
-            <a:off x="1556060" y="4644135"/>
-            <a:ext cx="1796934" cy="1674971"/>
-            <a:chOff x="8230759" y="3793672"/>
-            <a:chExt cx="1796934" cy="1674971"/>
-          </a:xfrm>
-        </p:grpSpPr>
-        <p:sp>
-          <p:nvSpPr>
-            <p:cNvPr id="94" name="Hexagon 93">
-              <a:extLst>
-                <a:ext uri="{FF2B5EF4-FFF2-40B4-BE49-F238E27FC236}">
-                  <a16:creationId xmlns:a16="http://schemas.microsoft.com/office/drawing/2014/main" id="{45AC04AB-12BB-4924-AA70-E46221A11F5B}"/>
-                </a:ext>
-              </a:extLst>
-            </p:cNvPr>
-            <p:cNvSpPr/>
-            <p:nvPr/>
-          </p:nvSpPr>
-          <p:spPr>
-            <a:xfrm rot="5400000">
-              <a:off x="8782999" y="4335341"/>
-              <a:ext cx="692459" cy="598977"/>
-            </a:xfrm>
-            <a:prstGeom prst="hexagon">
-              <a:avLst>
-                <a:gd name="adj" fmla="val 33081"/>
-                <a:gd name="vf" fmla="val 115470"/>
-              </a:avLst>
-            </a:prstGeom>
-            <a:solidFill>
-              <a:schemeClr val="accent4">
-                <a:alpha val="50000"/>
-              </a:schemeClr>
-            </a:solidFill>
-          </p:spPr>
-          <p:style>
-            <a:lnRef idx="2">
-              <a:schemeClr val="accent4">
-                <a:shade val="50000"/>
-              </a:schemeClr>
-            </a:lnRef>
-            <a:fillRef idx="1">
-              <a:schemeClr val="accent4"/>
-            </a:fillRef>
-            <a:effectRef idx="0">
-              <a:schemeClr val="accent4"/>
-            </a:effectRef>
-            <a:fontRef idx="minor">
-              <a:schemeClr val="lt1"/>
-            </a:fontRef>
-          </p:style>
-          <p:txBody>
-            <a:bodyPr rtlCol="0" anchor="ctr"/>
-            <a:lstStyle/>
-            <a:p>
-              <a:pPr algn="ctr"/>
-              <a:endParaRPr lang="en-US"/>
-            </a:p>
-          </p:txBody>
-        </p:sp>
-        <p:sp>
-          <p:nvSpPr>
-            <p:cNvPr id="95" name="Hexagon 94">
-              <a:extLst>
-                <a:ext uri="{FF2B5EF4-FFF2-40B4-BE49-F238E27FC236}">
-                  <a16:creationId xmlns:a16="http://schemas.microsoft.com/office/drawing/2014/main" id="{929CEED9-E359-41FA-A60F-0D987D1702C4}"/>
-                </a:ext>
-              </a:extLst>
-            </p:cNvPr>
-            <p:cNvSpPr/>
-            <p:nvPr/>
-          </p:nvSpPr>
-          <p:spPr>
-            <a:xfrm rot="5400000">
-              <a:off x="8483511" y="3840413"/>
-              <a:ext cx="692459" cy="598977"/>
-            </a:xfrm>
-            <a:prstGeom prst="hexagon">
-              <a:avLst>
-                <a:gd name="adj" fmla="val 33081"/>
-                <a:gd name="vf" fmla="val 115470"/>
-              </a:avLst>
-            </a:prstGeom>
-            <a:solidFill>
-              <a:schemeClr val="accent4">
-                <a:alpha val="50000"/>
-              </a:schemeClr>
-            </a:solidFill>
-          </p:spPr>
-          <p:style>
-            <a:lnRef idx="2">
-              <a:schemeClr val="accent4">
-                <a:shade val="50000"/>
-              </a:schemeClr>
-            </a:lnRef>
-            <a:fillRef idx="1">
-              <a:schemeClr val="accent4"/>
-            </a:fillRef>
-            <a:effectRef idx="0">
-              <a:schemeClr val="accent4"/>
-            </a:effectRef>
-            <a:fontRef idx="minor">
-              <a:schemeClr val="lt1"/>
-            </a:fontRef>
-          </p:style>
-          <p:txBody>
-            <a:bodyPr rtlCol="0" anchor="ctr"/>
-            <a:lstStyle/>
-            <a:p>
-              <a:pPr algn="ctr"/>
-              <a:endParaRPr lang="en-US"/>
-            </a:p>
-          </p:txBody>
-        </p:sp>
-        <p:sp>
-          <p:nvSpPr>
-            <p:cNvPr id="96" name="Hexagon 95">
-              <a:extLst>
-                <a:ext uri="{FF2B5EF4-FFF2-40B4-BE49-F238E27FC236}">
-                  <a16:creationId xmlns:a16="http://schemas.microsoft.com/office/drawing/2014/main" id="{6809A200-25CE-4043-8965-A79E356D030F}"/>
-                </a:ext>
-              </a:extLst>
-            </p:cNvPr>
-            <p:cNvSpPr/>
-            <p:nvPr/>
-          </p:nvSpPr>
-          <p:spPr>
-            <a:xfrm rot="5400000">
-              <a:off x="9082487" y="3840413"/>
-              <a:ext cx="692459" cy="598977"/>
-            </a:xfrm>
-            <a:prstGeom prst="hexagon">
-              <a:avLst>
-                <a:gd name="adj" fmla="val 33081"/>
-                <a:gd name="vf" fmla="val 115470"/>
-              </a:avLst>
-            </a:prstGeom>
-            <a:solidFill>
-              <a:schemeClr val="accent4">
-                <a:alpha val="50000"/>
-              </a:schemeClr>
-            </a:solidFill>
-          </p:spPr>
-          <p:style>
-            <a:lnRef idx="2">
-              <a:schemeClr val="accent4">
-                <a:shade val="50000"/>
-              </a:schemeClr>
-            </a:lnRef>
-            <a:fillRef idx="1">
-              <a:schemeClr val="accent4"/>
-            </a:fillRef>
-            <a:effectRef idx="0">
-              <a:schemeClr val="accent4"/>
-            </a:effectRef>
-            <a:fontRef idx="minor">
-              <a:schemeClr val="lt1"/>
-            </a:fontRef>
-          </p:style>
-          <p:txBody>
-            <a:bodyPr rtlCol="0" anchor="ctr"/>
-            <a:lstStyle/>
-            <a:p>
-              <a:pPr algn="ctr"/>
-              <a:endParaRPr lang="en-US"/>
-            </a:p>
-          </p:txBody>
-        </p:sp>
-        <p:sp>
-          <p:nvSpPr>
-            <p:cNvPr id="97" name="Hexagon 96">
-              <a:extLst>
-                <a:ext uri="{FF2B5EF4-FFF2-40B4-BE49-F238E27FC236}">
-                  <a16:creationId xmlns:a16="http://schemas.microsoft.com/office/drawing/2014/main" id="{AF0F1BD9-E57D-4614-A43B-64A9669E1A82}"/>
-                </a:ext>
-              </a:extLst>
-            </p:cNvPr>
-            <p:cNvSpPr/>
-            <p:nvPr/>
-          </p:nvSpPr>
-          <p:spPr>
-            <a:xfrm rot="5400000">
-              <a:off x="9381975" y="4335340"/>
-              <a:ext cx="692459" cy="598977"/>
-            </a:xfrm>
-            <a:prstGeom prst="hexagon">
-              <a:avLst>
-                <a:gd name="adj" fmla="val 33081"/>
-                <a:gd name="vf" fmla="val 115470"/>
-              </a:avLst>
-            </a:prstGeom>
-            <a:solidFill>
-              <a:schemeClr val="accent4">
-                <a:alpha val="50000"/>
-              </a:schemeClr>
-            </a:solidFill>
-          </p:spPr>
-          <p:style>
-            <a:lnRef idx="2">
-              <a:schemeClr val="accent4">
-                <a:shade val="50000"/>
-              </a:schemeClr>
-            </a:lnRef>
-            <a:fillRef idx="1">
-              <a:schemeClr val="accent4"/>
-            </a:fillRef>
-            <a:effectRef idx="0">
-              <a:schemeClr val="accent4"/>
-            </a:effectRef>
-            <a:fontRef idx="minor">
-              <a:schemeClr val="lt1"/>
-            </a:fontRef>
-          </p:style>
-          <p:txBody>
-            <a:bodyPr rtlCol="0" anchor="ctr"/>
-            <a:lstStyle/>
-            <a:p>
-              <a:pPr algn="ctr"/>
-              <a:endParaRPr lang="en-US"/>
-            </a:p>
-          </p:txBody>
-        </p:sp>
-        <p:sp>
-          <p:nvSpPr>
-            <p:cNvPr id="98" name="Hexagon 97">
-              <a:extLst>
-                <a:ext uri="{FF2B5EF4-FFF2-40B4-BE49-F238E27FC236}">
-                  <a16:creationId xmlns:a16="http://schemas.microsoft.com/office/drawing/2014/main" id="{92157FA4-879D-436A-99E0-4B39E9C03B05}"/>
-                </a:ext>
-              </a:extLst>
-            </p:cNvPr>
-            <p:cNvSpPr/>
-            <p:nvPr/>
-          </p:nvSpPr>
-          <p:spPr>
-            <a:xfrm rot="5400000">
-              <a:off x="9082485" y="4822925"/>
-              <a:ext cx="692459" cy="598977"/>
-            </a:xfrm>
-            <a:prstGeom prst="hexagon">
-              <a:avLst>
-                <a:gd name="adj" fmla="val 33081"/>
-                <a:gd name="vf" fmla="val 115470"/>
-              </a:avLst>
-            </a:prstGeom>
-            <a:solidFill>
-              <a:schemeClr val="accent4">
-                <a:alpha val="50000"/>
-              </a:schemeClr>
-            </a:solidFill>
-          </p:spPr>
-          <p:style>
-            <a:lnRef idx="2">
-              <a:schemeClr val="accent4">
-                <a:shade val="50000"/>
-              </a:schemeClr>
-            </a:lnRef>
-            <a:fillRef idx="1">
-              <a:schemeClr val="accent4"/>
-            </a:fillRef>
-            <a:effectRef idx="0">
-              <a:schemeClr val="accent4"/>
-            </a:effectRef>
-            <a:fontRef idx="minor">
-              <a:schemeClr val="lt1"/>
-            </a:fontRef>
-          </p:style>
-          <p:txBody>
-            <a:bodyPr rtlCol="0" anchor="ctr"/>
-            <a:lstStyle/>
-            <a:p>
-              <a:pPr algn="ctr"/>
-              <a:endParaRPr lang="en-US"/>
-            </a:p>
-          </p:txBody>
-        </p:sp>
-        <p:sp>
-          <p:nvSpPr>
-            <p:cNvPr id="99" name="Hexagon 98">
-              <a:extLst>
-                <a:ext uri="{FF2B5EF4-FFF2-40B4-BE49-F238E27FC236}">
-                  <a16:creationId xmlns:a16="http://schemas.microsoft.com/office/drawing/2014/main" id="{E1070474-39F0-41F3-95B9-DBCCC48A268E}"/>
-                </a:ext>
-              </a:extLst>
-            </p:cNvPr>
-            <p:cNvSpPr/>
-            <p:nvPr/>
-          </p:nvSpPr>
-          <p:spPr>
-            <a:xfrm rot="5400000">
-              <a:off x="8483506" y="4822924"/>
-              <a:ext cx="692459" cy="598977"/>
-            </a:xfrm>
-            <a:prstGeom prst="hexagon">
-              <a:avLst>
-                <a:gd name="adj" fmla="val 33081"/>
-                <a:gd name="vf" fmla="val 115470"/>
-              </a:avLst>
-            </a:prstGeom>
-            <a:solidFill>
-              <a:schemeClr val="accent4">
-                <a:alpha val="50000"/>
-              </a:schemeClr>
-            </a:solidFill>
-          </p:spPr>
-          <p:style>
-            <a:lnRef idx="2">
-              <a:schemeClr val="accent4">
-                <a:shade val="50000"/>
-              </a:schemeClr>
-            </a:lnRef>
-            <a:fillRef idx="1">
-              <a:schemeClr val="accent4"/>
-            </a:fillRef>
-            <a:effectRef idx="0">
-              <a:schemeClr val="accent4"/>
-            </a:effectRef>
-            <a:fontRef idx="minor">
-              <a:schemeClr val="lt1"/>
-            </a:fontRef>
-          </p:style>
-          <p:txBody>
-            <a:bodyPr rtlCol="0" anchor="ctr"/>
-            <a:lstStyle/>
-            <a:p>
-              <a:pPr algn="ctr"/>
-              <a:endParaRPr lang="en-US"/>
-            </a:p>
-          </p:txBody>
-        </p:sp>
-        <p:sp>
-          <p:nvSpPr>
-            <p:cNvPr id="100" name="Hexagon 99">
-              <a:extLst>
-                <a:ext uri="{FF2B5EF4-FFF2-40B4-BE49-F238E27FC236}">
-                  <a16:creationId xmlns:a16="http://schemas.microsoft.com/office/drawing/2014/main" id="{AA8885EA-4588-432A-A1D2-8727C6BF4E30}"/>
-                </a:ext>
-              </a:extLst>
-            </p:cNvPr>
-            <p:cNvSpPr/>
-            <p:nvPr/>
-          </p:nvSpPr>
-          <p:spPr>
-            <a:xfrm rot="5400000">
-              <a:off x="8184018" y="4331669"/>
-              <a:ext cx="692459" cy="598977"/>
-            </a:xfrm>
-            <a:prstGeom prst="hexagon">
-              <a:avLst>
-                <a:gd name="adj" fmla="val 33081"/>
-                <a:gd name="vf" fmla="val 115470"/>
-              </a:avLst>
-            </a:prstGeom>
-            <a:solidFill>
-              <a:schemeClr val="accent4">
-                <a:alpha val="50000"/>
-              </a:schemeClr>
-            </a:solidFill>
-          </p:spPr>
-          <p:style>
-            <a:lnRef idx="2">
-              <a:schemeClr val="accent4">
-                <a:shade val="50000"/>
-              </a:schemeClr>
-            </a:lnRef>
-            <a:fillRef idx="1">
-              <a:schemeClr val="accent4"/>
-            </a:fillRef>
-            <a:effectRef idx="0">
-              <a:schemeClr val="accent4"/>
-            </a:effectRef>
-            <a:fontRef idx="minor">
-              <a:schemeClr val="lt1"/>
-            </a:fontRef>
-          </p:style>
-          <p:txBody>
-            <a:bodyPr rtlCol="0" anchor="ctr"/>
-            <a:lstStyle/>
-            <a:p>
-              <a:pPr algn="ctr"/>
-              <a:endParaRPr lang="en-US"/>
-            </a:p>
-          </p:txBody>
-        </p:sp>
-      </p:grpSp>
-      <p:grpSp>
-        <p:nvGrpSpPr>
-          <p:cNvPr id="101" name="Group 100">
-            <a:extLst>
-              <a:ext uri="{FF2B5EF4-FFF2-40B4-BE49-F238E27FC236}">
-                <a16:creationId xmlns:a16="http://schemas.microsoft.com/office/drawing/2014/main" id="{DC5B7481-1FA7-45AF-86E0-9DE879214BE2}"/>
-              </a:ext>
-            </a:extLst>
-          </p:cNvPr>
-          <p:cNvGrpSpPr/>
-          <p:nvPr/>
-        </p:nvGrpSpPr>
-        <p:grpSpPr>
-          <a:xfrm>
-            <a:off x="425412" y="3495921"/>
-            <a:ext cx="1796934" cy="1674971"/>
-            <a:chOff x="8230759" y="3793672"/>
-            <a:chExt cx="1796934" cy="1674971"/>
-          </a:xfrm>
-        </p:grpSpPr>
-        <p:sp>
-          <p:nvSpPr>
-            <p:cNvPr id="102" name="Hexagon 101">
-              <a:extLst>
-                <a:ext uri="{FF2B5EF4-FFF2-40B4-BE49-F238E27FC236}">
-                  <a16:creationId xmlns:a16="http://schemas.microsoft.com/office/drawing/2014/main" id="{651E214D-9037-43C9-B7C3-F6F4208FB8E9}"/>
-                </a:ext>
-              </a:extLst>
-            </p:cNvPr>
-            <p:cNvSpPr/>
-            <p:nvPr/>
-          </p:nvSpPr>
-          <p:spPr>
-            <a:xfrm rot="5400000">
-              <a:off x="8782999" y="4335341"/>
-              <a:ext cx="692459" cy="598977"/>
-            </a:xfrm>
-            <a:prstGeom prst="hexagon">
-              <a:avLst>
-                <a:gd name="adj" fmla="val 33081"/>
-                <a:gd name="vf" fmla="val 115470"/>
-              </a:avLst>
-            </a:prstGeom>
-            <a:solidFill>
-              <a:schemeClr val="accent4">
-                <a:alpha val="50000"/>
-              </a:schemeClr>
-            </a:solidFill>
-          </p:spPr>
-          <p:style>
-            <a:lnRef idx="2">
-              <a:schemeClr val="accent4">
-                <a:shade val="50000"/>
-              </a:schemeClr>
-            </a:lnRef>
-            <a:fillRef idx="1">
-              <a:schemeClr val="accent4"/>
-            </a:fillRef>
-            <a:effectRef idx="0">
-              <a:schemeClr val="accent4"/>
-            </a:effectRef>
-            <a:fontRef idx="minor">
-              <a:schemeClr val="lt1"/>
-            </a:fontRef>
-          </p:style>
-          <p:txBody>
-            <a:bodyPr rtlCol="0" anchor="ctr"/>
-            <a:lstStyle/>
-            <a:p>
-              <a:pPr algn="ctr"/>
-              <a:endParaRPr lang="en-US"/>
-            </a:p>
-          </p:txBody>
-        </p:sp>
-        <p:sp>
-          <p:nvSpPr>
-            <p:cNvPr id="103" name="Hexagon 102">
-              <a:extLst>
-                <a:ext uri="{FF2B5EF4-FFF2-40B4-BE49-F238E27FC236}">
-                  <a16:creationId xmlns:a16="http://schemas.microsoft.com/office/drawing/2014/main" id="{6FF350FF-1AAD-4A5D-883C-F2CD220A10BD}"/>
-                </a:ext>
-              </a:extLst>
-            </p:cNvPr>
-            <p:cNvSpPr/>
-            <p:nvPr/>
-          </p:nvSpPr>
-          <p:spPr>
-            <a:xfrm rot="5400000">
-              <a:off x="8483511" y="3840413"/>
-              <a:ext cx="692459" cy="598977"/>
-            </a:xfrm>
-            <a:prstGeom prst="hexagon">
-              <a:avLst>
-                <a:gd name="adj" fmla="val 33081"/>
-                <a:gd name="vf" fmla="val 115470"/>
-              </a:avLst>
-            </a:prstGeom>
-            <a:solidFill>
-              <a:schemeClr val="accent4">
-                <a:alpha val="50000"/>
-              </a:schemeClr>
-            </a:solidFill>
-          </p:spPr>
-          <p:style>
-            <a:lnRef idx="2">
-              <a:schemeClr val="accent4">
-                <a:shade val="50000"/>
-              </a:schemeClr>
-            </a:lnRef>
-            <a:fillRef idx="1">
-              <a:schemeClr val="accent4"/>
-            </a:fillRef>
-            <a:effectRef idx="0">
-              <a:schemeClr val="accent4"/>
-            </a:effectRef>
-            <a:fontRef idx="minor">
-              <a:schemeClr val="lt1"/>
-            </a:fontRef>
-          </p:style>
-          <p:txBody>
-            <a:bodyPr rtlCol="0" anchor="ctr"/>
-            <a:lstStyle/>
-            <a:p>
-              <a:pPr algn="ctr"/>
-              <a:endParaRPr lang="en-US"/>
-            </a:p>
-          </p:txBody>
-        </p:sp>
-        <p:sp>
-          <p:nvSpPr>
-            <p:cNvPr id="104" name="Hexagon 103">
-              <a:extLst>
-                <a:ext uri="{FF2B5EF4-FFF2-40B4-BE49-F238E27FC236}">
-                  <a16:creationId xmlns:a16="http://schemas.microsoft.com/office/drawing/2014/main" id="{B6F339C1-F8F8-4606-B8AC-F1420351051D}"/>
-                </a:ext>
-              </a:extLst>
-            </p:cNvPr>
-            <p:cNvSpPr/>
-            <p:nvPr/>
-          </p:nvSpPr>
-          <p:spPr>
-            <a:xfrm rot="5400000">
-              <a:off x="9082487" y="3840413"/>
-              <a:ext cx="692459" cy="598977"/>
-            </a:xfrm>
-            <a:prstGeom prst="hexagon">
-              <a:avLst>
-                <a:gd name="adj" fmla="val 33081"/>
-                <a:gd name="vf" fmla="val 115470"/>
-              </a:avLst>
-            </a:prstGeom>
-            <a:solidFill>
-              <a:schemeClr val="accent4">
-                <a:alpha val="50000"/>
-              </a:schemeClr>
-            </a:solidFill>
-          </p:spPr>
-          <p:style>
-            <a:lnRef idx="2">
-              <a:schemeClr val="accent4">
-                <a:shade val="50000"/>
-              </a:schemeClr>
-            </a:lnRef>
-            <a:fillRef idx="1">
-              <a:schemeClr val="accent4"/>
-            </a:fillRef>
-            <a:effectRef idx="0">
-              <a:schemeClr val="accent4"/>
-            </a:effectRef>
-            <a:fontRef idx="minor">
-              <a:schemeClr val="lt1"/>
-            </a:fontRef>
-          </p:style>
-          <p:txBody>
-            <a:bodyPr rtlCol="0" anchor="ctr"/>
-            <a:lstStyle/>
-            <a:p>
-              <a:pPr algn="ctr"/>
-              <a:endParaRPr lang="en-US"/>
-            </a:p>
-          </p:txBody>
-        </p:sp>
-        <p:sp>
-          <p:nvSpPr>
-            <p:cNvPr id="105" name="Hexagon 104">
-              <a:extLst>
-                <a:ext uri="{FF2B5EF4-FFF2-40B4-BE49-F238E27FC236}">
-                  <a16:creationId xmlns:a16="http://schemas.microsoft.com/office/drawing/2014/main" id="{B2651596-AB1E-4553-B1C4-C84F353BA5BB}"/>
-                </a:ext>
-              </a:extLst>
-            </p:cNvPr>
-            <p:cNvSpPr/>
-            <p:nvPr/>
-          </p:nvSpPr>
-          <p:spPr>
-            <a:xfrm rot="5400000">
-              <a:off x="9381975" y="4335340"/>
-              <a:ext cx="692459" cy="598977"/>
-            </a:xfrm>
-            <a:prstGeom prst="hexagon">
-              <a:avLst>
-                <a:gd name="adj" fmla="val 33081"/>
-                <a:gd name="vf" fmla="val 115470"/>
-              </a:avLst>
-            </a:prstGeom>
-            <a:solidFill>
-              <a:schemeClr val="accent4">
-                <a:alpha val="50000"/>
-              </a:schemeClr>
-            </a:solidFill>
-          </p:spPr>
-          <p:style>
-            <a:lnRef idx="2">
-              <a:schemeClr val="accent4">
-                <a:shade val="50000"/>
-              </a:schemeClr>
-            </a:lnRef>
-            <a:fillRef idx="1">
-              <a:schemeClr val="accent4"/>
-            </a:fillRef>
-            <a:effectRef idx="0">
-              <a:schemeClr val="accent4"/>
-            </a:effectRef>
-            <a:fontRef idx="minor">
-              <a:schemeClr val="lt1"/>
-            </a:fontRef>
-          </p:style>
-          <p:txBody>
-            <a:bodyPr rtlCol="0" anchor="ctr"/>
-            <a:lstStyle/>
-            <a:p>
-              <a:pPr algn="ctr"/>
-              <a:endParaRPr lang="en-US"/>
-            </a:p>
-          </p:txBody>
-        </p:sp>
-        <p:sp>
-          <p:nvSpPr>
-            <p:cNvPr id="106" name="Hexagon 105">
-              <a:extLst>
-                <a:ext uri="{FF2B5EF4-FFF2-40B4-BE49-F238E27FC236}">
-                  <a16:creationId xmlns:a16="http://schemas.microsoft.com/office/drawing/2014/main" id="{CF73541A-ECB4-4A89-B705-92745F8DB43D}"/>
-                </a:ext>
-              </a:extLst>
-            </p:cNvPr>
-            <p:cNvSpPr/>
-            <p:nvPr/>
-          </p:nvSpPr>
-          <p:spPr>
-            <a:xfrm rot="5400000">
-              <a:off x="9082485" y="4822925"/>
-              <a:ext cx="692459" cy="598977"/>
-            </a:xfrm>
-            <a:prstGeom prst="hexagon">
-              <a:avLst>
-                <a:gd name="adj" fmla="val 33081"/>
-                <a:gd name="vf" fmla="val 115470"/>
-              </a:avLst>
-            </a:prstGeom>
-            <a:solidFill>
-              <a:schemeClr val="accent4">
-                <a:alpha val="50000"/>
-              </a:schemeClr>
-            </a:solidFill>
-          </p:spPr>
-          <p:style>
-            <a:lnRef idx="2">
-              <a:schemeClr val="accent4">
-                <a:shade val="50000"/>
-              </a:schemeClr>
-            </a:lnRef>
-            <a:fillRef idx="1">
-              <a:schemeClr val="accent4"/>
-            </a:fillRef>
-            <a:effectRef idx="0">
-              <a:schemeClr val="accent4"/>
-            </a:effectRef>
-            <a:fontRef idx="minor">
-              <a:schemeClr val="lt1"/>
-            </a:fontRef>
-          </p:style>
-          <p:txBody>
-            <a:bodyPr rtlCol="0" anchor="ctr"/>
-            <a:lstStyle/>
-            <a:p>
-              <a:pPr algn="ctr"/>
-              <a:endParaRPr lang="en-US"/>
-            </a:p>
-          </p:txBody>
-        </p:sp>
-        <p:sp>
-          <p:nvSpPr>
-            <p:cNvPr id="107" name="Hexagon 106">
-              <a:extLst>
-                <a:ext uri="{FF2B5EF4-FFF2-40B4-BE49-F238E27FC236}">
-                  <a16:creationId xmlns:a16="http://schemas.microsoft.com/office/drawing/2014/main" id="{4E07211B-57FC-4503-9213-DA6DAEA6F247}"/>
-                </a:ext>
-              </a:extLst>
-            </p:cNvPr>
-            <p:cNvSpPr/>
-            <p:nvPr/>
-          </p:nvSpPr>
-          <p:spPr>
-            <a:xfrm rot="5400000">
-              <a:off x="8483506" y="4822924"/>
-              <a:ext cx="692459" cy="598977"/>
-            </a:xfrm>
-            <a:prstGeom prst="hexagon">
-              <a:avLst>
-                <a:gd name="adj" fmla="val 33081"/>
-                <a:gd name="vf" fmla="val 115470"/>
-              </a:avLst>
-            </a:prstGeom>
-            <a:solidFill>
-              <a:schemeClr val="accent4">
-                <a:alpha val="50000"/>
-              </a:schemeClr>
-            </a:solidFill>
-          </p:spPr>
-          <p:style>
-            <a:lnRef idx="2">
-              <a:schemeClr val="accent4">
-                <a:shade val="50000"/>
-              </a:schemeClr>
-            </a:lnRef>
-            <a:fillRef idx="1">
-              <a:schemeClr val="accent4"/>
-            </a:fillRef>
-            <a:effectRef idx="0">
-              <a:schemeClr val="accent4"/>
-            </a:effectRef>
-            <a:fontRef idx="minor">
-              <a:schemeClr val="lt1"/>
-            </a:fontRef>
-          </p:style>
-          <p:txBody>
-            <a:bodyPr rtlCol="0" anchor="ctr"/>
-            <a:lstStyle/>
-            <a:p>
-              <a:pPr algn="ctr"/>
-              <a:endParaRPr lang="en-US"/>
-            </a:p>
-          </p:txBody>
-        </p:sp>
-        <p:sp>
-          <p:nvSpPr>
-            <p:cNvPr id="108" name="Hexagon 107">
-              <a:extLst>
-                <a:ext uri="{FF2B5EF4-FFF2-40B4-BE49-F238E27FC236}">
-                  <a16:creationId xmlns:a16="http://schemas.microsoft.com/office/drawing/2014/main" id="{0A7A435D-087A-4C5D-A6DA-7C6DE4B9128F}"/>
-                </a:ext>
-              </a:extLst>
-            </p:cNvPr>
-            <p:cNvSpPr/>
-            <p:nvPr/>
-          </p:nvSpPr>
-          <p:spPr>
-            <a:xfrm rot="5400000">
-              <a:off x="8184018" y="4331669"/>
-              <a:ext cx="692459" cy="598977"/>
-            </a:xfrm>
-            <a:prstGeom prst="hexagon">
-              <a:avLst>
-                <a:gd name="adj" fmla="val 33081"/>
-                <a:gd name="vf" fmla="val 115470"/>
-              </a:avLst>
-            </a:prstGeom>
-            <a:solidFill>
-              <a:schemeClr val="accent4">
-                <a:alpha val="50000"/>
-              </a:schemeClr>
-            </a:solidFill>
-          </p:spPr>
-          <p:style>
-            <a:lnRef idx="2">
-              <a:schemeClr val="accent4">
-                <a:shade val="50000"/>
-              </a:schemeClr>
-            </a:lnRef>
-            <a:fillRef idx="1">
-              <a:schemeClr val="accent4"/>
-            </a:fillRef>
-            <a:effectRef idx="0">
-              <a:schemeClr val="accent4"/>
-            </a:effectRef>
-            <a:fontRef idx="minor">
-              <a:schemeClr val="lt1"/>
-            </a:fontRef>
-          </p:style>
-          <p:txBody>
-            <a:bodyPr rtlCol="0" anchor="ctr"/>
-            <a:lstStyle/>
-            <a:p>
-              <a:pPr algn="ctr"/>
-              <a:endParaRPr lang="en-US"/>
-            </a:p>
-          </p:txBody>
-        </p:sp>
-      </p:grpSp>
-      <p:sp>
-        <p:nvSpPr>
-          <p:cNvPr id="109" name="Hexagon 108">
-            <a:extLst>
-              <a:ext uri="{FF2B5EF4-FFF2-40B4-BE49-F238E27FC236}">
-                <a16:creationId xmlns:a16="http://schemas.microsoft.com/office/drawing/2014/main" id="{424D350A-0A7F-4455-A28F-25EA5E5EB8D9}"/>
+                <a16:creationId xmlns:a16="http://schemas.microsoft.com/office/drawing/2014/main" id="{383407FD-F759-49E0-82EE-50B4A75FD45B}"/>
               </a:ext>
             </a:extLst>
           </p:cNvPr>
@@ -12330,38 +9772,30 @@
           <p:nvPr/>
         </p:nvSpPr>
         <p:spPr>
-          <a:xfrm rot="5400000">
-            <a:off x="8279983" y="3133183"/>
-            <a:ext cx="692459" cy="598977"/>
-          </a:xfrm>
-          <a:prstGeom prst="hexagon">
-            <a:avLst>
-              <a:gd name="adj" fmla="val 33081"/>
-              <a:gd name="vf" fmla="val 115470"/>
-            </a:avLst>
+          <a:xfrm>
+            <a:off x="4241445" y="5026527"/>
+            <a:ext cx="868680" cy="868680"/>
+          </a:xfrm>
+          <a:prstGeom prst="ellipse">
+            <a:avLst/>
           </a:prstGeom>
           <a:solidFill>
-            <a:schemeClr val="accent2">
+            <a:schemeClr val="accent1">
               <a:alpha val="50000"/>
             </a:schemeClr>
           </a:solidFill>
-          <a:ln>
-            <a:solidFill>
-              <a:schemeClr val="accent2"/>
-            </a:solidFill>
-          </a:ln>
         </p:spPr>
         <p:style>
           <a:lnRef idx="2">
-            <a:schemeClr val="accent4">
+            <a:schemeClr val="accent1">
               <a:shade val="50000"/>
             </a:schemeClr>
           </a:lnRef>
           <a:fillRef idx="1">
-            <a:schemeClr val="accent4"/>
+            <a:schemeClr val="accent1"/>
           </a:fillRef>
           <a:effectRef idx="0">
-            <a:schemeClr val="accent4"/>
+            <a:schemeClr val="accent1"/>
           </a:effectRef>
           <a:fontRef idx="minor">
             <a:schemeClr val="lt1"/>
@@ -12378,378 +9812,26 @@
       </p:sp>
       <p:sp>
         <p:nvSpPr>
-          <p:cNvPr id="110" name="Hexagon 109">
+          <p:cNvPr id="70" name="Hexagon 69">
             <a:extLst>
               <a:ext uri="{FF2B5EF4-FFF2-40B4-BE49-F238E27FC236}">
-                <a16:creationId xmlns:a16="http://schemas.microsoft.com/office/drawing/2014/main" id="{C987A6B3-D597-45D4-83C1-C665CC2E5745}"/>
+                <a16:creationId xmlns:a16="http://schemas.microsoft.com/office/drawing/2014/main" id="{8B2785C0-70B7-40A7-86A2-1C40EBAB4D8D}"/>
               </a:ext>
             </a:extLst>
           </p:cNvPr>
-          <p:cNvSpPr/>
+          <p:cNvSpPr>
+            <a:spLocks noChangeAspect="1"/>
+          </p:cNvSpPr>
           <p:nvPr/>
         </p:nvSpPr>
         <p:spPr>
-          <a:xfrm rot="5400000">
-            <a:off x="7980495" y="2638255"/>
-            <a:ext cx="692459" cy="598977"/>
+          <a:xfrm>
+            <a:off x="9036907" y="5381479"/>
+            <a:ext cx="317133" cy="274320"/>
           </a:xfrm>
           <a:prstGeom prst="hexagon">
             <a:avLst>
-              <a:gd name="adj" fmla="val 33081"/>
-              <a:gd name="vf" fmla="val 115470"/>
-            </a:avLst>
-          </a:prstGeom>
-          <a:solidFill>
-            <a:schemeClr val="accent2">
-              <a:alpha val="50000"/>
-            </a:schemeClr>
-          </a:solidFill>
-          <a:ln>
-            <a:solidFill>
-              <a:schemeClr val="accent2"/>
-            </a:solidFill>
-          </a:ln>
-        </p:spPr>
-        <p:style>
-          <a:lnRef idx="2">
-            <a:schemeClr val="accent4">
-              <a:shade val="50000"/>
-            </a:schemeClr>
-          </a:lnRef>
-          <a:fillRef idx="1">
-            <a:schemeClr val="accent4"/>
-          </a:fillRef>
-          <a:effectRef idx="0">
-            <a:schemeClr val="accent4"/>
-          </a:effectRef>
-          <a:fontRef idx="minor">
-            <a:schemeClr val="lt1"/>
-          </a:fontRef>
-        </p:style>
-        <p:txBody>
-          <a:bodyPr rtlCol="0" anchor="ctr"/>
-          <a:lstStyle/>
-          <a:p>
-            <a:pPr algn="ctr"/>
-            <a:endParaRPr lang="en-US"/>
-          </a:p>
-        </p:txBody>
-      </p:sp>
-      <p:sp>
-        <p:nvSpPr>
-          <p:cNvPr id="111" name="Hexagon 110">
-            <a:extLst>
-              <a:ext uri="{FF2B5EF4-FFF2-40B4-BE49-F238E27FC236}">
-                <a16:creationId xmlns:a16="http://schemas.microsoft.com/office/drawing/2014/main" id="{5C19828B-7D30-4C46-ACEF-FAE5D748A100}"/>
-              </a:ext>
-            </a:extLst>
-          </p:cNvPr>
-          <p:cNvSpPr/>
-          <p:nvPr/>
-        </p:nvSpPr>
-        <p:spPr>
-          <a:xfrm rot="5400000">
-            <a:off x="8579471" y="2638255"/>
-            <a:ext cx="692459" cy="598977"/>
-          </a:xfrm>
-          <a:prstGeom prst="hexagon">
-            <a:avLst>
-              <a:gd name="adj" fmla="val 33081"/>
-              <a:gd name="vf" fmla="val 115470"/>
-            </a:avLst>
-          </a:prstGeom>
-          <a:solidFill>
-            <a:schemeClr val="accent2">
-              <a:alpha val="50000"/>
-            </a:schemeClr>
-          </a:solidFill>
-          <a:ln>
-            <a:solidFill>
-              <a:schemeClr val="accent2"/>
-            </a:solidFill>
-          </a:ln>
-        </p:spPr>
-        <p:style>
-          <a:lnRef idx="2">
-            <a:schemeClr val="accent4">
-              <a:shade val="50000"/>
-            </a:schemeClr>
-          </a:lnRef>
-          <a:fillRef idx="1">
-            <a:schemeClr val="accent4"/>
-          </a:fillRef>
-          <a:effectRef idx="0">
-            <a:schemeClr val="accent4"/>
-          </a:effectRef>
-          <a:fontRef idx="minor">
-            <a:schemeClr val="lt1"/>
-          </a:fontRef>
-        </p:style>
-        <p:txBody>
-          <a:bodyPr rtlCol="0" anchor="ctr"/>
-          <a:lstStyle/>
-          <a:p>
-            <a:pPr algn="ctr"/>
-            <a:endParaRPr lang="en-US"/>
-          </a:p>
-        </p:txBody>
-      </p:sp>
-      <p:sp>
-        <p:nvSpPr>
-          <p:cNvPr id="112" name="Hexagon 111">
-            <a:extLst>
-              <a:ext uri="{FF2B5EF4-FFF2-40B4-BE49-F238E27FC236}">
-                <a16:creationId xmlns:a16="http://schemas.microsoft.com/office/drawing/2014/main" id="{0A32EDA4-270F-4BF6-BD7D-2467F54406E3}"/>
-              </a:ext>
-            </a:extLst>
-          </p:cNvPr>
-          <p:cNvSpPr/>
-          <p:nvPr/>
-        </p:nvSpPr>
-        <p:spPr>
-          <a:xfrm rot="5400000">
-            <a:off x="8878959" y="3133182"/>
-            <a:ext cx="692459" cy="598977"/>
-          </a:xfrm>
-          <a:prstGeom prst="hexagon">
-            <a:avLst>
-              <a:gd name="adj" fmla="val 33081"/>
-              <a:gd name="vf" fmla="val 115470"/>
-            </a:avLst>
-          </a:prstGeom>
-          <a:solidFill>
-            <a:schemeClr val="accent2">
-              <a:alpha val="50000"/>
-            </a:schemeClr>
-          </a:solidFill>
-          <a:ln>
-            <a:solidFill>
-              <a:schemeClr val="accent2"/>
-            </a:solidFill>
-          </a:ln>
-        </p:spPr>
-        <p:style>
-          <a:lnRef idx="2">
-            <a:schemeClr val="accent4">
-              <a:shade val="50000"/>
-            </a:schemeClr>
-          </a:lnRef>
-          <a:fillRef idx="1">
-            <a:schemeClr val="accent4"/>
-          </a:fillRef>
-          <a:effectRef idx="0">
-            <a:schemeClr val="accent4"/>
-          </a:effectRef>
-          <a:fontRef idx="minor">
-            <a:schemeClr val="lt1"/>
-          </a:fontRef>
-        </p:style>
-        <p:txBody>
-          <a:bodyPr rtlCol="0" anchor="ctr"/>
-          <a:lstStyle/>
-          <a:p>
-            <a:pPr algn="ctr"/>
-            <a:endParaRPr lang="en-US"/>
-          </a:p>
-        </p:txBody>
-      </p:sp>
-      <p:sp>
-        <p:nvSpPr>
-          <p:cNvPr id="113" name="Hexagon 112">
-            <a:extLst>
-              <a:ext uri="{FF2B5EF4-FFF2-40B4-BE49-F238E27FC236}">
-                <a16:creationId xmlns:a16="http://schemas.microsoft.com/office/drawing/2014/main" id="{4E78678D-6220-42F6-8973-376224F4A37B}"/>
-              </a:ext>
-            </a:extLst>
-          </p:cNvPr>
-          <p:cNvSpPr/>
-          <p:nvPr/>
-        </p:nvSpPr>
-        <p:spPr>
-          <a:xfrm rot="5400000">
-            <a:off x="8579469" y="3620767"/>
-            <a:ext cx="692459" cy="598977"/>
-          </a:xfrm>
-          <a:prstGeom prst="hexagon">
-            <a:avLst>
-              <a:gd name="adj" fmla="val 33081"/>
-              <a:gd name="vf" fmla="val 115470"/>
-            </a:avLst>
-          </a:prstGeom>
-          <a:solidFill>
-            <a:schemeClr val="accent2">
-              <a:alpha val="50000"/>
-            </a:schemeClr>
-          </a:solidFill>
-          <a:ln>
-            <a:solidFill>
-              <a:schemeClr val="accent2"/>
-            </a:solidFill>
-          </a:ln>
-        </p:spPr>
-        <p:style>
-          <a:lnRef idx="2">
-            <a:schemeClr val="accent4">
-              <a:shade val="50000"/>
-            </a:schemeClr>
-          </a:lnRef>
-          <a:fillRef idx="1">
-            <a:schemeClr val="accent4"/>
-          </a:fillRef>
-          <a:effectRef idx="0">
-            <a:schemeClr val="accent4"/>
-          </a:effectRef>
-          <a:fontRef idx="minor">
-            <a:schemeClr val="lt1"/>
-          </a:fontRef>
-        </p:style>
-        <p:txBody>
-          <a:bodyPr rtlCol="0" anchor="ctr"/>
-          <a:lstStyle/>
-          <a:p>
-            <a:pPr algn="ctr"/>
-            <a:endParaRPr lang="en-US"/>
-          </a:p>
-        </p:txBody>
-      </p:sp>
-      <p:sp>
-        <p:nvSpPr>
-          <p:cNvPr id="114" name="Hexagon 113">
-            <a:extLst>
-              <a:ext uri="{FF2B5EF4-FFF2-40B4-BE49-F238E27FC236}">
-                <a16:creationId xmlns:a16="http://schemas.microsoft.com/office/drawing/2014/main" id="{CF740E58-FD4E-4F38-9ABB-BFBFC05255E7}"/>
-              </a:ext>
-            </a:extLst>
-          </p:cNvPr>
-          <p:cNvSpPr/>
-          <p:nvPr/>
-        </p:nvSpPr>
-        <p:spPr>
-          <a:xfrm rot="5400000">
-            <a:off x="7980490" y="3620766"/>
-            <a:ext cx="692459" cy="598977"/>
-          </a:xfrm>
-          <a:prstGeom prst="hexagon">
-            <a:avLst>
-              <a:gd name="adj" fmla="val 33081"/>
-              <a:gd name="vf" fmla="val 115470"/>
-            </a:avLst>
-          </a:prstGeom>
-          <a:solidFill>
-            <a:schemeClr val="accent2">
-              <a:alpha val="50000"/>
-            </a:schemeClr>
-          </a:solidFill>
-          <a:ln>
-            <a:solidFill>
-              <a:schemeClr val="accent2"/>
-            </a:solidFill>
-          </a:ln>
-        </p:spPr>
-        <p:style>
-          <a:lnRef idx="2">
-            <a:schemeClr val="accent4">
-              <a:shade val="50000"/>
-            </a:schemeClr>
-          </a:lnRef>
-          <a:fillRef idx="1">
-            <a:schemeClr val="accent4"/>
-          </a:fillRef>
-          <a:effectRef idx="0">
-            <a:schemeClr val="accent4"/>
-          </a:effectRef>
-          <a:fontRef idx="minor">
-            <a:schemeClr val="lt1"/>
-          </a:fontRef>
-        </p:style>
-        <p:txBody>
-          <a:bodyPr rtlCol="0" anchor="ctr"/>
-          <a:lstStyle/>
-          <a:p>
-            <a:pPr algn="ctr"/>
-            <a:endParaRPr lang="en-US"/>
-          </a:p>
-        </p:txBody>
-      </p:sp>
-      <p:sp>
-        <p:nvSpPr>
-          <p:cNvPr id="115" name="Hexagon 114">
-            <a:extLst>
-              <a:ext uri="{FF2B5EF4-FFF2-40B4-BE49-F238E27FC236}">
-                <a16:creationId xmlns:a16="http://schemas.microsoft.com/office/drawing/2014/main" id="{D078067F-9DBB-45A0-B4AD-6555C4D5576C}"/>
-              </a:ext>
-            </a:extLst>
-          </p:cNvPr>
-          <p:cNvSpPr/>
-          <p:nvPr/>
-        </p:nvSpPr>
-        <p:spPr>
-          <a:xfrm rot="5400000">
-            <a:off x="7681002" y="3129511"/>
-            <a:ext cx="692459" cy="598977"/>
-          </a:xfrm>
-          <a:prstGeom prst="hexagon">
-            <a:avLst>
-              <a:gd name="adj" fmla="val 33081"/>
-              <a:gd name="vf" fmla="val 115470"/>
-            </a:avLst>
-          </a:prstGeom>
-          <a:solidFill>
-            <a:schemeClr val="accent2">
-              <a:alpha val="50000"/>
-            </a:schemeClr>
-          </a:solidFill>
-          <a:ln>
-            <a:solidFill>
-              <a:schemeClr val="accent2"/>
-            </a:solidFill>
-          </a:ln>
-        </p:spPr>
-        <p:style>
-          <a:lnRef idx="2">
-            <a:schemeClr val="accent4">
-              <a:shade val="50000"/>
-            </a:schemeClr>
-          </a:lnRef>
-          <a:fillRef idx="1">
-            <a:schemeClr val="accent4"/>
-          </a:fillRef>
-          <a:effectRef idx="0">
-            <a:schemeClr val="accent4"/>
-          </a:effectRef>
-          <a:fontRef idx="minor">
-            <a:schemeClr val="lt1"/>
-          </a:fontRef>
-        </p:style>
-        <p:txBody>
-          <a:bodyPr rtlCol="0" anchor="ctr"/>
-          <a:lstStyle/>
-          <a:p>
-            <a:pPr algn="ctr"/>
-            <a:endParaRPr lang="en-US"/>
-          </a:p>
-        </p:txBody>
-      </p:sp>
-      <p:sp>
-        <p:nvSpPr>
-          <p:cNvPr id="126" name="Hexagon 125">
-            <a:extLst>
-              <a:ext uri="{FF2B5EF4-FFF2-40B4-BE49-F238E27FC236}">
-                <a16:creationId xmlns:a16="http://schemas.microsoft.com/office/drawing/2014/main" id="{23400F9A-74DA-4A6A-8F1E-16E8325C6076}"/>
-              </a:ext>
-            </a:extLst>
-          </p:cNvPr>
-          <p:cNvSpPr/>
-          <p:nvPr/>
-        </p:nvSpPr>
-        <p:spPr>
-          <a:xfrm rot="5400000">
-            <a:off x="7080064" y="4113358"/>
-            <a:ext cx="692459" cy="598977"/>
-          </a:xfrm>
-          <a:prstGeom prst="hexagon">
-            <a:avLst>
-              <a:gd name="adj" fmla="val 33081"/>
+              <a:gd name="adj" fmla="val 30112"/>
               <a:gd name="vf" fmla="val 115470"/>
             </a:avLst>
           </a:prstGeom>
@@ -12786,24 +9868,26 @@
       </p:sp>
       <p:sp>
         <p:nvSpPr>
-          <p:cNvPr id="127" name="Hexagon 126">
+          <p:cNvPr id="76" name="Hexagon 75">
             <a:extLst>
               <a:ext uri="{FF2B5EF4-FFF2-40B4-BE49-F238E27FC236}">
-                <a16:creationId xmlns:a16="http://schemas.microsoft.com/office/drawing/2014/main" id="{4910BD67-D55D-4CB6-9DA7-A234FD123EB9}"/>
+                <a16:creationId xmlns:a16="http://schemas.microsoft.com/office/drawing/2014/main" id="{F8D0162B-4DD8-45BE-97A7-CB3FA6445116}"/>
               </a:ext>
             </a:extLst>
           </p:cNvPr>
-          <p:cNvSpPr/>
+          <p:cNvSpPr>
+            <a:spLocks noChangeAspect="1"/>
+          </p:cNvSpPr>
           <p:nvPr/>
         </p:nvSpPr>
         <p:spPr>
-          <a:xfrm rot="5400000">
-            <a:off x="6780576" y="3618430"/>
-            <a:ext cx="692459" cy="598977"/>
+          <a:xfrm>
+            <a:off x="9275260" y="5244319"/>
+            <a:ext cx="317133" cy="274320"/>
           </a:xfrm>
           <a:prstGeom prst="hexagon">
             <a:avLst>
-              <a:gd name="adj" fmla="val 33081"/>
+              <a:gd name="adj" fmla="val 30112"/>
               <a:gd name="vf" fmla="val 115470"/>
             </a:avLst>
           </a:prstGeom>
@@ -12840,24 +9924,26 @@
       </p:sp>
       <p:sp>
         <p:nvSpPr>
-          <p:cNvPr id="128" name="Hexagon 127">
+          <p:cNvPr id="77" name="Hexagon 76">
             <a:extLst>
               <a:ext uri="{FF2B5EF4-FFF2-40B4-BE49-F238E27FC236}">
-                <a16:creationId xmlns:a16="http://schemas.microsoft.com/office/drawing/2014/main" id="{C4A3AD8E-C49F-4939-A248-B28D875B7529}"/>
+                <a16:creationId xmlns:a16="http://schemas.microsoft.com/office/drawing/2014/main" id="{1F86A0B0-22D2-4B8E-B654-D47710E86DAD}"/>
               </a:ext>
             </a:extLst>
           </p:cNvPr>
-          <p:cNvSpPr/>
+          <p:cNvSpPr>
+            <a:spLocks noChangeAspect="1"/>
+          </p:cNvSpPr>
           <p:nvPr/>
         </p:nvSpPr>
         <p:spPr>
-          <a:xfrm rot="5400000">
-            <a:off x="7379552" y="3618430"/>
-            <a:ext cx="692459" cy="598977"/>
+          <a:xfrm>
+            <a:off x="9511645" y="5382762"/>
+            <a:ext cx="317133" cy="274320"/>
           </a:xfrm>
           <a:prstGeom prst="hexagon">
             <a:avLst>
-              <a:gd name="adj" fmla="val 33081"/>
+              <a:gd name="adj" fmla="val 30112"/>
               <a:gd name="vf" fmla="val 115470"/>
             </a:avLst>
           </a:prstGeom>
@@ -12894,24 +9980,26 @@
       </p:sp>
       <p:sp>
         <p:nvSpPr>
-          <p:cNvPr id="129" name="Hexagon 128">
+          <p:cNvPr id="78" name="Hexagon 77">
             <a:extLst>
               <a:ext uri="{FF2B5EF4-FFF2-40B4-BE49-F238E27FC236}">
-                <a16:creationId xmlns:a16="http://schemas.microsoft.com/office/drawing/2014/main" id="{0129FF2F-1692-42B8-887B-50EB33A9DBC6}"/>
+                <a16:creationId xmlns:a16="http://schemas.microsoft.com/office/drawing/2014/main" id="{35615D19-7971-49D6-B0A7-8636DE997ED7}"/>
               </a:ext>
             </a:extLst>
           </p:cNvPr>
-          <p:cNvSpPr/>
+          <p:cNvSpPr>
+            <a:spLocks noChangeAspect="1"/>
+          </p:cNvSpPr>
           <p:nvPr/>
         </p:nvSpPr>
         <p:spPr>
-          <a:xfrm rot="5400000">
-            <a:off x="7679040" y="4113357"/>
-            <a:ext cx="692459" cy="598977"/>
+          <a:xfrm>
+            <a:off x="9274276" y="5518639"/>
+            <a:ext cx="317133" cy="274320"/>
           </a:xfrm>
           <a:prstGeom prst="hexagon">
             <a:avLst>
-              <a:gd name="adj" fmla="val 33081"/>
+              <a:gd name="adj" fmla="val 30112"/>
               <a:gd name="vf" fmla="val 115470"/>
             </a:avLst>
           </a:prstGeom>
@@ -12948,24 +10036,26 @@
       </p:sp>
       <p:sp>
         <p:nvSpPr>
-          <p:cNvPr id="130" name="Hexagon 129">
+          <p:cNvPr id="79" name="Hexagon 78">
             <a:extLst>
               <a:ext uri="{FF2B5EF4-FFF2-40B4-BE49-F238E27FC236}">
-                <a16:creationId xmlns:a16="http://schemas.microsoft.com/office/drawing/2014/main" id="{9BFABAEA-6E0E-401D-9AC6-0BE4A0ECDF8C}"/>
+                <a16:creationId xmlns:a16="http://schemas.microsoft.com/office/drawing/2014/main" id="{C7B1C1D1-DDE1-483D-A51B-1D519120147A}"/>
               </a:ext>
             </a:extLst>
           </p:cNvPr>
-          <p:cNvSpPr/>
+          <p:cNvSpPr>
+            <a:spLocks noChangeAspect="1"/>
+          </p:cNvSpPr>
           <p:nvPr/>
         </p:nvSpPr>
         <p:spPr>
-          <a:xfrm rot="5400000">
-            <a:off x="7379550" y="4600942"/>
-            <a:ext cx="692459" cy="598977"/>
+          <a:xfrm>
+            <a:off x="9036906" y="5650667"/>
+            <a:ext cx="317133" cy="274320"/>
           </a:xfrm>
           <a:prstGeom prst="hexagon">
             <a:avLst>
-              <a:gd name="adj" fmla="val 33081"/>
+              <a:gd name="adj" fmla="val 30112"/>
               <a:gd name="vf" fmla="val 115470"/>
             </a:avLst>
           </a:prstGeom>
@@ -13002,24 +10092,26 @@
       </p:sp>
       <p:sp>
         <p:nvSpPr>
-          <p:cNvPr id="131" name="Hexagon 130">
+          <p:cNvPr id="80" name="Hexagon 79">
             <a:extLst>
               <a:ext uri="{FF2B5EF4-FFF2-40B4-BE49-F238E27FC236}">
-                <a16:creationId xmlns:a16="http://schemas.microsoft.com/office/drawing/2014/main" id="{092D1D26-560B-45B8-9AE4-92D92A05ACA9}"/>
+                <a16:creationId xmlns:a16="http://schemas.microsoft.com/office/drawing/2014/main" id="{E5ACEA4E-79FB-456C-85EB-6329A003EA08}"/>
               </a:ext>
             </a:extLst>
           </p:cNvPr>
-          <p:cNvSpPr/>
+          <p:cNvSpPr>
+            <a:spLocks noChangeAspect="1"/>
+          </p:cNvSpPr>
           <p:nvPr/>
         </p:nvSpPr>
         <p:spPr>
-          <a:xfrm rot="5400000">
-            <a:off x="6780571" y="4600941"/>
-            <a:ext cx="692459" cy="598977"/>
+          <a:xfrm>
+            <a:off x="9274888" y="5790393"/>
+            <a:ext cx="317133" cy="274320"/>
           </a:xfrm>
           <a:prstGeom prst="hexagon">
             <a:avLst>
-              <a:gd name="adj" fmla="val 33081"/>
+              <a:gd name="adj" fmla="val 30112"/>
               <a:gd name="vf" fmla="val 115470"/>
             </a:avLst>
           </a:prstGeom>
@@ -13056,24 +10148,26 @@
       </p:sp>
       <p:sp>
         <p:nvSpPr>
-          <p:cNvPr id="132" name="Hexagon 131">
+          <p:cNvPr id="81" name="Hexagon 80">
             <a:extLst>
               <a:ext uri="{FF2B5EF4-FFF2-40B4-BE49-F238E27FC236}">
-                <a16:creationId xmlns:a16="http://schemas.microsoft.com/office/drawing/2014/main" id="{00589750-B621-487F-BC15-EB2123A9CC72}"/>
+                <a16:creationId xmlns:a16="http://schemas.microsoft.com/office/drawing/2014/main" id="{B9AFF104-935D-40A7-92DC-4D579253AEF0}"/>
               </a:ext>
             </a:extLst>
           </p:cNvPr>
-          <p:cNvSpPr/>
+          <p:cNvSpPr>
+            <a:spLocks noChangeAspect="1"/>
+          </p:cNvSpPr>
           <p:nvPr/>
         </p:nvSpPr>
         <p:spPr>
-          <a:xfrm rot="5400000">
-            <a:off x="6481083" y="4109686"/>
-            <a:ext cx="692459" cy="598977"/>
+          <a:xfrm>
+            <a:off x="9511152" y="5651950"/>
+            <a:ext cx="317133" cy="274320"/>
           </a:xfrm>
           <a:prstGeom prst="hexagon">
             <a:avLst>
-              <a:gd name="adj" fmla="val 33081"/>
+              <a:gd name="adj" fmla="val 30112"/>
               <a:gd name="vf" fmla="val 115470"/>
             </a:avLst>
           </a:prstGeom>
@@ -13108,39 +10202,2514 @@
           </a:p>
         </p:txBody>
       </p:sp>
-      <p:sp>
-        <p:nvSpPr>
-          <p:cNvPr id="134" name="Hexagon 133">
+      <p:grpSp>
+        <p:nvGrpSpPr>
+          <p:cNvPr id="89" name="Group 88">
             <a:extLst>
               <a:ext uri="{FF2B5EF4-FFF2-40B4-BE49-F238E27FC236}">
-                <a16:creationId xmlns:a16="http://schemas.microsoft.com/office/drawing/2014/main" id="{7EA7475E-499C-43DD-AC4A-51539B010BC0}"/>
+                <a16:creationId xmlns:a16="http://schemas.microsoft.com/office/drawing/2014/main" id="{6CB00EE3-9885-4D54-BCF9-174F7E5C3D05}"/>
               </a:ext>
             </a:extLst>
           </p:cNvPr>
-          <p:cNvSpPr/>
+          <p:cNvGrpSpPr/>
           <p:nvPr/>
+        </p:nvGrpSpPr>
+        <p:grpSpPr>
+          <a:xfrm>
+            <a:off x="2057005" y="2821274"/>
+            <a:ext cx="791872" cy="820394"/>
+            <a:chOff x="6228921" y="5307334"/>
+            <a:chExt cx="791872" cy="820394"/>
+          </a:xfrm>
+        </p:grpSpPr>
+        <p:sp>
+          <p:nvSpPr>
+            <p:cNvPr id="82" name="Hexagon 81">
+              <a:extLst>
+                <a:ext uri="{FF2B5EF4-FFF2-40B4-BE49-F238E27FC236}">
+                  <a16:creationId xmlns:a16="http://schemas.microsoft.com/office/drawing/2014/main" id="{11CC4536-8FD5-4601-86DE-7772E0D6C371}"/>
+                </a:ext>
+              </a:extLst>
+            </p:cNvPr>
+            <p:cNvSpPr>
+              <a:spLocks noChangeAspect="1"/>
+            </p:cNvSpPr>
+            <p:nvPr/>
+          </p:nvSpPr>
+          <p:spPr>
+            <a:xfrm>
+              <a:off x="6228922" y="5444494"/>
+              <a:ext cx="317133" cy="274320"/>
+            </a:xfrm>
+            <a:prstGeom prst="hexagon">
+              <a:avLst>
+                <a:gd name="adj" fmla="val 30112"/>
+                <a:gd name="vf" fmla="val 115470"/>
+              </a:avLst>
+            </a:prstGeom>
+            <a:solidFill>
+              <a:schemeClr val="accent4">
+                <a:alpha val="50000"/>
+              </a:schemeClr>
+            </a:solidFill>
+          </p:spPr>
+          <p:style>
+            <a:lnRef idx="2">
+              <a:schemeClr val="accent4">
+                <a:shade val="50000"/>
+              </a:schemeClr>
+            </a:lnRef>
+            <a:fillRef idx="1">
+              <a:schemeClr val="accent4"/>
+            </a:fillRef>
+            <a:effectRef idx="0">
+              <a:schemeClr val="accent4"/>
+            </a:effectRef>
+            <a:fontRef idx="minor">
+              <a:schemeClr val="lt1"/>
+            </a:fontRef>
+          </p:style>
+          <p:txBody>
+            <a:bodyPr rtlCol="0" anchor="ctr"/>
+            <a:lstStyle/>
+            <a:p>
+              <a:pPr algn="ctr"/>
+              <a:endParaRPr lang="en-US"/>
+            </a:p>
+          </p:txBody>
+        </p:sp>
+        <p:sp>
+          <p:nvSpPr>
+            <p:cNvPr id="83" name="Hexagon 82">
+              <a:extLst>
+                <a:ext uri="{FF2B5EF4-FFF2-40B4-BE49-F238E27FC236}">
+                  <a16:creationId xmlns:a16="http://schemas.microsoft.com/office/drawing/2014/main" id="{52FE3E4D-B648-46B0-BA64-06D96F480DD7}"/>
+                </a:ext>
+              </a:extLst>
+            </p:cNvPr>
+            <p:cNvSpPr>
+              <a:spLocks noChangeAspect="1"/>
+            </p:cNvSpPr>
+            <p:nvPr/>
+          </p:nvSpPr>
+          <p:spPr>
+            <a:xfrm>
+              <a:off x="6467275" y="5307334"/>
+              <a:ext cx="317133" cy="274320"/>
+            </a:xfrm>
+            <a:prstGeom prst="hexagon">
+              <a:avLst>
+                <a:gd name="adj" fmla="val 30112"/>
+                <a:gd name="vf" fmla="val 115470"/>
+              </a:avLst>
+            </a:prstGeom>
+            <a:solidFill>
+              <a:schemeClr val="accent4">
+                <a:alpha val="50000"/>
+              </a:schemeClr>
+            </a:solidFill>
+          </p:spPr>
+          <p:style>
+            <a:lnRef idx="2">
+              <a:schemeClr val="accent4">
+                <a:shade val="50000"/>
+              </a:schemeClr>
+            </a:lnRef>
+            <a:fillRef idx="1">
+              <a:schemeClr val="accent4"/>
+            </a:fillRef>
+            <a:effectRef idx="0">
+              <a:schemeClr val="accent4"/>
+            </a:effectRef>
+            <a:fontRef idx="minor">
+              <a:schemeClr val="lt1"/>
+            </a:fontRef>
+          </p:style>
+          <p:txBody>
+            <a:bodyPr rtlCol="0" anchor="ctr"/>
+            <a:lstStyle/>
+            <a:p>
+              <a:pPr algn="ctr"/>
+              <a:endParaRPr lang="en-US"/>
+            </a:p>
+          </p:txBody>
+        </p:sp>
+        <p:sp>
+          <p:nvSpPr>
+            <p:cNvPr id="84" name="Hexagon 83">
+              <a:extLst>
+                <a:ext uri="{FF2B5EF4-FFF2-40B4-BE49-F238E27FC236}">
+                  <a16:creationId xmlns:a16="http://schemas.microsoft.com/office/drawing/2014/main" id="{5E0AB86E-EDEF-4CDB-86EF-CEADF947AFED}"/>
+                </a:ext>
+              </a:extLst>
+            </p:cNvPr>
+            <p:cNvSpPr>
+              <a:spLocks noChangeAspect="1"/>
+            </p:cNvSpPr>
+            <p:nvPr/>
+          </p:nvSpPr>
+          <p:spPr>
+            <a:xfrm>
+              <a:off x="6703660" y="5445777"/>
+              <a:ext cx="317133" cy="274320"/>
+            </a:xfrm>
+            <a:prstGeom prst="hexagon">
+              <a:avLst>
+                <a:gd name="adj" fmla="val 30112"/>
+                <a:gd name="vf" fmla="val 115470"/>
+              </a:avLst>
+            </a:prstGeom>
+            <a:solidFill>
+              <a:schemeClr val="accent4">
+                <a:alpha val="50000"/>
+              </a:schemeClr>
+            </a:solidFill>
+          </p:spPr>
+          <p:style>
+            <a:lnRef idx="2">
+              <a:schemeClr val="accent4">
+                <a:shade val="50000"/>
+              </a:schemeClr>
+            </a:lnRef>
+            <a:fillRef idx="1">
+              <a:schemeClr val="accent4"/>
+            </a:fillRef>
+            <a:effectRef idx="0">
+              <a:schemeClr val="accent4"/>
+            </a:effectRef>
+            <a:fontRef idx="minor">
+              <a:schemeClr val="lt1"/>
+            </a:fontRef>
+          </p:style>
+          <p:txBody>
+            <a:bodyPr rtlCol="0" anchor="ctr"/>
+            <a:lstStyle/>
+            <a:p>
+              <a:pPr algn="ctr"/>
+              <a:endParaRPr lang="en-US"/>
+            </a:p>
+          </p:txBody>
+        </p:sp>
+        <p:sp>
+          <p:nvSpPr>
+            <p:cNvPr id="85" name="Hexagon 84">
+              <a:extLst>
+                <a:ext uri="{FF2B5EF4-FFF2-40B4-BE49-F238E27FC236}">
+                  <a16:creationId xmlns:a16="http://schemas.microsoft.com/office/drawing/2014/main" id="{C3C84822-F732-45CC-8688-022090F84E84}"/>
+                </a:ext>
+              </a:extLst>
+            </p:cNvPr>
+            <p:cNvSpPr>
+              <a:spLocks noChangeAspect="1"/>
+            </p:cNvSpPr>
+            <p:nvPr/>
+          </p:nvSpPr>
+          <p:spPr>
+            <a:xfrm>
+              <a:off x="6466291" y="5581654"/>
+              <a:ext cx="317133" cy="274320"/>
+            </a:xfrm>
+            <a:prstGeom prst="hexagon">
+              <a:avLst>
+                <a:gd name="adj" fmla="val 30112"/>
+                <a:gd name="vf" fmla="val 115470"/>
+              </a:avLst>
+            </a:prstGeom>
+            <a:solidFill>
+              <a:schemeClr val="accent4">
+                <a:alpha val="50000"/>
+              </a:schemeClr>
+            </a:solidFill>
+          </p:spPr>
+          <p:style>
+            <a:lnRef idx="2">
+              <a:schemeClr val="accent4">
+                <a:shade val="50000"/>
+              </a:schemeClr>
+            </a:lnRef>
+            <a:fillRef idx="1">
+              <a:schemeClr val="accent4"/>
+            </a:fillRef>
+            <a:effectRef idx="0">
+              <a:schemeClr val="accent4"/>
+            </a:effectRef>
+            <a:fontRef idx="minor">
+              <a:schemeClr val="lt1"/>
+            </a:fontRef>
+          </p:style>
+          <p:txBody>
+            <a:bodyPr rtlCol="0" anchor="ctr"/>
+            <a:lstStyle/>
+            <a:p>
+              <a:pPr algn="ctr"/>
+              <a:endParaRPr lang="en-US"/>
+            </a:p>
+          </p:txBody>
+        </p:sp>
+        <p:sp>
+          <p:nvSpPr>
+            <p:cNvPr id="86" name="Hexagon 85">
+              <a:extLst>
+                <a:ext uri="{FF2B5EF4-FFF2-40B4-BE49-F238E27FC236}">
+                  <a16:creationId xmlns:a16="http://schemas.microsoft.com/office/drawing/2014/main" id="{317D738C-5414-4D7A-BCD8-2FC9A11F0412}"/>
+                </a:ext>
+              </a:extLst>
+            </p:cNvPr>
+            <p:cNvSpPr>
+              <a:spLocks noChangeAspect="1"/>
+            </p:cNvSpPr>
+            <p:nvPr/>
+          </p:nvSpPr>
+          <p:spPr>
+            <a:xfrm>
+              <a:off x="6228921" y="5713682"/>
+              <a:ext cx="317133" cy="274320"/>
+            </a:xfrm>
+            <a:prstGeom prst="hexagon">
+              <a:avLst>
+                <a:gd name="adj" fmla="val 30112"/>
+                <a:gd name="vf" fmla="val 115470"/>
+              </a:avLst>
+            </a:prstGeom>
+            <a:solidFill>
+              <a:schemeClr val="accent4">
+                <a:alpha val="50000"/>
+              </a:schemeClr>
+            </a:solidFill>
+          </p:spPr>
+          <p:style>
+            <a:lnRef idx="2">
+              <a:schemeClr val="accent4">
+                <a:shade val="50000"/>
+              </a:schemeClr>
+            </a:lnRef>
+            <a:fillRef idx="1">
+              <a:schemeClr val="accent4"/>
+            </a:fillRef>
+            <a:effectRef idx="0">
+              <a:schemeClr val="accent4"/>
+            </a:effectRef>
+            <a:fontRef idx="minor">
+              <a:schemeClr val="lt1"/>
+            </a:fontRef>
+          </p:style>
+          <p:txBody>
+            <a:bodyPr rtlCol="0" anchor="ctr"/>
+            <a:lstStyle/>
+            <a:p>
+              <a:pPr algn="ctr"/>
+              <a:endParaRPr lang="en-US"/>
+            </a:p>
+          </p:txBody>
+        </p:sp>
+        <p:sp>
+          <p:nvSpPr>
+            <p:cNvPr id="87" name="Hexagon 86">
+              <a:extLst>
+                <a:ext uri="{FF2B5EF4-FFF2-40B4-BE49-F238E27FC236}">
+                  <a16:creationId xmlns:a16="http://schemas.microsoft.com/office/drawing/2014/main" id="{6FA18376-6162-47E2-95F7-EAE75865DA58}"/>
+                </a:ext>
+              </a:extLst>
+            </p:cNvPr>
+            <p:cNvSpPr>
+              <a:spLocks noChangeAspect="1"/>
+            </p:cNvSpPr>
+            <p:nvPr/>
+          </p:nvSpPr>
+          <p:spPr>
+            <a:xfrm>
+              <a:off x="6466903" y="5853408"/>
+              <a:ext cx="317133" cy="274320"/>
+            </a:xfrm>
+            <a:prstGeom prst="hexagon">
+              <a:avLst>
+                <a:gd name="adj" fmla="val 30112"/>
+                <a:gd name="vf" fmla="val 115470"/>
+              </a:avLst>
+            </a:prstGeom>
+            <a:solidFill>
+              <a:schemeClr val="accent4">
+                <a:alpha val="50000"/>
+              </a:schemeClr>
+            </a:solidFill>
+          </p:spPr>
+          <p:style>
+            <a:lnRef idx="2">
+              <a:schemeClr val="accent4">
+                <a:shade val="50000"/>
+              </a:schemeClr>
+            </a:lnRef>
+            <a:fillRef idx="1">
+              <a:schemeClr val="accent4"/>
+            </a:fillRef>
+            <a:effectRef idx="0">
+              <a:schemeClr val="accent4"/>
+            </a:effectRef>
+            <a:fontRef idx="minor">
+              <a:schemeClr val="lt1"/>
+            </a:fontRef>
+          </p:style>
+          <p:txBody>
+            <a:bodyPr rtlCol="0" anchor="ctr"/>
+            <a:lstStyle/>
+            <a:p>
+              <a:pPr algn="ctr"/>
+              <a:endParaRPr lang="en-US"/>
+            </a:p>
+          </p:txBody>
+        </p:sp>
+        <p:sp>
+          <p:nvSpPr>
+            <p:cNvPr id="88" name="Hexagon 87">
+              <a:extLst>
+                <a:ext uri="{FF2B5EF4-FFF2-40B4-BE49-F238E27FC236}">
+                  <a16:creationId xmlns:a16="http://schemas.microsoft.com/office/drawing/2014/main" id="{13538D13-38EC-4B07-8116-4980C4C80870}"/>
+                </a:ext>
+              </a:extLst>
+            </p:cNvPr>
+            <p:cNvSpPr>
+              <a:spLocks noChangeAspect="1"/>
+            </p:cNvSpPr>
+            <p:nvPr/>
+          </p:nvSpPr>
+          <p:spPr>
+            <a:xfrm>
+              <a:off x="6703167" y="5714965"/>
+              <a:ext cx="317133" cy="274320"/>
+            </a:xfrm>
+            <a:prstGeom prst="hexagon">
+              <a:avLst>
+                <a:gd name="adj" fmla="val 30112"/>
+                <a:gd name="vf" fmla="val 115470"/>
+              </a:avLst>
+            </a:prstGeom>
+            <a:solidFill>
+              <a:schemeClr val="accent4">
+                <a:alpha val="50000"/>
+              </a:schemeClr>
+            </a:solidFill>
+          </p:spPr>
+          <p:style>
+            <a:lnRef idx="2">
+              <a:schemeClr val="accent4">
+                <a:shade val="50000"/>
+              </a:schemeClr>
+            </a:lnRef>
+            <a:fillRef idx="1">
+              <a:schemeClr val="accent4"/>
+            </a:fillRef>
+            <a:effectRef idx="0">
+              <a:schemeClr val="accent4"/>
+            </a:effectRef>
+            <a:fontRef idx="minor">
+              <a:schemeClr val="lt1"/>
+            </a:fontRef>
+          </p:style>
+          <p:txBody>
+            <a:bodyPr rtlCol="0" anchor="ctr"/>
+            <a:lstStyle/>
+            <a:p>
+              <a:pPr algn="ctr"/>
+              <a:endParaRPr lang="en-US"/>
+            </a:p>
+          </p:txBody>
+        </p:sp>
+      </p:grpSp>
+      <p:grpSp>
+        <p:nvGrpSpPr>
+          <p:cNvPr id="90" name="Group 89">
+            <a:extLst>
+              <a:ext uri="{FF2B5EF4-FFF2-40B4-BE49-F238E27FC236}">
+                <a16:creationId xmlns:a16="http://schemas.microsoft.com/office/drawing/2014/main" id="{B017A173-C43F-4321-82EC-50CE4869A8CE}"/>
+              </a:ext>
+            </a:extLst>
+          </p:cNvPr>
+          <p:cNvGrpSpPr/>
+          <p:nvPr/>
+        </p:nvGrpSpPr>
+        <p:grpSpPr>
+          <a:xfrm>
+            <a:off x="2607698" y="3381545"/>
+            <a:ext cx="791872" cy="820394"/>
+            <a:chOff x="6228921" y="5307334"/>
+            <a:chExt cx="791872" cy="820394"/>
+          </a:xfrm>
+        </p:grpSpPr>
+        <p:sp>
+          <p:nvSpPr>
+            <p:cNvPr id="91" name="Hexagon 90">
+              <a:extLst>
+                <a:ext uri="{FF2B5EF4-FFF2-40B4-BE49-F238E27FC236}">
+                  <a16:creationId xmlns:a16="http://schemas.microsoft.com/office/drawing/2014/main" id="{08D032E8-DCE2-411C-B390-A7825AE4EE3A}"/>
+                </a:ext>
+              </a:extLst>
+            </p:cNvPr>
+            <p:cNvSpPr>
+              <a:spLocks noChangeAspect="1"/>
+            </p:cNvSpPr>
+            <p:nvPr/>
+          </p:nvSpPr>
+          <p:spPr>
+            <a:xfrm>
+              <a:off x="6228922" y="5444494"/>
+              <a:ext cx="317133" cy="274320"/>
+            </a:xfrm>
+            <a:prstGeom prst="hexagon">
+              <a:avLst>
+                <a:gd name="adj" fmla="val 30112"/>
+                <a:gd name="vf" fmla="val 115470"/>
+              </a:avLst>
+            </a:prstGeom>
+            <a:solidFill>
+              <a:schemeClr val="accent4">
+                <a:alpha val="50000"/>
+              </a:schemeClr>
+            </a:solidFill>
+          </p:spPr>
+          <p:style>
+            <a:lnRef idx="2">
+              <a:schemeClr val="accent4">
+                <a:shade val="50000"/>
+              </a:schemeClr>
+            </a:lnRef>
+            <a:fillRef idx="1">
+              <a:schemeClr val="accent4"/>
+            </a:fillRef>
+            <a:effectRef idx="0">
+              <a:schemeClr val="accent4"/>
+            </a:effectRef>
+            <a:fontRef idx="minor">
+              <a:schemeClr val="lt1"/>
+            </a:fontRef>
+          </p:style>
+          <p:txBody>
+            <a:bodyPr rtlCol="0" anchor="ctr"/>
+            <a:lstStyle/>
+            <a:p>
+              <a:pPr algn="ctr"/>
+              <a:endParaRPr lang="en-US"/>
+            </a:p>
+          </p:txBody>
+        </p:sp>
+        <p:sp>
+          <p:nvSpPr>
+            <p:cNvPr id="92" name="Hexagon 91">
+              <a:extLst>
+                <a:ext uri="{FF2B5EF4-FFF2-40B4-BE49-F238E27FC236}">
+                  <a16:creationId xmlns:a16="http://schemas.microsoft.com/office/drawing/2014/main" id="{74EF4C9D-207D-46D1-A6D9-1AE1981571E4}"/>
+                </a:ext>
+              </a:extLst>
+            </p:cNvPr>
+            <p:cNvSpPr>
+              <a:spLocks noChangeAspect="1"/>
+            </p:cNvSpPr>
+            <p:nvPr/>
+          </p:nvSpPr>
+          <p:spPr>
+            <a:xfrm>
+              <a:off x="6467275" y="5307334"/>
+              <a:ext cx="317133" cy="274320"/>
+            </a:xfrm>
+            <a:prstGeom prst="hexagon">
+              <a:avLst>
+                <a:gd name="adj" fmla="val 30112"/>
+                <a:gd name="vf" fmla="val 115470"/>
+              </a:avLst>
+            </a:prstGeom>
+            <a:solidFill>
+              <a:schemeClr val="accent4">
+                <a:alpha val="50000"/>
+              </a:schemeClr>
+            </a:solidFill>
+          </p:spPr>
+          <p:style>
+            <a:lnRef idx="2">
+              <a:schemeClr val="accent4">
+                <a:shade val="50000"/>
+              </a:schemeClr>
+            </a:lnRef>
+            <a:fillRef idx="1">
+              <a:schemeClr val="accent4"/>
+            </a:fillRef>
+            <a:effectRef idx="0">
+              <a:schemeClr val="accent4"/>
+            </a:effectRef>
+            <a:fontRef idx="minor">
+              <a:schemeClr val="lt1"/>
+            </a:fontRef>
+          </p:style>
+          <p:txBody>
+            <a:bodyPr rtlCol="0" anchor="ctr"/>
+            <a:lstStyle/>
+            <a:p>
+              <a:pPr algn="ctr"/>
+              <a:endParaRPr lang="en-US"/>
+            </a:p>
+          </p:txBody>
+        </p:sp>
+        <p:sp>
+          <p:nvSpPr>
+            <p:cNvPr id="93" name="Hexagon 92">
+              <a:extLst>
+                <a:ext uri="{FF2B5EF4-FFF2-40B4-BE49-F238E27FC236}">
+                  <a16:creationId xmlns:a16="http://schemas.microsoft.com/office/drawing/2014/main" id="{F8C4FC7F-5A63-432B-8EB5-E1B017388373}"/>
+                </a:ext>
+              </a:extLst>
+            </p:cNvPr>
+            <p:cNvSpPr>
+              <a:spLocks noChangeAspect="1"/>
+            </p:cNvSpPr>
+            <p:nvPr/>
+          </p:nvSpPr>
+          <p:spPr>
+            <a:xfrm>
+              <a:off x="6703660" y="5445777"/>
+              <a:ext cx="317133" cy="274320"/>
+            </a:xfrm>
+            <a:prstGeom prst="hexagon">
+              <a:avLst>
+                <a:gd name="adj" fmla="val 30112"/>
+                <a:gd name="vf" fmla="val 115470"/>
+              </a:avLst>
+            </a:prstGeom>
+            <a:solidFill>
+              <a:schemeClr val="accent4">
+                <a:alpha val="50000"/>
+              </a:schemeClr>
+            </a:solidFill>
+          </p:spPr>
+          <p:style>
+            <a:lnRef idx="2">
+              <a:schemeClr val="accent4">
+                <a:shade val="50000"/>
+              </a:schemeClr>
+            </a:lnRef>
+            <a:fillRef idx="1">
+              <a:schemeClr val="accent4"/>
+            </a:fillRef>
+            <a:effectRef idx="0">
+              <a:schemeClr val="accent4"/>
+            </a:effectRef>
+            <a:fontRef idx="minor">
+              <a:schemeClr val="lt1"/>
+            </a:fontRef>
+          </p:style>
+          <p:txBody>
+            <a:bodyPr rtlCol="0" anchor="ctr"/>
+            <a:lstStyle/>
+            <a:p>
+              <a:pPr algn="ctr"/>
+              <a:endParaRPr lang="en-US"/>
+            </a:p>
+          </p:txBody>
+        </p:sp>
+        <p:sp>
+          <p:nvSpPr>
+            <p:cNvPr id="94" name="Hexagon 93">
+              <a:extLst>
+                <a:ext uri="{FF2B5EF4-FFF2-40B4-BE49-F238E27FC236}">
+                  <a16:creationId xmlns:a16="http://schemas.microsoft.com/office/drawing/2014/main" id="{BECE1E8E-EFB9-4901-A923-AE9E4180418E}"/>
+                </a:ext>
+              </a:extLst>
+            </p:cNvPr>
+            <p:cNvSpPr>
+              <a:spLocks noChangeAspect="1"/>
+            </p:cNvSpPr>
+            <p:nvPr/>
+          </p:nvSpPr>
+          <p:spPr>
+            <a:xfrm>
+              <a:off x="6466291" y="5581654"/>
+              <a:ext cx="317133" cy="274320"/>
+            </a:xfrm>
+            <a:prstGeom prst="hexagon">
+              <a:avLst>
+                <a:gd name="adj" fmla="val 30112"/>
+                <a:gd name="vf" fmla="val 115470"/>
+              </a:avLst>
+            </a:prstGeom>
+            <a:solidFill>
+              <a:schemeClr val="accent4">
+                <a:alpha val="50000"/>
+              </a:schemeClr>
+            </a:solidFill>
+          </p:spPr>
+          <p:style>
+            <a:lnRef idx="2">
+              <a:schemeClr val="accent4">
+                <a:shade val="50000"/>
+              </a:schemeClr>
+            </a:lnRef>
+            <a:fillRef idx="1">
+              <a:schemeClr val="accent4"/>
+            </a:fillRef>
+            <a:effectRef idx="0">
+              <a:schemeClr val="accent4"/>
+            </a:effectRef>
+            <a:fontRef idx="minor">
+              <a:schemeClr val="lt1"/>
+            </a:fontRef>
+          </p:style>
+          <p:txBody>
+            <a:bodyPr rtlCol="0" anchor="ctr"/>
+            <a:lstStyle/>
+            <a:p>
+              <a:pPr algn="ctr"/>
+              <a:endParaRPr lang="en-US"/>
+            </a:p>
+          </p:txBody>
+        </p:sp>
+        <p:sp>
+          <p:nvSpPr>
+            <p:cNvPr id="95" name="Hexagon 94">
+              <a:extLst>
+                <a:ext uri="{FF2B5EF4-FFF2-40B4-BE49-F238E27FC236}">
+                  <a16:creationId xmlns:a16="http://schemas.microsoft.com/office/drawing/2014/main" id="{E413B2F4-4A5D-4A2D-AE9B-EC306CD9CE59}"/>
+                </a:ext>
+              </a:extLst>
+            </p:cNvPr>
+            <p:cNvSpPr>
+              <a:spLocks noChangeAspect="1"/>
+            </p:cNvSpPr>
+            <p:nvPr/>
+          </p:nvSpPr>
+          <p:spPr>
+            <a:xfrm>
+              <a:off x="6228921" y="5713682"/>
+              <a:ext cx="317133" cy="274320"/>
+            </a:xfrm>
+            <a:prstGeom prst="hexagon">
+              <a:avLst>
+                <a:gd name="adj" fmla="val 30112"/>
+                <a:gd name="vf" fmla="val 115470"/>
+              </a:avLst>
+            </a:prstGeom>
+            <a:solidFill>
+              <a:schemeClr val="accent4">
+                <a:alpha val="50000"/>
+              </a:schemeClr>
+            </a:solidFill>
+          </p:spPr>
+          <p:style>
+            <a:lnRef idx="2">
+              <a:schemeClr val="accent4">
+                <a:shade val="50000"/>
+              </a:schemeClr>
+            </a:lnRef>
+            <a:fillRef idx="1">
+              <a:schemeClr val="accent4"/>
+            </a:fillRef>
+            <a:effectRef idx="0">
+              <a:schemeClr val="accent4"/>
+            </a:effectRef>
+            <a:fontRef idx="minor">
+              <a:schemeClr val="lt1"/>
+            </a:fontRef>
+          </p:style>
+          <p:txBody>
+            <a:bodyPr rtlCol="0" anchor="ctr"/>
+            <a:lstStyle/>
+            <a:p>
+              <a:pPr algn="ctr"/>
+              <a:endParaRPr lang="en-US"/>
+            </a:p>
+          </p:txBody>
+        </p:sp>
+        <p:sp>
+          <p:nvSpPr>
+            <p:cNvPr id="96" name="Hexagon 95">
+              <a:extLst>
+                <a:ext uri="{FF2B5EF4-FFF2-40B4-BE49-F238E27FC236}">
+                  <a16:creationId xmlns:a16="http://schemas.microsoft.com/office/drawing/2014/main" id="{3479791D-F40A-4C18-92B5-9CD127C7BDA4}"/>
+                </a:ext>
+              </a:extLst>
+            </p:cNvPr>
+            <p:cNvSpPr>
+              <a:spLocks noChangeAspect="1"/>
+            </p:cNvSpPr>
+            <p:nvPr/>
+          </p:nvSpPr>
+          <p:spPr>
+            <a:xfrm>
+              <a:off x="6466903" y="5853408"/>
+              <a:ext cx="317133" cy="274320"/>
+            </a:xfrm>
+            <a:prstGeom prst="hexagon">
+              <a:avLst>
+                <a:gd name="adj" fmla="val 30112"/>
+                <a:gd name="vf" fmla="val 115470"/>
+              </a:avLst>
+            </a:prstGeom>
+            <a:solidFill>
+              <a:schemeClr val="accent4">
+                <a:alpha val="50000"/>
+              </a:schemeClr>
+            </a:solidFill>
+          </p:spPr>
+          <p:style>
+            <a:lnRef idx="2">
+              <a:schemeClr val="accent4">
+                <a:shade val="50000"/>
+              </a:schemeClr>
+            </a:lnRef>
+            <a:fillRef idx="1">
+              <a:schemeClr val="accent4"/>
+            </a:fillRef>
+            <a:effectRef idx="0">
+              <a:schemeClr val="accent4"/>
+            </a:effectRef>
+            <a:fontRef idx="minor">
+              <a:schemeClr val="lt1"/>
+            </a:fontRef>
+          </p:style>
+          <p:txBody>
+            <a:bodyPr rtlCol="0" anchor="ctr"/>
+            <a:lstStyle/>
+            <a:p>
+              <a:pPr algn="ctr"/>
+              <a:endParaRPr lang="en-US"/>
+            </a:p>
+          </p:txBody>
+        </p:sp>
+        <p:sp>
+          <p:nvSpPr>
+            <p:cNvPr id="97" name="Hexagon 96">
+              <a:extLst>
+                <a:ext uri="{FF2B5EF4-FFF2-40B4-BE49-F238E27FC236}">
+                  <a16:creationId xmlns:a16="http://schemas.microsoft.com/office/drawing/2014/main" id="{6C91A0CB-9654-44AA-BFCF-FEF6549E9771}"/>
+                </a:ext>
+              </a:extLst>
+            </p:cNvPr>
+            <p:cNvSpPr>
+              <a:spLocks noChangeAspect="1"/>
+            </p:cNvSpPr>
+            <p:nvPr/>
+          </p:nvSpPr>
+          <p:spPr>
+            <a:xfrm>
+              <a:off x="6703167" y="5714965"/>
+              <a:ext cx="317133" cy="274320"/>
+            </a:xfrm>
+            <a:prstGeom prst="hexagon">
+              <a:avLst>
+                <a:gd name="adj" fmla="val 30112"/>
+                <a:gd name="vf" fmla="val 115470"/>
+              </a:avLst>
+            </a:prstGeom>
+            <a:solidFill>
+              <a:schemeClr val="accent4">
+                <a:alpha val="50000"/>
+              </a:schemeClr>
+            </a:solidFill>
+          </p:spPr>
+          <p:style>
+            <a:lnRef idx="2">
+              <a:schemeClr val="accent4">
+                <a:shade val="50000"/>
+              </a:schemeClr>
+            </a:lnRef>
+            <a:fillRef idx="1">
+              <a:schemeClr val="accent4"/>
+            </a:fillRef>
+            <a:effectRef idx="0">
+              <a:schemeClr val="accent4"/>
+            </a:effectRef>
+            <a:fontRef idx="minor">
+              <a:schemeClr val="lt1"/>
+            </a:fontRef>
+          </p:style>
+          <p:txBody>
+            <a:bodyPr rtlCol="0" anchor="ctr"/>
+            <a:lstStyle/>
+            <a:p>
+              <a:pPr algn="ctr"/>
+              <a:endParaRPr lang="en-US"/>
+            </a:p>
+          </p:txBody>
+        </p:sp>
+      </p:grpSp>
+      <p:grpSp>
+        <p:nvGrpSpPr>
+          <p:cNvPr id="98" name="Group 97">
+            <a:extLst>
+              <a:ext uri="{FF2B5EF4-FFF2-40B4-BE49-F238E27FC236}">
+                <a16:creationId xmlns:a16="http://schemas.microsoft.com/office/drawing/2014/main" id="{227DB107-9713-442F-BE9C-B3D91DAC16CB}"/>
+              </a:ext>
+            </a:extLst>
+          </p:cNvPr>
+          <p:cNvGrpSpPr/>
+          <p:nvPr/>
+        </p:nvGrpSpPr>
+        <p:grpSpPr>
+          <a:xfrm>
+            <a:off x="3173134" y="3942426"/>
+            <a:ext cx="791872" cy="820394"/>
+            <a:chOff x="6228921" y="5307334"/>
+            <a:chExt cx="791872" cy="820394"/>
+          </a:xfrm>
+        </p:grpSpPr>
+        <p:sp>
+          <p:nvSpPr>
+            <p:cNvPr id="99" name="Hexagon 98">
+              <a:extLst>
+                <a:ext uri="{FF2B5EF4-FFF2-40B4-BE49-F238E27FC236}">
+                  <a16:creationId xmlns:a16="http://schemas.microsoft.com/office/drawing/2014/main" id="{6A67CB14-EC37-4015-9DA9-7B4A1345587C}"/>
+                </a:ext>
+              </a:extLst>
+            </p:cNvPr>
+            <p:cNvSpPr>
+              <a:spLocks noChangeAspect="1"/>
+            </p:cNvSpPr>
+            <p:nvPr/>
+          </p:nvSpPr>
+          <p:spPr>
+            <a:xfrm>
+              <a:off x="6228922" y="5444494"/>
+              <a:ext cx="317133" cy="274320"/>
+            </a:xfrm>
+            <a:prstGeom prst="hexagon">
+              <a:avLst>
+                <a:gd name="adj" fmla="val 30112"/>
+                <a:gd name="vf" fmla="val 115470"/>
+              </a:avLst>
+            </a:prstGeom>
+            <a:solidFill>
+              <a:schemeClr val="accent4">
+                <a:alpha val="50000"/>
+              </a:schemeClr>
+            </a:solidFill>
+          </p:spPr>
+          <p:style>
+            <a:lnRef idx="2">
+              <a:schemeClr val="accent4">
+                <a:shade val="50000"/>
+              </a:schemeClr>
+            </a:lnRef>
+            <a:fillRef idx="1">
+              <a:schemeClr val="accent4"/>
+            </a:fillRef>
+            <a:effectRef idx="0">
+              <a:schemeClr val="accent4"/>
+            </a:effectRef>
+            <a:fontRef idx="minor">
+              <a:schemeClr val="lt1"/>
+            </a:fontRef>
+          </p:style>
+          <p:txBody>
+            <a:bodyPr rtlCol="0" anchor="ctr"/>
+            <a:lstStyle/>
+            <a:p>
+              <a:pPr algn="ctr"/>
+              <a:endParaRPr lang="en-US"/>
+            </a:p>
+          </p:txBody>
+        </p:sp>
+        <p:sp>
+          <p:nvSpPr>
+            <p:cNvPr id="100" name="Hexagon 99">
+              <a:extLst>
+                <a:ext uri="{FF2B5EF4-FFF2-40B4-BE49-F238E27FC236}">
+                  <a16:creationId xmlns:a16="http://schemas.microsoft.com/office/drawing/2014/main" id="{0A7DBFF3-7C3D-4A89-AE7D-202D92001258}"/>
+                </a:ext>
+              </a:extLst>
+            </p:cNvPr>
+            <p:cNvSpPr>
+              <a:spLocks noChangeAspect="1"/>
+            </p:cNvSpPr>
+            <p:nvPr/>
+          </p:nvSpPr>
+          <p:spPr>
+            <a:xfrm>
+              <a:off x="6467275" y="5307334"/>
+              <a:ext cx="317133" cy="274320"/>
+            </a:xfrm>
+            <a:prstGeom prst="hexagon">
+              <a:avLst>
+                <a:gd name="adj" fmla="val 30112"/>
+                <a:gd name="vf" fmla="val 115470"/>
+              </a:avLst>
+            </a:prstGeom>
+            <a:solidFill>
+              <a:schemeClr val="accent4">
+                <a:alpha val="50000"/>
+              </a:schemeClr>
+            </a:solidFill>
+          </p:spPr>
+          <p:style>
+            <a:lnRef idx="2">
+              <a:schemeClr val="accent4">
+                <a:shade val="50000"/>
+              </a:schemeClr>
+            </a:lnRef>
+            <a:fillRef idx="1">
+              <a:schemeClr val="accent4"/>
+            </a:fillRef>
+            <a:effectRef idx="0">
+              <a:schemeClr val="accent4"/>
+            </a:effectRef>
+            <a:fontRef idx="minor">
+              <a:schemeClr val="lt1"/>
+            </a:fontRef>
+          </p:style>
+          <p:txBody>
+            <a:bodyPr rtlCol="0" anchor="ctr"/>
+            <a:lstStyle/>
+            <a:p>
+              <a:pPr algn="ctr"/>
+              <a:endParaRPr lang="en-US"/>
+            </a:p>
+          </p:txBody>
+        </p:sp>
+        <p:sp>
+          <p:nvSpPr>
+            <p:cNvPr id="101" name="Hexagon 100">
+              <a:extLst>
+                <a:ext uri="{FF2B5EF4-FFF2-40B4-BE49-F238E27FC236}">
+                  <a16:creationId xmlns:a16="http://schemas.microsoft.com/office/drawing/2014/main" id="{F2C5CB60-2D4F-4A65-93AB-13C36FF2286B}"/>
+                </a:ext>
+              </a:extLst>
+            </p:cNvPr>
+            <p:cNvSpPr>
+              <a:spLocks noChangeAspect="1"/>
+            </p:cNvSpPr>
+            <p:nvPr/>
+          </p:nvSpPr>
+          <p:spPr>
+            <a:xfrm>
+              <a:off x="6703660" y="5445777"/>
+              <a:ext cx="317133" cy="274320"/>
+            </a:xfrm>
+            <a:prstGeom prst="hexagon">
+              <a:avLst>
+                <a:gd name="adj" fmla="val 30112"/>
+                <a:gd name="vf" fmla="val 115470"/>
+              </a:avLst>
+            </a:prstGeom>
+            <a:solidFill>
+              <a:schemeClr val="accent4">
+                <a:alpha val="50000"/>
+              </a:schemeClr>
+            </a:solidFill>
+          </p:spPr>
+          <p:style>
+            <a:lnRef idx="2">
+              <a:schemeClr val="accent4">
+                <a:shade val="50000"/>
+              </a:schemeClr>
+            </a:lnRef>
+            <a:fillRef idx="1">
+              <a:schemeClr val="accent4"/>
+            </a:fillRef>
+            <a:effectRef idx="0">
+              <a:schemeClr val="accent4"/>
+            </a:effectRef>
+            <a:fontRef idx="minor">
+              <a:schemeClr val="lt1"/>
+            </a:fontRef>
+          </p:style>
+          <p:txBody>
+            <a:bodyPr rtlCol="0" anchor="ctr"/>
+            <a:lstStyle/>
+            <a:p>
+              <a:pPr algn="ctr"/>
+              <a:endParaRPr lang="en-US"/>
+            </a:p>
+          </p:txBody>
+        </p:sp>
+        <p:sp>
+          <p:nvSpPr>
+            <p:cNvPr id="102" name="Hexagon 101">
+              <a:extLst>
+                <a:ext uri="{FF2B5EF4-FFF2-40B4-BE49-F238E27FC236}">
+                  <a16:creationId xmlns:a16="http://schemas.microsoft.com/office/drawing/2014/main" id="{18208A27-6C7F-4615-90F1-095BE96920E5}"/>
+                </a:ext>
+              </a:extLst>
+            </p:cNvPr>
+            <p:cNvSpPr>
+              <a:spLocks noChangeAspect="1"/>
+            </p:cNvSpPr>
+            <p:nvPr/>
+          </p:nvSpPr>
+          <p:spPr>
+            <a:xfrm>
+              <a:off x="6466291" y="5581654"/>
+              <a:ext cx="317133" cy="274320"/>
+            </a:xfrm>
+            <a:prstGeom prst="hexagon">
+              <a:avLst>
+                <a:gd name="adj" fmla="val 30112"/>
+                <a:gd name="vf" fmla="val 115470"/>
+              </a:avLst>
+            </a:prstGeom>
+            <a:solidFill>
+              <a:schemeClr val="accent4">
+                <a:alpha val="50000"/>
+              </a:schemeClr>
+            </a:solidFill>
+          </p:spPr>
+          <p:style>
+            <a:lnRef idx="2">
+              <a:schemeClr val="accent4">
+                <a:shade val="50000"/>
+              </a:schemeClr>
+            </a:lnRef>
+            <a:fillRef idx="1">
+              <a:schemeClr val="accent4"/>
+            </a:fillRef>
+            <a:effectRef idx="0">
+              <a:schemeClr val="accent4"/>
+            </a:effectRef>
+            <a:fontRef idx="minor">
+              <a:schemeClr val="lt1"/>
+            </a:fontRef>
+          </p:style>
+          <p:txBody>
+            <a:bodyPr rtlCol="0" anchor="ctr"/>
+            <a:lstStyle/>
+            <a:p>
+              <a:pPr algn="ctr"/>
+              <a:endParaRPr lang="en-US"/>
+            </a:p>
+          </p:txBody>
+        </p:sp>
+        <p:sp>
+          <p:nvSpPr>
+            <p:cNvPr id="103" name="Hexagon 102">
+              <a:extLst>
+                <a:ext uri="{FF2B5EF4-FFF2-40B4-BE49-F238E27FC236}">
+                  <a16:creationId xmlns:a16="http://schemas.microsoft.com/office/drawing/2014/main" id="{E6A41B45-BE72-41B7-8892-0F514B69FF5B}"/>
+                </a:ext>
+              </a:extLst>
+            </p:cNvPr>
+            <p:cNvSpPr>
+              <a:spLocks noChangeAspect="1"/>
+            </p:cNvSpPr>
+            <p:nvPr/>
+          </p:nvSpPr>
+          <p:spPr>
+            <a:xfrm>
+              <a:off x="6228921" y="5713682"/>
+              <a:ext cx="317133" cy="274320"/>
+            </a:xfrm>
+            <a:prstGeom prst="hexagon">
+              <a:avLst>
+                <a:gd name="adj" fmla="val 30112"/>
+                <a:gd name="vf" fmla="val 115470"/>
+              </a:avLst>
+            </a:prstGeom>
+            <a:solidFill>
+              <a:schemeClr val="accent4">
+                <a:alpha val="50000"/>
+              </a:schemeClr>
+            </a:solidFill>
+          </p:spPr>
+          <p:style>
+            <a:lnRef idx="2">
+              <a:schemeClr val="accent4">
+                <a:shade val="50000"/>
+              </a:schemeClr>
+            </a:lnRef>
+            <a:fillRef idx="1">
+              <a:schemeClr val="accent4"/>
+            </a:fillRef>
+            <a:effectRef idx="0">
+              <a:schemeClr val="accent4"/>
+            </a:effectRef>
+            <a:fontRef idx="minor">
+              <a:schemeClr val="lt1"/>
+            </a:fontRef>
+          </p:style>
+          <p:txBody>
+            <a:bodyPr rtlCol="0" anchor="ctr"/>
+            <a:lstStyle/>
+            <a:p>
+              <a:pPr algn="ctr"/>
+              <a:endParaRPr lang="en-US"/>
+            </a:p>
+          </p:txBody>
+        </p:sp>
+        <p:sp>
+          <p:nvSpPr>
+            <p:cNvPr id="104" name="Hexagon 103">
+              <a:extLst>
+                <a:ext uri="{FF2B5EF4-FFF2-40B4-BE49-F238E27FC236}">
+                  <a16:creationId xmlns:a16="http://schemas.microsoft.com/office/drawing/2014/main" id="{33B6E787-983C-43B6-8932-BB27D1514A6B}"/>
+                </a:ext>
+              </a:extLst>
+            </p:cNvPr>
+            <p:cNvSpPr>
+              <a:spLocks noChangeAspect="1"/>
+            </p:cNvSpPr>
+            <p:nvPr/>
+          </p:nvSpPr>
+          <p:spPr>
+            <a:xfrm>
+              <a:off x="6466903" y="5853408"/>
+              <a:ext cx="317133" cy="274320"/>
+            </a:xfrm>
+            <a:prstGeom prst="hexagon">
+              <a:avLst>
+                <a:gd name="adj" fmla="val 30112"/>
+                <a:gd name="vf" fmla="val 115470"/>
+              </a:avLst>
+            </a:prstGeom>
+            <a:solidFill>
+              <a:schemeClr val="accent4">
+                <a:alpha val="50000"/>
+              </a:schemeClr>
+            </a:solidFill>
+          </p:spPr>
+          <p:style>
+            <a:lnRef idx="2">
+              <a:schemeClr val="accent4">
+                <a:shade val="50000"/>
+              </a:schemeClr>
+            </a:lnRef>
+            <a:fillRef idx="1">
+              <a:schemeClr val="accent4"/>
+            </a:fillRef>
+            <a:effectRef idx="0">
+              <a:schemeClr val="accent4"/>
+            </a:effectRef>
+            <a:fontRef idx="minor">
+              <a:schemeClr val="lt1"/>
+            </a:fontRef>
+          </p:style>
+          <p:txBody>
+            <a:bodyPr rtlCol="0" anchor="ctr"/>
+            <a:lstStyle/>
+            <a:p>
+              <a:pPr algn="ctr"/>
+              <a:endParaRPr lang="en-US"/>
+            </a:p>
+          </p:txBody>
+        </p:sp>
+        <p:sp>
+          <p:nvSpPr>
+            <p:cNvPr id="105" name="Hexagon 104">
+              <a:extLst>
+                <a:ext uri="{FF2B5EF4-FFF2-40B4-BE49-F238E27FC236}">
+                  <a16:creationId xmlns:a16="http://schemas.microsoft.com/office/drawing/2014/main" id="{AF558ADF-BDB4-44FB-822C-40146A9058E1}"/>
+                </a:ext>
+              </a:extLst>
+            </p:cNvPr>
+            <p:cNvSpPr>
+              <a:spLocks noChangeAspect="1"/>
+            </p:cNvSpPr>
+            <p:nvPr/>
+          </p:nvSpPr>
+          <p:spPr>
+            <a:xfrm>
+              <a:off x="6703167" y="5714965"/>
+              <a:ext cx="317133" cy="274320"/>
+            </a:xfrm>
+            <a:prstGeom prst="hexagon">
+              <a:avLst>
+                <a:gd name="adj" fmla="val 30112"/>
+                <a:gd name="vf" fmla="val 115470"/>
+              </a:avLst>
+            </a:prstGeom>
+            <a:solidFill>
+              <a:schemeClr val="accent4">
+                <a:alpha val="50000"/>
+              </a:schemeClr>
+            </a:solidFill>
+          </p:spPr>
+          <p:style>
+            <a:lnRef idx="2">
+              <a:schemeClr val="accent4">
+                <a:shade val="50000"/>
+              </a:schemeClr>
+            </a:lnRef>
+            <a:fillRef idx="1">
+              <a:schemeClr val="accent4"/>
+            </a:fillRef>
+            <a:effectRef idx="0">
+              <a:schemeClr val="accent4"/>
+            </a:effectRef>
+            <a:fontRef idx="minor">
+              <a:schemeClr val="lt1"/>
+            </a:fontRef>
+          </p:style>
+          <p:txBody>
+            <a:bodyPr rtlCol="0" anchor="ctr"/>
+            <a:lstStyle/>
+            <a:p>
+              <a:pPr algn="ctr"/>
+              <a:endParaRPr lang="en-US"/>
+            </a:p>
+          </p:txBody>
+        </p:sp>
+      </p:grpSp>
+      <p:grpSp>
+        <p:nvGrpSpPr>
+          <p:cNvPr id="114" name="Group 113">
+            <a:extLst>
+              <a:ext uri="{FF2B5EF4-FFF2-40B4-BE49-F238E27FC236}">
+                <a16:creationId xmlns:a16="http://schemas.microsoft.com/office/drawing/2014/main" id="{AAF000E6-D0E8-4414-8269-EDAA9BE5A98D}"/>
+              </a:ext>
+            </a:extLst>
+          </p:cNvPr>
+          <p:cNvGrpSpPr/>
+          <p:nvPr/>
+        </p:nvGrpSpPr>
+        <p:grpSpPr>
+          <a:xfrm>
+            <a:off x="3738323" y="3381954"/>
+            <a:ext cx="791872" cy="820394"/>
+            <a:chOff x="6228921" y="5307334"/>
+            <a:chExt cx="791872" cy="820394"/>
+          </a:xfrm>
+        </p:grpSpPr>
+        <p:sp>
+          <p:nvSpPr>
+            <p:cNvPr id="115" name="Hexagon 114">
+              <a:extLst>
+                <a:ext uri="{FF2B5EF4-FFF2-40B4-BE49-F238E27FC236}">
+                  <a16:creationId xmlns:a16="http://schemas.microsoft.com/office/drawing/2014/main" id="{74556179-B3C1-4020-BD1C-30DF319534A4}"/>
+                </a:ext>
+              </a:extLst>
+            </p:cNvPr>
+            <p:cNvSpPr>
+              <a:spLocks noChangeAspect="1"/>
+            </p:cNvSpPr>
+            <p:nvPr/>
+          </p:nvSpPr>
+          <p:spPr>
+            <a:xfrm>
+              <a:off x="6228922" y="5444494"/>
+              <a:ext cx="317133" cy="274320"/>
+            </a:xfrm>
+            <a:prstGeom prst="hexagon">
+              <a:avLst>
+                <a:gd name="adj" fmla="val 30112"/>
+                <a:gd name="vf" fmla="val 115470"/>
+              </a:avLst>
+            </a:prstGeom>
+            <a:solidFill>
+              <a:schemeClr val="accent4">
+                <a:alpha val="50000"/>
+              </a:schemeClr>
+            </a:solidFill>
+          </p:spPr>
+          <p:style>
+            <a:lnRef idx="2">
+              <a:schemeClr val="accent4">
+                <a:shade val="50000"/>
+              </a:schemeClr>
+            </a:lnRef>
+            <a:fillRef idx="1">
+              <a:schemeClr val="accent4"/>
+            </a:fillRef>
+            <a:effectRef idx="0">
+              <a:schemeClr val="accent4"/>
+            </a:effectRef>
+            <a:fontRef idx="minor">
+              <a:schemeClr val="lt1"/>
+            </a:fontRef>
+          </p:style>
+          <p:txBody>
+            <a:bodyPr rtlCol="0" anchor="ctr"/>
+            <a:lstStyle/>
+            <a:p>
+              <a:pPr algn="ctr"/>
+              <a:endParaRPr lang="en-US"/>
+            </a:p>
+          </p:txBody>
+        </p:sp>
+        <p:sp>
+          <p:nvSpPr>
+            <p:cNvPr id="116" name="Hexagon 115">
+              <a:extLst>
+                <a:ext uri="{FF2B5EF4-FFF2-40B4-BE49-F238E27FC236}">
+                  <a16:creationId xmlns:a16="http://schemas.microsoft.com/office/drawing/2014/main" id="{AFD98A75-C893-4D9D-B56D-292F5750656E}"/>
+                </a:ext>
+              </a:extLst>
+            </p:cNvPr>
+            <p:cNvSpPr>
+              <a:spLocks noChangeAspect="1"/>
+            </p:cNvSpPr>
+            <p:nvPr/>
+          </p:nvSpPr>
+          <p:spPr>
+            <a:xfrm>
+              <a:off x="6467275" y="5307334"/>
+              <a:ext cx="317133" cy="274320"/>
+            </a:xfrm>
+            <a:prstGeom prst="hexagon">
+              <a:avLst>
+                <a:gd name="adj" fmla="val 30112"/>
+                <a:gd name="vf" fmla="val 115470"/>
+              </a:avLst>
+            </a:prstGeom>
+            <a:solidFill>
+              <a:schemeClr val="accent4">
+                <a:alpha val="50000"/>
+              </a:schemeClr>
+            </a:solidFill>
+          </p:spPr>
+          <p:style>
+            <a:lnRef idx="2">
+              <a:schemeClr val="accent4">
+                <a:shade val="50000"/>
+              </a:schemeClr>
+            </a:lnRef>
+            <a:fillRef idx="1">
+              <a:schemeClr val="accent4"/>
+            </a:fillRef>
+            <a:effectRef idx="0">
+              <a:schemeClr val="accent4"/>
+            </a:effectRef>
+            <a:fontRef idx="minor">
+              <a:schemeClr val="lt1"/>
+            </a:fontRef>
+          </p:style>
+          <p:txBody>
+            <a:bodyPr rtlCol="0" anchor="ctr"/>
+            <a:lstStyle/>
+            <a:p>
+              <a:pPr algn="ctr"/>
+              <a:endParaRPr lang="en-US"/>
+            </a:p>
+          </p:txBody>
+        </p:sp>
+        <p:sp>
+          <p:nvSpPr>
+            <p:cNvPr id="117" name="Hexagon 116">
+              <a:extLst>
+                <a:ext uri="{FF2B5EF4-FFF2-40B4-BE49-F238E27FC236}">
+                  <a16:creationId xmlns:a16="http://schemas.microsoft.com/office/drawing/2014/main" id="{98C439BF-F4AE-4142-AF18-278D7639F420}"/>
+                </a:ext>
+              </a:extLst>
+            </p:cNvPr>
+            <p:cNvSpPr>
+              <a:spLocks noChangeAspect="1"/>
+            </p:cNvSpPr>
+            <p:nvPr/>
+          </p:nvSpPr>
+          <p:spPr>
+            <a:xfrm>
+              <a:off x="6703660" y="5445777"/>
+              <a:ext cx="317133" cy="274320"/>
+            </a:xfrm>
+            <a:prstGeom prst="hexagon">
+              <a:avLst>
+                <a:gd name="adj" fmla="val 30112"/>
+                <a:gd name="vf" fmla="val 115470"/>
+              </a:avLst>
+            </a:prstGeom>
+            <a:solidFill>
+              <a:schemeClr val="accent4">
+                <a:alpha val="50000"/>
+              </a:schemeClr>
+            </a:solidFill>
+          </p:spPr>
+          <p:style>
+            <a:lnRef idx="2">
+              <a:schemeClr val="accent4">
+                <a:shade val="50000"/>
+              </a:schemeClr>
+            </a:lnRef>
+            <a:fillRef idx="1">
+              <a:schemeClr val="accent4"/>
+            </a:fillRef>
+            <a:effectRef idx="0">
+              <a:schemeClr val="accent4"/>
+            </a:effectRef>
+            <a:fontRef idx="minor">
+              <a:schemeClr val="lt1"/>
+            </a:fontRef>
+          </p:style>
+          <p:txBody>
+            <a:bodyPr rtlCol="0" anchor="ctr"/>
+            <a:lstStyle/>
+            <a:p>
+              <a:pPr algn="ctr"/>
+              <a:endParaRPr lang="en-US"/>
+            </a:p>
+          </p:txBody>
+        </p:sp>
+        <p:sp>
+          <p:nvSpPr>
+            <p:cNvPr id="118" name="Hexagon 117">
+              <a:extLst>
+                <a:ext uri="{FF2B5EF4-FFF2-40B4-BE49-F238E27FC236}">
+                  <a16:creationId xmlns:a16="http://schemas.microsoft.com/office/drawing/2014/main" id="{E9B99D58-B49E-4991-A54C-11789BF0EB43}"/>
+                </a:ext>
+              </a:extLst>
+            </p:cNvPr>
+            <p:cNvSpPr>
+              <a:spLocks noChangeAspect="1"/>
+            </p:cNvSpPr>
+            <p:nvPr/>
+          </p:nvSpPr>
+          <p:spPr>
+            <a:xfrm>
+              <a:off x="6466291" y="5581654"/>
+              <a:ext cx="317133" cy="274320"/>
+            </a:xfrm>
+            <a:prstGeom prst="hexagon">
+              <a:avLst>
+                <a:gd name="adj" fmla="val 30112"/>
+                <a:gd name="vf" fmla="val 115470"/>
+              </a:avLst>
+            </a:prstGeom>
+            <a:solidFill>
+              <a:schemeClr val="accent4">
+                <a:alpha val="50000"/>
+              </a:schemeClr>
+            </a:solidFill>
+          </p:spPr>
+          <p:style>
+            <a:lnRef idx="2">
+              <a:schemeClr val="accent4">
+                <a:shade val="50000"/>
+              </a:schemeClr>
+            </a:lnRef>
+            <a:fillRef idx="1">
+              <a:schemeClr val="accent4"/>
+            </a:fillRef>
+            <a:effectRef idx="0">
+              <a:schemeClr val="accent4"/>
+            </a:effectRef>
+            <a:fontRef idx="minor">
+              <a:schemeClr val="lt1"/>
+            </a:fontRef>
+          </p:style>
+          <p:txBody>
+            <a:bodyPr rtlCol="0" anchor="ctr"/>
+            <a:lstStyle/>
+            <a:p>
+              <a:pPr algn="ctr"/>
+              <a:endParaRPr lang="en-US"/>
+            </a:p>
+          </p:txBody>
+        </p:sp>
+        <p:sp>
+          <p:nvSpPr>
+            <p:cNvPr id="119" name="Hexagon 118">
+              <a:extLst>
+                <a:ext uri="{FF2B5EF4-FFF2-40B4-BE49-F238E27FC236}">
+                  <a16:creationId xmlns:a16="http://schemas.microsoft.com/office/drawing/2014/main" id="{9E2F71E8-8FDD-4DFB-AD89-ED0FB70E0F5F}"/>
+                </a:ext>
+              </a:extLst>
+            </p:cNvPr>
+            <p:cNvSpPr>
+              <a:spLocks noChangeAspect="1"/>
+            </p:cNvSpPr>
+            <p:nvPr/>
+          </p:nvSpPr>
+          <p:spPr>
+            <a:xfrm>
+              <a:off x="6228921" y="5713682"/>
+              <a:ext cx="317133" cy="274320"/>
+            </a:xfrm>
+            <a:prstGeom prst="hexagon">
+              <a:avLst>
+                <a:gd name="adj" fmla="val 30112"/>
+                <a:gd name="vf" fmla="val 115470"/>
+              </a:avLst>
+            </a:prstGeom>
+            <a:solidFill>
+              <a:schemeClr val="accent4">
+                <a:alpha val="50000"/>
+              </a:schemeClr>
+            </a:solidFill>
+          </p:spPr>
+          <p:style>
+            <a:lnRef idx="2">
+              <a:schemeClr val="accent4">
+                <a:shade val="50000"/>
+              </a:schemeClr>
+            </a:lnRef>
+            <a:fillRef idx="1">
+              <a:schemeClr val="accent4"/>
+            </a:fillRef>
+            <a:effectRef idx="0">
+              <a:schemeClr val="accent4"/>
+            </a:effectRef>
+            <a:fontRef idx="minor">
+              <a:schemeClr val="lt1"/>
+            </a:fontRef>
+          </p:style>
+          <p:txBody>
+            <a:bodyPr rtlCol="0" anchor="ctr"/>
+            <a:lstStyle/>
+            <a:p>
+              <a:pPr algn="ctr"/>
+              <a:endParaRPr lang="en-US"/>
+            </a:p>
+          </p:txBody>
+        </p:sp>
+        <p:sp>
+          <p:nvSpPr>
+            <p:cNvPr id="120" name="Hexagon 119">
+              <a:extLst>
+                <a:ext uri="{FF2B5EF4-FFF2-40B4-BE49-F238E27FC236}">
+                  <a16:creationId xmlns:a16="http://schemas.microsoft.com/office/drawing/2014/main" id="{CB902A84-7021-4571-9A1B-D33B078FD7B4}"/>
+                </a:ext>
+              </a:extLst>
+            </p:cNvPr>
+            <p:cNvSpPr>
+              <a:spLocks noChangeAspect="1"/>
+            </p:cNvSpPr>
+            <p:nvPr/>
+          </p:nvSpPr>
+          <p:spPr>
+            <a:xfrm>
+              <a:off x="6466903" y="5853408"/>
+              <a:ext cx="317133" cy="274320"/>
+            </a:xfrm>
+            <a:prstGeom prst="hexagon">
+              <a:avLst>
+                <a:gd name="adj" fmla="val 30112"/>
+                <a:gd name="vf" fmla="val 115470"/>
+              </a:avLst>
+            </a:prstGeom>
+            <a:solidFill>
+              <a:schemeClr val="accent4">
+                <a:alpha val="50000"/>
+              </a:schemeClr>
+            </a:solidFill>
+          </p:spPr>
+          <p:style>
+            <a:lnRef idx="2">
+              <a:schemeClr val="accent4">
+                <a:shade val="50000"/>
+              </a:schemeClr>
+            </a:lnRef>
+            <a:fillRef idx="1">
+              <a:schemeClr val="accent4"/>
+            </a:fillRef>
+            <a:effectRef idx="0">
+              <a:schemeClr val="accent4"/>
+            </a:effectRef>
+            <a:fontRef idx="minor">
+              <a:schemeClr val="lt1"/>
+            </a:fontRef>
+          </p:style>
+          <p:txBody>
+            <a:bodyPr rtlCol="0" anchor="ctr"/>
+            <a:lstStyle/>
+            <a:p>
+              <a:pPr algn="ctr"/>
+              <a:endParaRPr lang="en-US"/>
+            </a:p>
+          </p:txBody>
+        </p:sp>
+        <p:sp>
+          <p:nvSpPr>
+            <p:cNvPr id="121" name="Hexagon 120">
+              <a:extLst>
+                <a:ext uri="{FF2B5EF4-FFF2-40B4-BE49-F238E27FC236}">
+                  <a16:creationId xmlns:a16="http://schemas.microsoft.com/office/drawing/2014/main" id="{FC264E85-0458-40E5-92D2-95CD338A27D1}"/>
+                </a:ext>
+              </a:extLst>
+            </p:cNvPr>
+            <p:cNvSpPr>
+              <a:spLocks noChangeAspect="1"/>
+            </p:cNvSpPr>
+            <p:nvPr/>
+          </p:nvSpPr>
+          <p:spPr>
+            <a:xfrm>
+              <a:off x="6703167" y="5714965"/>
+              <a:ext cx="317133" cy="274320"/>
+            </a:xfrm>
+            <a:prstGeom prst="hexagon">
+              <a:avLst>
+                <a:gd name="adj" fmla="val 30112"/>
+                <a:gd name="vf" fmla="val 115470"/>
+              </a:avLst>
+            </a:prstGeom>
+            <a:solidFill>
+              <a:schemeClr val="accent4">
+                <a:alpha val="50000"/>
+              </a:schemeClr>
+            </a:solidFill>
+          </p:spPr>
+          <p:style>
+            <a:lnRef idx="2">
+              <a:schemeClr val="accent4">
+                <a:shade val="50000"/>
+              </a:schemeClr>
+            </a:lnRef>
+            <a:fillRef idx="1">
+              <a:schemeClr val="accent4"/>
+            </a:fillRef>
+            <a:effectRef idx="0">
+              <a:schemeClr val="accent4"/>
+            </a:effectRef>
+            <a:fontRef idx="minor">
+              <a:schemeClr val="lt1"/>
+            </a:fontRef>
+          </p:style>
+          <p:txBody>
+            <a:bodyPr rtlCol="0" anchor="ctr"/>
+            <a:lstStyle/>
+            <a:p>
+              <a:pPr algn="ctr"/>
+              <a:endParaRPr lang="en-US"/>
+            </a:p>
+          </p:txBody>
+        </p:sp>
+      </p:grpSp>
+      <p:grpSp>
+        <p:nvGrpSpPr>
+          <p:cNvPr id="122" name="Group 121">
+            <a:extLst>
+              <a:ext uri="{FF2B5EF4-FFF2-40B4-BE49-F238E27FC236}">
+                <a16:creationId xmlns:a16="http://schemas.microsoft.com/office/drawing/2014/main" id="{B730B3AD-571E-4876-B34C-2D7413E498AC}"/>
+              </a:ext>
+            </a:extLst>
+          </p:cNvPr>
+          <p:cNvGrpSpPr/>
+          <p:nvPr/>
+        </p:nvGrpSpPr>
+        <p:grpSpPr>
+          <a:xfrm>
+            <a:off x="4289651" y="2820292"/>
+            <a:ext cx="791872" cy="820394"/>
+            <a:chOff x="6228921" y="5307334"/>
+            <a:chExt cx="791872" cy="820394"/>
+          </a:xfrm>
+        </p:grpSpPr>
+        <p:sp>
+          <p:nvSpPr>
+            <p:cNvPr id="123" name="Hexagon 122">
+              <a:extLst>
+                <a:ext uri="{FF2B5EF4-FFF2-40B4-BE49-F238E27FC236}">
+                  <a16:creationId xmlns:a16="http://schemas.microsoft.com/office/drawing/2014/main" id="{B8418DB5-60DD-40BE-8BE4-AE637646CE2D}"/>
+                </a:ext>
+              </a:extLst>
+            </p:cNvPr>
+            <p:cNvSpPr>
+              <a:spLocks noChangeAspect="1"/>
+            </p:cNvSpPr>
+            <p:nvPr/>
+          </p:nvSpPr>
+          <p:spPr>
+            <a:xfrm>
+              <a:off x="6228922" y="5444494"/>
+              <a:ext cx="317133" cy="274320"/>
+            </a:xfrm>
+            <a:prstGeom prst="hexagon">
+              <a:avLst>
+                <a:gd name="adj" fmla="val 30112"/>
+                <a:gd name="vf" fmla="val 115470"/>
+              </a:avLst>
+            </a:prstGeom>
+            <a:solidFill>
+              <a:schemeClr val="accent4">
+                <a:alpha val="50000"/>
+              </a:schemeClr>
+            </a:solidFill>
+          </p:spPr>
+          <p:style>
+            <a:lnRef idx="2">
+              <a:schemeClr val="accent4">
+                <a:shade val="50000"/>
+              </a:schemeClr>
+            </a:lnRef>
+            <a:fillRef idx="1">
+              <a:schemeClr val="accent4"/>
+            </a:fillRef>
+            <a:effectRef idx="0">
+              <a:schemeClr val="accent4"/>
+            </a:effectRef>
+            <a:fontRef idx="minor">
+              <a:schemeClr val="lt1"/>
+            </a:fontRef>
+          </p:style>
+          <p:txBody>
+            <a:bodyPr rtlCol="0" anchor="ctr"/>
+            <a:lstStyle/>
+            <a:p>
+              <a:pPr algn="ctr"/>
+              <a:endParaRPr lang="en-US"/>
+            </a:p>
+          </p:txBody>
+        </p:sp>
+        <p:sp>
+          <p:nvSpPr>
+            <p:cNvPr id="124" name="Hexagon 123">
+              <a:extLst>
+                <a:ext uri="{FF2B5EF4-FFF2-40B4-BE49-F238E27FC236}">
+                  <a16:creationId xmlns:a16="http://schemas.microsoft.com/office/drawing/2014/main" id="{DADD3CA6-A800-4C76-A3C8-192CFA2D2148}"/>
+                </a:ext>
+              </a:extLst>
+            </p:cNvPr>
+            <p:cNvSpPr>
+              <a:spLocks noChangeAspect="1"/>
+            </p:cNvSpPr>
+            <p:nvPr/>
+          </p:nvSpPr>
+          <p:spPr>
+            <a:xfrm>
+              <a:off x="6467275" y="5307334"/>
+              <a:ext cx="317133" cy="274320"/>
+            </a:xfrm>
+            <a:prstGeom prst="hexagon">
+              <a:avLst>
+                <a:gd name="adj" fmla="val 30112"/>
+                <a:gd name="vf" fmla="val 115470"/>
+              </a:avLst>
+            </a:prstGeom>
+            <a:solidFill>
+              <a:schemeClr val="accent4">
+                <a:alpha val="50000"/>
+              </a:schemeClr>
+            </a:solidFill>
+          </p:spPr>
+          <p:style>
+            <a:lnRef idx="2">
+              <a:schemeClr val="accent4">
+                <a:shade val="50000"/>
+              </a:schemeClr>
+            </a:lnRef>
+            <a:fillRef idx="1">
+              <a:schemeClr val="accent4"/>
+            </a:fillRef>
+            <a:effectRef idx="0">
+              <a:schemeClr val="accent4"/>
+            </a:effectRef>
+            <a:fontRef idx="minor">
+              <a:schemeClr val="lt1"/>
+            </a:fontRef>
+          </p:style>
+          <p:txBody>
+            <a:bodyPr rtlCol="0" anchor="ctr"/>
+            <a:lstStyle/>
+            <a:p>
+              <a:pPr algn="ctr"/>
+              <a:endParaRPr lang="en-US"/>
+            </a:p>
+          </p:txBody>
+        </p:sp>
+        <p:sp>
+          <p:nvSpPr>
+            <p:cNvPr id="125" name="Hexagon 124">
+              <a:extLst>
+                <a:ext uri="{FF2B5EF4-FFF2-40B4-BE49-F238E27FC236}">
+                  <a16:creationId xmlns:a16="http://schemas.microsoft.com/office/drawing/2014/main" id="{A1968DC5-33F2-4E17-AD0C-F98476CCFB1A}"/>
+                </a:ext>
+              </a:extLst>
+            </p:cNvPr>
+            <p:cNvSpPr>
+              <a:spLocks noChangeAspect="1"/>
+            </p:cNvSpPr>
+            <p:nvPr/>
+          </p:nvSpPr>
+          <p:spPr>
+            <a:xfrm>
+              <a:off x="6703660" y="5445777"/>
+              <a:ext cx="317133" cy="274320"/>
+            </a:xfrm>
+            <a:prstGeom prst="hexagon">
+              <a:avLst>
+                <a:gd name="adj" fmla="val 30112"/>
+                <a:gd name="vf" fmla="val 115470"/>
+              </a:avLst>
+            </a:prstGeom>
+            <a:solidFill>
+              <a:schemeClr val="accent4">
+                <a:alpha val="50000"/>
+              </a:schemeClr>
+            </a:solidFill>
+          </p:spPr>
+          <p:style>
+            <a:lnRef idx="2">
+              <a:schemeClr val="accent4">
+                <a:shade val="50000"/>
+              </a:schemeClr>
+            </a:lnRef>
+            <a:fillRef idx="1">
+              <a:schemeClr val="accent4"/>
+            </a:fillRef>
+            <a:effectRef idx="0">
+              <a:schemeClr val="accent4"/>
+            </a:effectRef>
+            <a:fontRef idx="minor">
+              <a:schemeClr val="lt1"/>
+            </a:fontRef>
+          </p:style>
+          <p:txBody>
+            <a:bodyPr rtlCol="0" anchor="ctr"/>
+            <a:lstStyle/>
+            <a:p>
+              <a:pPr algn="ctr"/>
+              <a:endParaRPr lang="en-US"/>
+            </a:p>
+          </p:txBody>
+        </p:sp>
+        <p:sp>
+          <p:nvSpPr>
+            <p:cNvPr id="126" name="Hexagon 125">
+              <a:extLst>
+                <a:ext uri="{FF2B5EF4-FFF2-40B4-BE49-F238E27FC236}">
+                  <a16:creationId xmlns:a16="http://schemas.microsoft.com/office/drawing/2014/main" id="{A3450891-620D-4A42-AF8D-A842DA654598}"/>
+                </a:ext>
+              </a:extLst>
+            </p:cNvPr>
+            <p:cNvSpPr>
+              <a:spLocks noChangeAspect="1"/>
+            </p:cNvSpPr>
+            <p:nvPr/>
+          </p:nvSpPr>
+          <p:spPr>
+            <a:xfrm>
+              <a:off x="6466291" y="5581654"/>
+              <a:ext cx="317133" cy="274320"/>
+            </a:xfrm>
+            <a:prstGeom prst="hexagon">
+              <a:avLst>
+                <a:gd name="adj" fmla="val 30112"/>
+                <a:gd name="vf" fmla="val 115470"/>
+              </a:avLst>
+            </a:prstGeom>
+            <a:solidFill>
+              <a:schemeClr val="accent4">
+                <a:alpha val="50000"/>
+              </a:schemeClr>
+            </a:solidFill>
+          </p:spPr>
+          <p:style>
+            <a:lnRef idx="2">
+              <a:schemeClr val="accent4">
+                <a:shade val="50000"/>
+              </a:schemeClr>
+            </a:lnRef>
+            <a:fillRef idx="1">
+              <a:schemeClr val="accent4"/>
+            </a:fillRef>
+            <a:effectRef idx="0">
+              <a:schemeClr val="accent4"/>
+            </a:effectRef>
+            <a:fontRef idx="minor">
+              <a:schemeClr val="lt1"/>
+            </a:fontRef>
+          </p:style>
+          <p:txBody>
+            <a:bodyPr rtlCol="0" anchor="ctr"/>
+            <a:lstStyle/>
+            <a:p>
+              <a:pPr algn="ctr"/>
+              <a:endParaRPr lang="en-US"/>
+            </a:p>
+          </p:txBody>
+        </p:sp>
+        <p:sp>
+          <p:nvSpPr>
+            <p:cNvPr id="127" name="Hexagon 126">
+              <a:extLst>
+                <a:ext uri="{FF2B5EF4-FFF2-40B4-BE49-F238E27FC236}">
+                  <a16:creationId xmlns:a16="http://schemas.microsoft.com/office/drawing/2014/main" id="{D991AA57-28CC-4803-A4E1-8B9968112963}"/>
+                </a:ext>
+              </a:extLst>
+            </p:cNvPr>
+            <p:cNvSpPr>
+              <a:spLocks noChangeAspect="1"/>
+            </p:cNvSpPr>
+            <p:nvPr/>
+          </p:nvSpPr>
+          <p:spPr>
+            <a:xfrm>
+              <a:off x="6228921" y="5713682"/>
+              <a:ext cx="317133" cy="274320"/>
+            </a:xfrm>
+            <a:prstGeom prst="hexagon">
+              <a:avLst>
+                <a:gd name="adj" fmla="val 30112"/>
+                <a:gd name="vf" fmla="val 115470"/>
+              </a:avLst>
+            </a:prstGeom>
+            <a:solidFill>
+              <a:schemeClr val="accent4">
+                <a:alpha val="50000"/>
+              </a:schemeClr>
+            </a:solidFill>
+          </p:spPr>
+          <p:style>
+            <a:lnRef idx="2">
+              <a:schemeClr val="accent4">
+                <a:shade val="50000"/>
+              </a:schemeClr>
+            </a:lnRef>
+            <a:fillRef idx="1">
+              <a:schemeClr val="accent4"/>
+            </a:fillRef>
+            <a:effectRef idx="0">
+              <a:schemeClr val="accent4"/>
+            </a:effectRef>
+            <a:fontRef idx="minor">
+              <a:schemeClr val="lt1"/>
+            </a:fontRef>
+          </p:style>
+          <p:txBody>
+            <a:bodyPr rtlCol="0" anchor="ctr"/>
+            <a:lstStyle/>
+            <a:p>
+              <a:pPr algn="ctr"/>
+              <a:endParaRPr lang="en-US"/>
+            </a:p>
+          </p:txBody>
+        </p:sp>
+        <p:sp>
+          <p:nvSpPr>
+            <p:cNvPr id="128" name="Hexagon 127">
+              <a:extLst>
+                <a:ext uri="{FF2B5EF4-FFF2-40B4-BE49-F238E27FC236}">
+                  <a16:creationId xmlns:a16="http://schemas.microsoft.com/office/drawing/2014/main" id="{B45069F1-6724-49F9-B9FE-5939C55E9913}"/>
+                </a:ext>
+              </a:extLst>
+            </p:cNvPr>
+            <p:cNvSpPr>
+              <a:spLocks noChangeAspect="1"/>
+            </p:cNvSpPr>
+            <p:nvPr/>
+          </p:nvSpPr>
+          <p:spPr>
+            <a:xfrm>
+              <a:off x="6466903" y="5853408"/>
+              <a:ext cx="317133" cy="274320"/>
+            </a:xfrm>
+            <a:prstGeom prst="hexagon">
+              <a:avLst>
+                <a:gd name="adj" fmla="val 30112"/>
+                <a:gd name="vf" fmla="val 115470"/>
+              </a:avLst>
+            </a:prstGeom>
+            <a:solidFill>
+              <a:schemeClr val="accent4">
+                <a:alpha val="50000"/>
+              </a:schemeClr>
+            </a:solidFill>
+          </p:spPr>
+          <p:style>
+            <a:lnRef idx="2">
+              <a:schemeClr val="accent4">
+                <a:shade val="50000"/>
+              </a:schemeClr>
+            </a:lnRef>
+            <a:fillRef idx="1">
+              <a:schemeClr val="accent4"/>
+            </a:fillRef>
+            <a:effectRef idx="0">
+              <a:schemeClr val="accent4"/>
+            </a:effectRef>
+            <a:fontRef idx="minor">
+              <a:schemeClr val="lt1"/>
+            </a:fontRef>
+          </p:style>
+          <p:txBody>
+            <a:bodyPr rtlCol="0" anchor="ctr"/>
+            <a:lstStyle/>
+            <a:p>
+              <a:pPr algn="ctr"/>
+              <a:endParaRPr lang="en-US"/>
+            </a:p>
+          </p:txBody>
+        </p:sp>
+        <p:sp>
+          <p:nvSpPr>
+            <p:cNvPr id="129" name="Hexagon 128">
+              <a:extLst>
+                <a:ext uri="{FF2B5EF4-FFF2-40B4-BE49-F238E27FC236}">
+                  <a16:creationId xmlns:a16="http://schemas.microsoft.com/office/drawing/2014/main" id="{B7F76B58-54AB-4216-A87F-73961FC196D2}"/>
+                </a:ext>
+              </a:extLst>
+            </p:cNvPr>
+            <p:cNvSpPr>
+              <a:spLocks noChangeAspect="1"/>
+            </p:cNvSpPr>
+            <p:nvPr/>
+          </p:nvSpPr>
+          <p:spPr>
+            <a:xfrm>
+              <a:off x="6703167" y="5714965"/>
+              <a:ext cx="317133" cy="274320"/>
+            </a:xfrm>
+            <a:prstGeom prst="hexagon">
+              <a:avLst>
+                <a:gd name="adj" fmla="val 30112"/>
+                <a:gd name="vf" fmla="val 115470"/>
+              </a:avLst>
+            </a:prstGeom>
+            <a:solidFill>
+              <a:schemeClr val="accent4">
+                <a:alpha val="50000"/>
+              </a:schemeClr>
+            </a:solidFill>
+          </p:spPr>
+          <p:style>
+            <a:lnRef idx="2">
+              <a:schemeClr val="accent4">
+                <a:shade val="50000"/>
+              </a:schemeClr>
+            </a:lnRef>
+            <a:fillRef idx="1">
+              <a:schemeClr val="accent4"/>
+            </a:fillRef>
+            <a:effectRef idx="0">
+              <a:schemeClr val="accent4"/>
+            </a:effectRef>
+            <a:fontRef idx="minor">
+              <a:schemeClr val="lt1"/>
+            </a:fontRef>
+          </p:style>
+          <p:txBody>
+            <a:bodyPr rtlCol="0" anchor="ctr"/>
+            <a:lstStyle/>
+            <a:p>
+              <a:pPr algn="ctr"/>
+              <a:endParaRPr lang="en-US"/>
+            </a:p>
+          </p:txBody>
+        </p:sp>
+      </p:grpSp>
+      <p:grpSp>
+        <p:nvGrpSpPr>
+          <p:cNvPr id="130" name="Group 129">
+            <a:extLst>
+              <a:ext uri="{FF2B5EF4-FFF2-40B4-BE49-F238E27FC236}">
+                <a16:creationId xmlns:a16="http://schemas.microsoft.com/office/drawing/2014/main" id="{2F455202-9B16-4184-BA21-E4074E43A79F}"/>
+              </a:ext>
+            </a:extLst>
+          </p:cNvPr>
+          <p:cNvGrpSpPr/>
+          <p:nvPr/>
+        </p:nvGrpSpPr>
+        <p:grpSpPr>
+          <a:xfrm>
+            <a:off x="3170166" y="2822996"/>
+            <a:ext cx="791872" cy="820394"/>
+            <a:chOff x="6228921" y="5307334"/>
+            <a:chExt cx="791872" cy="820394"/>
+          </a:xfrm>
+        </p:grpSpPr>
+        <p:sp>
+          <p:nvSpPr>
+            <p:cNvPr id="131" name="Hexagon 130">
+              <a:extLst>
+                <a:ext uri="{FF2B5EF4-FFF2-40B4-BE49-F238E27FC236}">
+                  <a16:creationId xmlns:a16="http://schemas.microsoft.com/office/drawing/2014/main" id="{1DA26C0D-52B3-4436-86B3-E999F125F87D}"/>
+                </a:ext>
+              </a:extLst>
+            </p:cNvPr>
+            <p:cNvSpPr>
+              <a:spLocks noChangeAspect="1"/>
+            </p:cNvSpPr>
+            <p:nvPr/>
+          </p:nvSpPr>
+          <p:spPr>
+            <a:xfrm>
+              <a:off x="6228922" y="5444494"/>
+              <a:ext cx="317133" cy="274320"/>
+            </a:xfrm>
+            <a:prstGeom prst="hexagon">
+              <a:avLst>
+                <a:gd name="adj" fmla="val 30112"/>
+                <a:gd name="vf" fmla="val 115470"/>
+              </a:avLst>
+            </a:prstGeom>
+            <a:solidFill>
+              <a:schemeClr val="accent4">
+                <a:alpha val="50000"/>
+              </a:schemeClr>
+            </a:solidFill>
+          </p:spPr>
+          <p:style>
+            <a:lnRef idx="2">
+              <a:schemeClr val="accent4">
+                <a:shade val="50000"/>
+              </a:schemeClr>
+            </a:lnRef>
+            <a:fillRef idx="1">
+              <a:schemeClr val="accent4"/>
+            </a:fillRef>
+            <a:effectRef idx="0">
+              <a:schemeClr val="accent4"/>
+            </a:effectRef>
+            <a:fontRef idx="minor">
+              <a:schemeClr val="lt1"/>
+            </a:fontRef>
+          </p:style>
+          <p:txBody>
+            <a:bodyPr rtlCol="0" anchor="ctr"/>
+            <a:lstStyle/>
+            <a:p>
+              <a:pPr algn="ctr"/>
+              <a:endParaRPr lang="en-US"/>
+            </a:p>
+          </p:txBody>
+        </p:sp>
+        <p:sp>
+          <p:nvSpPr>
+            <p:cNvPr id="132" name="Hexagon 131">
+              <a:extLst>
+                <a:ext uri="{FF2B5EF4-FFF2-40B4-BE49-F238E27FC236}">
+                  <a16:creationId xmlns:a16="http://schemas.microsoft.com/office/drawing/2014/main" id="{CF2C1EFB-AD2E-4CB2-967B-96DE9985D3AB}"/>
+                </a:ext>
+              </a:extLst>
+            </p:cNvPr>
+            <p:cNvSpPr>
+              <a:spLocks noChangeAspect="1"/>
+            </p:cNvSpPr>
+            <p:nvPr/>
+          </p:nvSpPr>
+          <p:spPr>
+            <a:xfrm>
+              <a:off x="6467275" y="5307334"/>
+              <a:ext cx="317133" cy="274320"/>
+            </a:xfrm>
+            <a:prstGeom prst="hexagon">
+              <a:avLst>
+                <a:gd name="adj" fmla="val 30112"/>
+                <a:gd name="vf" fmla="val 115470"/>
+              </a:avLst>
+            </a:prstGeom>
+            <a:solidFill>
+              <a:schemeClr val="accent4">
+                <a:alpha val="50000"/>
+              </a:schemeClr>
+            </a:solidFill>
+          </p:spPr>
+          <p:style>
+            <a:lnRef idx="2">
+              <a:schemeClr val="accent4">
+                <a:shade val="50000"/>
+              </a:schemeClr>
+            </a:lnRef>
+            <a:fillRef idx="1">
+              <a:schemeClr val="accent4"/>
+            </a:fillRef>
+            <a:effectRef idx="0">
+              <a:schemeClr val="accent4"/>
+            </a:effectRef>
+            <a:fontRef idx="minor">
+              <a:schemeClr val="lt1"/>
+            </a:fontRef>
+          </p:style>
+          <p:txBody>
+            <a:bodyPr rtlCol="0" anchor="ctr"/>
+            <a:lstStyle/>
+            <a:p>
+              <a:pPr algn="ctr"/>
+              <a:endParaRPr lang="en-US"/>
+            </a:p>
+          </p:txBody>
+        </p:sp>
+        <p:sp>
+          <p:nvSpPr>
+            <p:cNvPr id="133" name="Hexagon 132">
+              <a:extLst>
+                <a:ext uri="{FF2B5EF4-FFF2-40B4-BE49-F238E27FC236}">
+                  <a16:creationId xmlns:a16="http://schemas.microsoft.com/office/drawing/2014/main" id="{37E6A83A-79EF-4ABF-8CAB-6C2404998AF6}"/>
+                </a:ext>
+              </a:extLst>
+            </p:cNvPr>
+            <p:cNvSpPr>
+              <a:spLocks noChangeAspect="1"/>
+            </p:cNvSpPr>
+            <p:nvPr/>
+          </p:nvSpPr>
+          <p:spPr>
+            <a:xfrm>
+              <a:off x="6703660" y="5445777"/>
+              <a:ext cx="317133" cy="274320"/>
+            </a:xfrm>
+            <a:prstGeom prst="hexagon">
+              <a:avLst>
+                <a:gd name="adj" fmla="val 30112"/>
+                <a:gd name="vf" fmla="val 115470"/>
+              </a:avLst>
+            </a:prstGeom>
+            <a:solidFill>
+              <a:schemeClr val="accent4">
+                <a:alpha val="50000"/>
+              </a:schemeClr>
+            </a:solidFill>
+          </p:spPr>
+          <p:style>
+            <a:lnRef idx="2">
+              <a:schemeClr val="accent4">
+                <a:shade val="50000"/>
+              </a:schemeClr>
+            </a:lnRef>
+            <a:fillRef idx="1">
+              <a:schemeClr val="accent4"/>
+            </a:fillRef>
+            <a:effectRef idx="0">
+              <a:schemeClr val="accent4"/>
+            </a:effectRef>
+            <a:fontRef idx="minor">
+              <a:schemeClr val="lt1"/>
+            </a:fontRef>
+          </p:style>
+          <p:txBody>
+            <a:bodyPr rtlCol="0" anchor="ctr"/>
+            <a:lstStyle/>
+            <a:p>
+              <a:pPr algn="ctr"/>
+              <a:endParaRPr lang="en-US"/>
+            </a:p>
+          </p:txBody>
+        </p:sp>
+        <p:sp>
+          <p:nvSpPr>
+            <p:cNvPr id="134" name="Hexagon 133">
+              <a:extLst>
+                <a:ext uri="{FF2B5EF4-FFF2-40B4-BE49-F238E27FC236}">
+                  <a16:creationId xmlns:a16="http://schemas.microsoft.com/office/drawing/2014/main" id="{5ED2AB79-3F54-4FE0-815B-5268A051C386}"/>
+                </a:ext>
+              </a:extLst>
+            </p:cNvPr>
+            <p:cNvSpPr>
+              <a:spLocks noChangeAspect="1"/>
+            </p:cNvSpPr>
+            <p:nvPr/>
+          </p:nvSpPr>
+          <p:spPr>
+            <a:xfrm>
+              <a:off x="6466291" y="5581654"/>
+              <a:ext cx="317133" cy="274320"/>
+            </a:xfrm>
+            <a:prstGeom prst="hexagon">
+              <a:avLst>
+                <a:gd name="adj" fmla="val 30112"/>
+                <a:gd name="vf" fmla="val 115470"/>
+              </a:avLst>
+            </a:prstGeom>
+            <a:solidFill>
+              <a:schemeClr val="accent4">
+                <a:alpha val="50000"/>
+              </a:schemeClr>
+            </a:solidFill>
+          </p:spPr>
+          <p:style>
+            <a:lnRef idx="2">
+              <a:schemeClr val="accent4">
+                <a:shade val="50000"/>
+              </a:schemeClr>
+            </a:lnRef>
+            <a:fillRef idx="1">
+              <a:schemeClr val="accent4"/>
+            </a:fillRef>
+            <a:effectRef idx="0">
+              <a:schemeClr val="accent4"/>
+            </a:effectRef>
+            <a:fontRef idx="minor">
+              <a:schemeClr val="lt1"/>
+            </a:fontRef>
+          </p:style>
+          <p:txBody>
+            <a:bodyPr rtlCol="0" anchor="ctr"/>
+            <a:lstStyle/>
+            <a:p>
+              <a:pPr algn="ctr"/>
+              <a:endParaRPr lang="en-US"/>
+            </a:p>
+          </p:txBody>
+        </p:sp>
+        <p:sp>
+          <p:nvSpPr>
+            <p:cNvPr id="135" name="Hexagon 134">
+              <a:extLst>
+                <a:ext uri="{FF2B5EF4-FFF2-40B4-BE49-F238E27FC236}">
+                  <a16:creationId xmlns:a16="http://schemas.microsoft.com/office/drawing/2014/main" id="{B25B7DA4-0AE4-45F6-B68B-876A38422897}"/>
+                </a:ext>
+              </a:extLst>
+            </p:cNvPr>
+            <p:cNvSpPr>
+              <a:spLocks noChangeAspect="1"/>
+            </p:cNvSpPr>
+            <p:nvPr/>
+          </p:nvSpPr>
+          <p:spPr>
+            <a:xfrm>
+              <a:off x="6228921" y="5713682"/>
+              <a:ext cx="317133" cy="274320"/>
+            </a:xfrm>
+            <a:prstGeom prst="hexagon">
+              <a:avLst>
+                <a:gd name="adj" fmla="val 30112"/>
+                <a:gd name="vf" fmla="val 115470"/>
+              </a:avLst>
+            </a:prstGeom>
+            <a:solidFill>
+              <a:schemeClr val="accent4">
+                <a:alpha val="50000"/>
+              </a:schemeClr>
+            </a:solidFill>
+          </p:spPr>
+          <p:style>
+            <a:lnRef idx="2">
+              <a:schemeClr val="accent4">
+                <a:shade val="50000"/>
+              </a:schemeClr>
+            </a:lnRef>
+            <a:fillRef idx="1">
+              <a:schemeClr val="accent4"/>
+            </a:fillRef>
+            <a:effectRef idx="0">
+              <a:schemeClr val="accent4"/>
+            </a:effectRef>
+            <a:fontRef idx="minor">
+              <a:schemeClr val="lt1"/>
+            </a:fontRef>
+          </p:style>
+          <p:txBody>
+            <a:bodyPr rtlCol="0" anchor="ctr"/>
+            <a:lstStyle/>
+            <a:p>
+              <a:pPr algn="ctr"/>
+              <a:endParaRPr lang="en-US"/>
+            </a:p>
+          </p:txBody>
+        </p:sp>
+        <p:sp>
+          <p:nvSpPr>
+            <p:cNvPr id="136" name="Hexagon 135">
+              <a:extLst>
+                <a:ext uri="{FF2B5EF4-FFF2-40B4-BE49-F238E27FC236}">
+                  <a16:creationId xmlns:a16="http://schemas.microsoft.com/office/drawing/2014/main" id="{902E36AD-482C-431D-86EC-52A187C5A96C}"/>
+                </a:ext>
+              </a:extLst>
+            </p:cNvPr>
+            <p:cNvSpPr>
+              <a:spLocks noChangeAspect="1"/>
+            </p:cNvSpPr>
+            <p:nvPr/>
+          </p:nvSpPr>
+          <p:spPr>
+            <a:xfrm>
+              <a:off x="6466903" y="5853408"/>
+              <a:ext cx="317133" cy="274320"/>
+            </a:xfrm>
+            <a:prstGeom prst="hexagon">
+              <a:avLst>
+                <a:gd name="adj" fmla="val 30112"/>
+                <a:gd name="vf" fmla="val 115470"/>
+              </a:avLst>
+            </a:prstGeom>
+            <a:solidFill>
+              <a:schemeClr val="accent4">
+                <a:alpha val="50000"/>
+              </a:schemeClr>
+            </a:solidFill>
+          </p:spPr>
+          <p:style>
+            <a:lnRef idx="2">
+              <a:schemeClr val="accent4">
+                <a:shade val="50000"/>
+              </a:schemeClr>
+            </a:lnRef>
+            <a:fillRef idx="1">
+              <a:schemeClr val="accent4"/>
+            </a:fillRef>
+            <a:effectRef idx="0">
+              <a:schemeClr val="accent4"/>
+            </a:effectRef>
+            <a:fontRef idx="minor">
+              <a:schemeClr val="lt1"/>
+            </a:fontRef>
+          </p:style>
+          <p:txBody>
+            <a:bodyPr rtlCol="0" anchor="ctr"/>
+            <a:lstStyle/>
+            <a:p>
+              <a:pPr algn="ctr"/>
+              <a:endParaRPr lang="en-US"/>
+            </a:p>
+          </p:txBody>
+        </p:sp>
+        <p:sp>
+          <p:nvSpPr>
+            <p:cNvPr id="137" name="Hexagon 136">
+              <a:extLst>
+                <a:ext uri="{FF2B5EF4-FFF2-40B4-BE49-F238E27FC236}">
+                  <a16:creationId xmlns:a16="http://schemas.microsoft.com/office/drawing/2014/main" id="{AE9102FF-A68C-484F-A032-7ED0381DFFCB}"/>
+                </a:ext>
+              </a:extLst>
+            </p:cNvPr>
+            <p:cNvSpPr>
+              <a:spLocks noChangeAspect="1"/>
+            </p:cNvSpPr>
+            <p:nvPr/>
+          </p:nvSpPr>
+          <p:spPr>
+            <a:xfrm>
+              <a:off x="6703167" y="5714965"/>
+              <a:ext cx="317133" cy="274320"/>
+            </a:xfrm>
+            <a:prstGeom prst="hexagon">
+              <a:avLst>
+                <a:gd name="adj" fmla="val 30112"/>
+                <a:gd name="vf" fmla="val 115470"/>
+              </a:avLst>
+            </a:prstGeom>
+            <a:solidFill>
+              <a:schemeClr val="accent4">
+                <a:alpha val="50000"/>
+              </a:schemeClr>
+            </a:solidFill>
+          </p:spPr>
+          <p:style>
+            <a:lnRef idx="2">
+              <a:schemeClr val="accent4">
+                <a:shade val="50000"/>
+              </a:schemeClr>
+            </a:lnRef>
+            <a:fillRef idx="1">
+              <a:schemeClr val="accent4"/>
+            </a:fillRef>
+            <a:effectRef idx="0">
+              <a:schemeClr val="accent4"/>
+            </a:effectRef>
+            <a:fontRef idx="minor">
+              <a:schemeClr val="lt1"/>
+            </a:fontRef>
+          </p:style>
+          <p:txBody>
+            <a:bodyPr rtlCol="0" anchor="ctr"/>
+            <a:lstStyle/>
+            <a:p>
+              <a:pPr algn="ctr"/>
+              <a:endParaRPr lang="en-US"/>
+            </a:p>
+          </p:txBody>
+        </p:sp>
+      </p:grpSp>
+      <p:sp>
+        <p:nvSpPr>
+          <p:cNvPr id="144" name="Hexagon 143">
+            <a:extLst>
+              <a:ext uri="{FF2B5EF4-FFF2-40B4-BE49-F238E27FC236}">
+                <a16:creationId xmlns:a16="http://schemas.microsoft.com/office/drawing/2014/main" id="{40B52913-E6F6-49B4-9CDE-BB7D405C9C95}"/>
+              </a:ext>
+            </a:extLst>
+          </p:cNvPr>
+          <p:cNvSpPr>
+            <a:spLocks noChangeAspect="1"/>
+          </p:cNvSpPr>
+          <p:nvPr/>
         </p:nvSpPr>
         <p:spPr>
-          <a:xfrm rot="5400000">
-            <a:off x="8283912" y="5093532"/>
-            <a:ext cx="692459" cy="598977"/>
+          <a:xfrm>
+            <a:off x="3975651" y="3095594"/>
+            <a:ext cx="317133" cy="274320"/>
           </a:xfrm>
           <a:prstGeom prst="hexagon">
             <a:avLst>
-              <a:gd name="adj" fmla="val 33081"/>
+              <a:gd name="adj" fmla="val 30112"/>
               <a:gd name="vf" fmla="val 115470"/>
             </a:avLst>
           </a:prstGeom>
           <a:solidFill>
-            <a:schemeClr val="accent5">
+            <a:schemeClr val="accent4">
               <a:alpha val="50000"/>
             </a:schemeClr>
           </a:solidFill>
-          <a:ln>
-            <a:solidFill>
-              <a:schemeClr val="accent5"/>
-            </a:solidFill>
-          </a:ln>
         </p:spPr>
         <p:style>
           <a:lnRef idx="2">
@@ -13169,37 +12738,34 @@
       </p:sp>
       <p:sp>
         <p:nvSpPr>
-          <p:cNvPr id="135" name="Hexagon 134">
+          <p:cNvPr id="146" name="Hexagon 145">
             <a:extLst>
               <a:ext uri="{FF2B5EF4-FFF2-40B4-BE49-F238E27FC236}">
-                <a16:creationId xmlns:a16="http://schemas.microsoft.com/office/drawing/2014/main" id="{DB4BCA60-DB48-4F15-9A7F-B53392CF048D}"/>
+                <a16:creationId xmlns:a16="http://schemas.microsoft.com/office/drawing/2014/main" id="{3747F49C-7429-4800-ACF0-642B4409E47F}"/>
               </a:ext>
             </a:extLst>
           </p:cNvPr>
-          <p:cNvSpPr/>
+          <p:cNvSpPr>
+            <a:spLocks noChangeAspect="1"/>
+          </p:cNvSpPr>
           <p:nvPr/>
         </p:nvSpPr>
         <p:spPr>
-          <a:xfrm rot="5400000">
-            <a:off x="7984424" y="4598604"/>
-            <a:ext cx="692459" cy="598977"/>
+          <a:xfrm>
+            <a:off x="2842098" y="3094976"/>
+            <a:ext cx="317133" cy="274320"/>
           </a:xfrm>
           <a:prstGeom prst="hexagon">
             <a:avLst>
-              <a:gd name="adj" fmla="val 33081"/>
+              <a:gd name="adj" fmla="val 30112"/>
               <a:gd name="vf" fmla="val 115470"/>
             </a:avLst>
           </a:prstGeom>
           <a:solidFill>
-            <a:schemeClr val="accent5">
+            <a:schemeClr val="accent4">
               <a:alpha val="50000"/>
             </a:schemeClr>
           </a:solidFill>
-          <a:ln>
-            <a:solidFill>
-              <a:schemeClr val="accent5"/>
-            </a:solidFill>
-          </a:ln>
         </p:spPr>
         <p:style>
           <a:lnRef idx="2">
@@ -13228,37 +12794,34 @@
       </p:sp>
       <p:sp>
         <p:nvSpPr>
-          <p:cNvPr id="136" name="Hexagon 135">
+          <p:cNvPr id="147" name="Hexagon 146">
             <a:extLst>
               <a:ext uri="{FF2B5EF4-FFF2-40B4-BE49-F238E27FC236}">
-                <a16:creationId xmlns:a16="http://schemas.microsoft.com/office/drawing/2014/main" id="{B08F0D09-FC41-4E69-AA14-B825DF1D85D7}"/>
+                <a16:creationId xmlns:a16="http://schemas.microsoft.com/office/drawing/2014/main" id="{E6648357-8097-4AA4-B5C6-731359B80C96}"/>
               </a:ext>
             </a:extLst>
           </p:cNvPr>
-          <p:cNvSpPr/>
+          <p:cNvSpPr>
+            <a:spLocks noChangeAspect="1"/>
+          </p:cNvSpPr>
           <p:nvPr/>
         </p:nvSpPr>
         <p:spPr>
-          <a:xfrm rot="5400000">
-            <a:off x="8583400" y="4598604"/>
-            <a:ext cx="692459" cy="598977"/>
+          <a:xfrm>
+            <a:off x="3409636" y="3648221"/>
+            <a:ext cx="317133" cy="274320"/>
           </a:xfrm>
           <a:prstGeom prst="hexagon">
             <a:avLst>
-              <a:gd name="adj" fmla="val 33081"/>
+              <a:gd name="adj" fmla="val 30112"/>
               <a:gd name="vf" fmla="val 115470"/>
             </a:avLst>
           </a:prstGeom>
           <a:solidFill>
-            <a:schemeClr val="accent5">
+            <a:schemeClr val="accent4">
               <a:alpha val="50000"/>
             </a:schemeClr>
           </a:solidFill>
-          <a:ln>
-            <a:solidFill>
-              <a:schemeClr val="accent5"/>
-            </a:solidFill>
-          </a:ln>
         </p:spPr>
         <p:style>
           <a:lnRef idx="2">
@@ -13285,694 +12848,10 @@
           </a:p>
         </p:txBody>
       </p:sp>
-      <p:sp>
-        <p:nvSpPr>
-          <p:cNvPr id="137" name="Hexagon 136">
-            <a:extLst>
-              <a:ext uri="{FF2B5EF4-FFF2-40B4-BE49-F238E27FC236}">
-                <a16:creationId xmlns:a16="http://schemas.microsoft.com/office/drawing/2014/main" id="{4F5E1B6F-5732-4120-A3D1-C1E3448EFD6E}"/>
-              </a:ext>
-            </a:extLst>
-          </p:cNvPr>
-          <p:cNvSpPr/>
-          <p:nvPr/>
-        </p:nvSpPr>
-        <p:spPr>
-          <a:xfrm rot="5400000">
-            <a:off x="8882888" y="5093531"/>
-            <a:ext cx="692459" cy="598977"/>
-          </a:xfrm>
-          <a:prstGeom prst="hexagon">
-            <a:avLst>
-              <a:gd name="adj" fmla="val 33081"/>
-              <a:gd name="vf" fmla="val 115470"/>
-            </a:avLst>
-          </a:prstGeom>
-          <a:solidFill>
-            <a:schemeClr val="accent5">
-              <a:alpha val="50000"/>
-            </a:schemeClr>
-          </a:solidFill>
-          <a:ln>
-            <a:solidFill>
-              <a:schemeClr val="accent5"/>
-            </a:solidFill>
-          </a:ln>
-        </p:spPr>
-        <p:style>
-          <a:lnRef idx="2">
-            <a:schemeClr val="accent4">
-              <a:shade val="50000"/>
-            </a:schemeClr>
-          </a:lnRef>
-          <a:fillRef idx="1">
-            <a:schemeClr val="accent4"/>
-          </a:fillRef>
-          <a:effectRef idx="0">
-            <a:schemeClr val="accent4"/>
-          </a:effectRef>
-          <a:fontRef idx="minor">
-            <a:schemeClr val="lt1"/>
-          </a:fontRef>
-        </p:style>
-        <p:txBody>
-          <a:bodyPr rtlCol="0" anchor="ctr"/>
-          <a:lstStyle/>
-          <a:p>
-            <a:pPr algn="ctr"/>
-            <a:endParaRPr lang="en-US"/>
-          </a:p>
-        </p:txBody>
-      </p:sp>
-      <p:sp>
-        <p:nvSpPr>
-          <p:cNvPr id="138" name="Hexagon 137">
-            <a:extLst>
-              <a:ext uri="{FF2B5EF4-FFF2-40B4-BE49-F238E27FC236}">
-                <a16:creationId xmlns:a16="http://schemas.microsoft.com/office/drawing/2014/main" id="{FA312977-012A-4A64-BDBE-A279C596435A}"/>
-              </a:ext>
-            </a:extLst>
-          </p:cNvPr>
-          <p:cNvSpPr/>
-          <p:nvPr/>
-        </p:nvSpPr>
-        <p:spPr>
-          <a:xfrm rot="5400000">
-            <a:off x="8583398" y="5581116"/>
-            <a:ext cx="692459" cy="598977"/>
-          </a:xfrm>
-          <a:prstGeom prst="hexagon">
-            <a:avLst>
-              <a:gd name="adj" fmla="val 33081"/>
-              <a:gd name="vf" fmla="val 115470"/>
-            </a:avLst>
-          </a:prstGeom>
-          <a:solidFill>
-            <a:schemeClr val="accent5">
-              <a:alpha val="50000"/>
-            </a:schemeClr>
-          </a:solidFill>
-          <a:ln>
-            <a:solidFill>
-              <a:schemeClr val="accent5"/>
-            </a:solidFill>
-          </a:ln>
-        </p:spPr>
-        <p:style>
-          <a:lnRef idx="2">
-            <a:schemeClr val="accent4">
-              <a:shade val="50000"/>
-            </a:schemeClr>
-          </a:lnRef>
-          <a:fillRef idx="1">
-            <a:schemeClr val="accent4"/>
-          </a:fillRef>
-          <a:effectRef idx="0">
-            <a:schemeClr val="accent4"/>
-          </a:effectRef>
-          <a:fontRef idx="minor">
-            <a:schemeClr val="lt1"/>
-          </a:fontRef>
-        </p:style>
-        <p:txBody>
-          <a:bodyPr rtlCol="0" anchor="ctr"/>
-          <a:lstStyle/>
-          <a:p>
-            <a:pPr algn="ctr"/>
-            <a:endParaRPr lang="en-US"/>
-          </a:p>
-        </p:txBody>
-      </p:sp>
-      <p:sp>
-        <p:nvSpPr>
-          <p:cNvPr id="139" name="Hexagon 138">
-            <a:extLst>
-              <a:ext uri="{FF2B5EF4-FFF2-40B4-BE49-F238E27FC236}">
-                <a16:creationId xmlns:a16="http://schemas.microsoft.com/office/drawing/2014/main" id="{39F6DA74-A0D9-4775-9E75-5016924ACBD8}"/>
-              </a:ext>
-            </a:extLst>
-          </p:cNvPr>
-          <p:cNvSpPr/>
-          <p:nvPr/>
-        </p:nvSpPr>
-        <p:spPr>
-          <a:xfrm rot="5400000">
-            <a:off x="7984419" y="5581115"/>
-            <a:ext cx="692459" cy="598977"/>
-          </a:xfrm>
-          <a:prstGeom prst="hexagon">
-            <a:avLst>
-              <a:gd name="adj" fmla="val 33081"/>
-              <a:gd name="vf" fmla="val 115470"/>
-            </a:avLst>
-          </a:prstGeom>
-          <a:solidFill>
-            <a:schemeClr val="accent5">
-              <a:alpha val="50000"/>
-            </a:schemeClr>
-          </a:solidFill>
-          <a:ln>
-            <a:solidFill>
-              <a:schemeClr val="accent5"/>
-            </a:solidFill>
-          </a:ln>
-        </p:spPr>
-        <p:style>
-          <a:lnRef idx="2">
-            <a:schemeClr val="accent4">
-              <a:shade val="50000"/>
-            </a:schemeClr>
-          </a:lnRef>
-          <a:fillRef idx="1">
-            <a:schemeClr val="accent4"/>
-          </a:fillRef>
-          <a:effectRef idx="0">
-            <a:schemeClr val="accent4"/>
-          </a:effectRef>
-          <a:fontRef idx="minor">
-            <a:schemeClr val="lt1"/>
-          </a:fontRef>
-        </p:style>
-        <p:txBody>
-          <a:bodyPr rtlCol="0" anchor="ctr"/>
-          <a:lstStyle/>
-          <a:p>
-            <a:pPr algn="ctr"/>
-            <a:endParaRPr lang="en-US"/>
-          </a:p>
-        </p:txBody>
-      </p:sp>
-      <p:sp>
-        <p:nvSpPr>
-          <p:cNvPr id="140" name="Hexagon 139">
-            <a:extLst>
-              <a:ext uri="{FF2B5EF4-FFF2-40B4-BE49-F238E27FC236}">
-                <a16:creationId xmlns:a16="http://schemas.microsoft.com/office/drawing/2014/main" id="{0635AFB1-9C6B-4FE7-B965-17D5EF06351F}"/>
-              </a:ext>
-            </a:extLst>
-          </p:cNvPr>
-          <p:cNvSpPr/>
-          <p:nvPr/>
-        </p:nvSpPr>
-        <p:spPr>
-          <a:xfrm rot="5400000">
-            <a:off x="7684931" y="5089860"/>
-            <a:ext cx="692459" cy="598977"/>
-          </a:xfrm>
-          <a:prstGeom prst="hexagon">
-            <a:avLst>
-              <a:gd name="adj" fmla="val 33081"/>
-              <a:gd name="vf" fmla="val 115470"/>
-            </a:avLst>
-          </a:prstGeom>
-          <a:solidFill>
-            <a:schemeClr val="accent5">
-              <a:alpha val="50000"/>
-            </a:schemeClr>
-          </a:solidFill>
-          <a:ln>
-            <a:solidFill>
-              <a:schemeClr val="accent5"/>
-            </a:solidFill>
-          </a:ln>
-        </p:spPr>
-        <p:style>
-          <a:lnRef idx="2">
-            <a:schemeClr val="accent4">
-              <a:shade val="50000"/>
-            </a:schemeClr>
-          </a:lnRef>
-          <a:fillRef idx="1">
-            <a:schemeClr val="accent4"/>
-          </a:fillRef>
-          <a:effectRef idx="0">
-            <a:schemeClr val="accent4"/>
-          </a:effectRef>
-          <a:fontRef idx="minor">
-            <a:schemeClr val="lt1"/>
-          </a:fontRef>
-        </p:style>
-        <p:txBody>
-          <a:bodyPr rtlCol="0" anchor="ctr"/>
-          <a:lstStyle/>
-          <a:p>
-            <a:pPr algn="ctr"/>
-            <a:endParaRPr lang="en-US"/>
-          </a:p>
-        </p:txBody>
-      </p:sp>
-      <p:sp>
-        <p:nvSpPr>
-          <p:cNvPr id="150" name="Hexagon 149">
-            <a:extLst>
-              <a:ext uri="{FF2B5EF4-FFF2-40B4-BE49-F238E27FC236}">
-                <a16:creationId xmlns:a16="http://schemas.microsoft.com/office/drawing/2014/main" id="{E2DFE8A5-0ED8-43C2-ACB5-9E9C7FB542F7}"/>
-              </a:ext>
-            </a:extLst>
-          </p:cNvPr>
-          <p:cNvSpPr/>
-          <p:nvPr/>
-        </p:nvSpPr>
-        <p:spPr>
-          <a:xfrm rot="5400000">
-            <a:off x="9487765" y="4111020"/>
-            <a:ext cx="692459" cy="598977"/>
-          </a:xfrm>
-          <a:prstGeom prst="hexagon">
-            <a:avLst>
-              <a:gd name="adj" fmla="val 33081"/>
-              <a:gd name="vf" fmla="val 115470"/>
-            </a:avLst>
-          </a:prstGeom>
-          <a:solidFill>
-            <a:schemeClr val="accent6">
-              <a:alpha val="50000"/>
-            </a:schemeClr>
-          </a:solidFill>
-          <a:ln>
-            <a:solidFill>
-              <a:schemeClr val="accent6"/>
-            </a:solidFill>
-          </a:ln>
-        </p:spPr>
-        <p:style>
-          <a:lnRef idx="2">
-            <a:schemeClr val="accent4">
-              <a:shade val="50000"/>
-            </a:schemeClr>
-          </a:lnRef>
-          <a:fillRef idx="1">
-            <a:schemeClr val="accent4"/>
-          </a:fillRef>
-          <a:effectRef idx="0">
-            <a:schemeClr val="accent4"/>
-          </a:effectRef>
-          <a:fontRef idx="minor">
-            <a:schemeClr val="lt1"/>
-          </a:fontRef>
-        </p:style>
-        <p:txBody>
-          <a:bodyPr rtlCol="0" anchor="ctr"/>
-          <a:lstStyle/>
-          <a:p>
-            <a:pPr algn="ctr"/>
-            <a:endParaRPr lang="en-US"/>
-          </a:p>
-        </p:txBody>
-      </p:sp>
-      <p:sp>
-        <p:nvSpPr>
-          <p:cNvPr id="151" name="Hexagon 150">
-            <a:extLst>
-              <a:ext uri="{FF2B5EF4-FFF2-40B4-BE49-F238E27FC236}">
-                <a16:creationId xmlns:a16="http://schemas.microsoft.com/office/drawing/2014/main" id="{48392C90-3EAE-4DF6-879D-04238D77EC92}"/>
-              </a:ext>
-            </a:extLst>
-          </p:cNvPr>
-          <p:cNvSpPr/>
-          <p:nvPr/>
-        </p:nvSpPr>
-        <p:spPr>
-          <a:xfrm rot="5400000">
-            <a:off x="9188277" y="3616092"/>
-            <a:ext cx="692459" cy="598977"/>
-          </a:xfrm>
-          <a:prstGeom prst="hexagon">
-            <a:avLst>
-              <a:gd name="adj" fmla="val 33081"/>
-              <a:gd name="vf" fmla="val 115470"/>
-            </a:avLst>
-          </a:prstGeom>
-          <a:solidFill>
-            <a:schemeClr val="accent6">
-              <a:alpha val="50000"/>
-            </a:schemeClr>
-          </a:solidFill>
-          <a:ln>
-            <a:solidFill>
-              <a:schemeClr val="accent6"/>
-            </a:solidFill>
-          </a:ln>
-        </p:spPr>
-        <p:style>
-          <a:lnRef idx="2">
-            <a:schemeClr val="accent4">
-              <a:shade val="50000"/>
-            </a:schemeClr>
-          </a:lnRef>
-          <a:fillRef idx="1">
-            <a:schemeClr val="accent4"/>
-          </a:fillRef>
-          <a:effectRef idx="0">
-            <a:schemeClr val="accent4"/>
-          </a:effectRef>
-          <a:fontRef idx="minor">
-            <a:schemeClr val="lt1"/>
-          </a:fontRef>
-        </p:style>
-        <p:txBody>
-          <a:bodyPr rtlCol="0" anchor="ctr"/>
-          <a:lstStyle/>
-          <a:p>
-            <a:pPr algn="ctr"/>
-            <a:endParaRPr lang="en-US"/>
-          </a:p>
-        </p:txBody>
-      </p:sp>
-      <p:sp>
-        <p:nvSpPr>
-          <p:cNvPr id="152" name="Hexagon 151">
-            <a:extLst>
-              <a:ext uri="{FF2B5EF4-FFF2-40B4-BE49-F238E27FC236}">
-                <a16:creationId xmlns:a16="http://schemas.microsoft.com/office/drawing/2014/main" id="{134784BB-4B5A-4601-8DF9-18D6C0B28949}"/>
-              </a:ext>
-            </a:extLst>
-          </p:cNvPr>
-          <p:cNvSpPr/>
-          <p:nvPr/>
-        </p:nvSpPr>
-        <p:spPr>
-          <a:xfrm rot="5400000">
-            <a:off x="9787253" y="3616092"/>
-            <a:ext cx="692459" cy="598977"/>
-          </a:xfrm>
-          <a:prstGeom prst="hexagon">
-            <a:avLst>
-              <a:gd name="adj" fmla="val 33081"/>
-              <a:gd name="vf" fmla="val 115470"/>
-            </a:avLst>
-          </a:prstGeom>
-          <a:solidFill>
-            <a:schemeClr val="accent6">
-              <a:alpha val="50000"/>
-            </a:schemeClr>
-          </a:solidFill>
-          <a:ln>
-            <a:solidFill>
-              <a:schemeClr val="accent6"/>
-            </a:solidFill>
-          </a:ln>
-        </p:spPr>
-        <p:style>
-          <a:lnRef idx="2">
-            <a:schemeClr val="accent4">
-              <a:shade val="50000"/>
-            </a:schemeClr>
-          </a:lnRef>
-          <a:fillRef idx="1">
-            <a:schemeClr val="accent4"/>
-          </a:fillRef>
-          <a:effectRef idx="0">
-            <a:schemeClr val="accent4"/>
-          </a:effectRef>
-          <a:fontRef idx="minor">
-            <a:schemeClr val="lt1"/>
-          </a:fontRef>
-        </p:style>
-        <p:txBody>
-          <a:bodyPr rtlCol="0" anchor="ctr"/>
-          <a:lstStyle/>
-          <a:p>
-            <a:pPr algn="ctr"/>
-            <a:endParaRPr lang="en-US"/>
-          </a:p>
-        </p:txBody>
-      </p:sp>
-      <p:sp>
-        <p:nvSpPr>
-          <p:cNvPr id="153" name="Hexagon 152">
-            <a:extLst>
-              <a:ext uri="{FF2B5EF4-FFF2-40B4-BE49-F238E27FC236}">
-                <a16:creationId xmlns:a16="http://schemas.microsoft.com/office/drawing/2014/main" id="{DE92EE1D-54CD-4384-92CD-571D0326E1D0}"/>
-              </a:ext>
-            </a:extLst>
-          </p:cNvPr>
-          <p:cNvSpPr/>
-          <p:nvPr/>
-        </p:nvSpPr>
-        <p:spPr>
-          <a:xfrm rot="5400000">
-            <a:off x="10086741" y="4111019"/>
-            <a:ext cx="692459" cy="598977"/>
-          </a:xfrm>
-          <a:prstGeom prst="hexagon">
-            <a:avLst>
-              <a:gd name="adj" fmla="val 33081"/>
-              <a:gd name="vf" fmla="val 115470"/>
-            </a:avLst>
-          </a:prstGeom>
-          <a:solidFill>
-            <a:schemeClr val="accent6">
-              <a:alpha val="50000"/>
-            </a:schemeClr>
-          </a:solidFill>
-          <a:ln>
-            <a:solidFill>
-              <a:schemeClr val="accent6"/>
-            </a:solidFill>
-          </a:ln>
-        </p:spPr>
-        <p:style>
-          <a:lnRef idx="2">
-            <a:schemeClr val="accent4">
-              <a:shade val="50000"/>
-            </a:schemeClr>
-          </a:lnRef>
-          <a:fillRef idx="1">
-            <a:schemeClr val="accent4"/>
-          </a:fillRef>
-          <a:effectRef idx="0">
-            <a:schemeClr val="accent4"/>
-          </a:effectRef>
-          <a:fontRef idx="minor">
-            <a:schemeClr val="lt1"/>
-          </a:fontRef>
-        </p:style>
-        <p:txBody>
-          <a:bodyPr rtlCol="0" anchor="ctr"/>
-          <a:lstStyle/>
-          <a:p>
-            <a:pPr algn="ctr"/>
-            <a:endParaRPr lang="en-US"/>
-          </a:p>
-        </p:txBody>
-      </p:sp>
-      <p:sp>
-        <p:nvSpPr>
-          <p:cNvPr id="154" name="Hexagon 153">
-            <a:extLst>
-              <a:ext uri="{FF2B5EF4-FFF2-40B4-BE49-F238E27FC236}">
-                <a16:creationId xmlns:a16="http://schemas.microsoft.com/office/drawing/2014/main" id="{10655DFA-9252-407C-BAFB-7700EBF57FDF}"/>
-              </a:ext>
-            </a:extLst>
-          </p:cNvPr>
-          <p:cNvSpPr/>
-          <p:nvPr/>
-        </p:nvSpPr>
-        <p:spPr>
-          <a:xfrm rot="5400000">
-            <a:off x="9787251" y="4598604"/>
-            <a:ext cx="692459" cy="598977"/>
-          </a:xfrm>
-          <a:prstGeom prst="hexagon">
-            <a:avLst>
-              <a:gd name="adj" fmla="val 33081"/>
-              <a:gd name="vf" fmla="val 115470"/>
-            </a:avLst>
-          </a:prstGeom>
-          <a:solidFill>
-            <a:schemeClr val="accent6">
-              <a:alpha val="50000"/>
-            </a:schemeClr>
-          </a:solidFill>
-          <a:ln>
-            <a:solidFill>
-              <a:schemeClr val="accent6"/>
-            </a:solidFill>
-          </a:ln>
-        </p:spPr>
-        <p:style>
-          <a:lnRef idx="2">
-            <a:schemeClr val="accent4">
-              <a:shade val="50000"/>
-            </a:schemeClr>
-          </a:lnRef>
-          <a:fillRef idx="1">
-            <a:schemeClr val="accent4"/>
-          </a:fillRef>
-          <a:effectRef idx="0">
-            <a:schemeClr val="accent4"/>
-          </a:effectRef>
-          <a:fontRef idx="minor">
-            <a:schemeClr val="lt1"/>
-          </a:fontRef>
-        </p:style>
-        <p:txBody>
-          <a:bodyPr rtlCol="0" anchor="ctr"/>
-          <a:lstStyle/>
-          <a:p>
-            <a:pPr algn="ctr"/>
-            <a:endParaRPr lang="en-US"/>
-          </a:p>
-        </p:txBody>
-      </p:sp>
-      <p:sp>
-        <p:nvSpPr>
-          <p:cNvPr id="155" name="Hexagon 154">
-            <a:extLst>
-              <a:ext uri="{FF2B5EF4-FFF2-40B4-BE49-F238E27FC236}">
-                <a16:creationId xmlns:a16="http://schemas.microsoft.com/office/drawing/2014/main" id="{79FF2F23-8D69-4F79-9DFF-406BBB4AE561}"/>
-              </a:ext>
-            </a:extLst>
-          </p:cNvPr>
-          <p:cNvSpPr/>
-          <p:nvPr/>
-        </p:nvSpPr>
-        <p:spPr>
-          <a:xfrm rot="5400000">
-            <a:off x="9188272" y="4598603"/>
-            <a:ext cx="692459" cy="598977"/>
-          </a:xfrm>
-          <a:prstGeom prst="hexagon">
-            <a:avLst>
-              <a:gd name="adj" fmla="val 33081"/>
-              <a:gd name="vf" fmla="val 115470"/>
-            </a:avLst>
-          </a:prstGeom>
-          <a:solidFill>
-            <a:schemeClr val="accent6">
-              <a:alpha val="50000"/>
-            </a:schemeClr>
-          </a:solidFill>
-          <a:ln>
-            <a:solidFill>
-              <a:schemeClr val="accent6"/>
-            </a:solidFill>
-          </a:ln>
-        </p:spPr>
-        <p:style>
-          <a:lnRef idx="2">
-            <a:schemeClr val="accent4">
-              <a:shade val="50000"/>
-            </a:schemeClr>
-          </a:lnRef>
-          <a:fillRef idx="1">
-            <a:schemeClr val="accent4"/>
-          </a:fillRef>
-          <a:effectRef idx="0">
-            <a:schemeClr val="accent4"/>
-          </a:effectRef>
-          <a:fontRef idx="minor">
-            <a:schemeClr val="lt1"/>
-          </a:fontRef>
-        </p:style>
-        <p:txBody>
-          <a:bodyPr rtlCol="0" anchor="ctr"/>
-          <a:lstStyle/>
-          <a:p>
-            <a:pPr algn="ctr"/>
-            <a:endParaRPr lang="en-US"/>
-          </a:p>
-        </p:txBody>
-      </p:sp>
-      <p:sp>
-        <p:nvSpPr>
-          <p:cNvPr id="156" name="Hexagon 155">
-            <a:extLst>
-              <a:ext uri="{FF2B5EF4-FFF2-40B4-BE49-F238E27FC236}">
-                <a16:creationId xmlns:a16="http://schemas.microsoft.com/office/drawing/2014/main" id="{3BF68A29-20FD-4F07-AE56-4F2F2A04989B}"/>
-              </a:ext>
-            </a:extLst>
-          </p:cNvPr>
-          <p:cNvSpPr/>
-          <p:nvPr/>
-        </p:nvSpPr>
-        <p:spPr>
-          <a:xfrm rot="5400000">
-            <a:off x="8888784" y="4107348"/>
-            <a:ext cx="692459" cy="598977"/>
-          </a:xfrm>
-          <a:prstGeom prst="hexagon">
-            <a:avLst>
-              <a:gd name="adj" fmla="val 33081"/>
-              <a:gd name="vf" fmla="val 115470"/>
-            </a:avLst>
-          </a:prstGeom>
-          <a:solidFill>
-            <a:schemeClr val="accent6">
-              <a:alpha val="50000"/>
-            </a:schemeClr>
-          </a:solidFill>
-          <a:ln>
-            <a:solidFill>
-              <a:schemeClr val="accent6"/>
-            </a:solidFill>
-          </a:ln>
-        </p:spPr>
-        <p:style>
-          <a:lnRef idx="2">
-            <a:schemeClr val="accent4">
-              <a:shade val="50000"/>
-            </a:schemeClr>
-          </a:lnRef>
-          <a:fillRef idx="1">
-            <a:schemeClr val="accent4"/>
-          </a:fillRef>
-          <a:effectRef idx="0">
-            <a:schemeClr val="accent4"/>
-          </a:effectRef>
-          <a:fontRef idx="minor">
-            <a:schemeClr val="lt1"/>
-          </a:fontRef>
-        </p:style>
-        <p:txBody>
-          <a:bodyPr rtlCol="0" anchor="ctr"/>
-          <a:lstStyle/>
-          <a:p>
-            <a:pPr algn="ctr"/>
-            <a:endParaRPr lang="en-US"/>
-          </a:p>
-        </p:txBody>
-      </p:sp>
-      <p:sp>
-        <p:nvSpPr>
-          <p:cNvPr id="158" name="TextBox 157">
-            <a:extLst>
-              <a:ext uri="{FF2B5EF4-FFF2-40B4-BE49-F238E27FC236}">
-                <a16:creationId xmlns:a16="http://schemas.microsoft.com/office/drawing/2014/main" id="{676855A8-703F-4005-B9DA-19B2BDEE32B3}"/>
-              </a:ext>
-            </a:extLst>
-          </p:cNvPr>
-          <p:cNvSpPr txBox="1"/>
-          <p:nvPr/>
-        </p:nvSpPr>
-        <p:spPr>
-          <a:xfrm>
-            <a:off x="6843274" y="610215"/>
-            <a:ext cx="3138749" cy="923330"/>
-          </a:xfrm>
-          <a:prstGeom prst="rect">
-            <a:avLst/>
-          </a:prstGeom>
-          <a:noFill/>
-        </p:spPr>
-        <p:txBody>
-          <a:bodyPr wrap="square" rtlCol="0">
-            <a:spAutoFit/>
-          </a:bodyPr>
-          <a:lstStyle/>
-          <a:p>
-            <a:r>
-              <a:rPr lang="en-US" dirty="0"/>
-              <a:t>Hexagonal lattice 2 overlaid on capture locations (left), idealized (right)</a:t>
-            </a:r>
-          </a:p>
-        </p:txBody>
-      </p:sp>
     </p:spTree>
     <p:extLst>
       <p:ext uri="{BB962C8B-B14F-4D97-AF65-F5344CB8AC3E}">
-        <p14:creationId xmlns:p14="http://schemas.microsoft.com/office/powerpoint/2010/main" val="640438397"/>
+        <p14:creationId xmlns:p14="http://schemas.microsoft.com/office/powerpoint/2010/main" val="1404295064"/>
       </p:ext>
     </p:extLst>
   </p:cSld>
